--- a/Diapositivas utilizadas en la documentación.pptx
+++ b/Diapositivas utilizadas en la documentación.pptx
@@ -5,11 +5,12 @@
     <p:sldMasterId id="2147483648" r:id="rId1"/>
   </p:sldMasterIdLst>
   <p:sldIdLst>
-    <p:sldId id="257" r:id="rId2"/>
-    <p:sldId id="256" r:id="rId3"/>
-    <p:sldId id="258" r:id="rId4"/>
-    <p:sldId id="259" r:id="rId5"/>
-    <p:sldId id="260" r:id="rId6"/>
+    <p:sldId id="261" r:id="rId2"/>
+    <p:sldId id="257" r:id="rId3"/>
+    <p:sldId id="256" r:id="rId4"/>
+    <p:sldId id="258" r:id="rId5"/>
+    <p:sldId id="259" r:id="rId6"/>
+    <p:sldId id="260" r:id="rId7"/>
   </p:sldIdLst>
   <p:sldSz cx="12192000" cy="6858000"/>
   <p:notesSz cx="6858000" cy="9144000"/>
@@ -111,6 +112,11 @@
   <p:extLst>
     <p:ext uri="{521415D9-36F7-43E2-AB2F-B90AF26B5E84}">
       <p14:sectionLst xmlns:p14="http://schemas.microsoft.com/office/powerpoint/2010/main">
+        <p14:section name="Casos de uso" id="{E93C9F49-BD72-48C6-B52F-108F0F5C05EA}">
+          <p14:sldIdLst>
+            <p14:sldId id="261"/>
+          </p14:sldIdLst>
+        </p14:section>
         <p14:section name="Diseño de arquitectura" id="{8C835CF5-02C5-4058-ABBB-FD3791B35071}">
           <p14:sldIdLst>
             <p14:sldId id="257"/>
@@ -3357,10 +3363,10 @@
       </p:grpSpPr>
       <p:sp>
         <p:nvSpPr>
-          <p:cNvPr id="7" name="Rectángulo: esquinas redondeadas 6">
-            <a:extLst>
-              <a:ext uri="{FF2B5EF4-FFF2-40B4-BE49-F238E27FC236}">
-                <a16:creationId xmlns:a16="http://schemas.microsoft.com/office/drawing/2014/main" id="{A4A984D9-14B0-47E9-945C-D87BE3A61FA9}"/>
+          <p:cNvPr id="4" name="Diagrama de flujo: unión de suma 3">
+            <a:extLst>
+              <a:ext uri="{FF2B5EF4-FFF2-40B4-BE49-F238E27FC236}">
+                <a16:creationId xmlns:a16="http://schemas.microsoft.com/office/drawing/2014/main" id="{8065DD2A-60DA-46CE-9C35-DEFD025426F4}"/>
               </a:ext>
             </a:extLst>
           </p:cNvPr>
@@ -3369,12 +3375,20 @@
         </p:nvSpPr>
         <p:spPr>
           <a:xfrm>
-            <a:off x="154814" y="101539"/>
-            <a:ext cx="2291502" cy="1577131"/>
-          </a:xfrm>
-          <a:prstGeom prst="roundRect">
-            <a:avLst/>
-          </a:prstGeom>
+            <a:off x="1061883" y="1209368"/>
+            <a:ext cx="353961" cy="339213"/>
+          </a:xfrm>
+          <a:prstGeom prst="flowChartSummingJunction">
+            <a:avLst/>
+          </a:prstGeom>
+          <a:ln>
+            <a:solidFill>
+              <a:schemeClr val="tx2">
+                <a:lumMod val="20000"/>
+                <a:lumOff val="80000"/>
+              </a:schemeClr>
+            </a:solidFill>
+          </a:ln>
         </p:spPr>
         <p:style>
           <a:lnRef idx="2">
@@ -3403,10 +3417,192 @@
       </p:sp>
       <p:sp>
         <p:nvSpPr>
-          <p:cNvPr id="5" name="Rectángulo: esquinas redondeadas 4">
-            <a:extLst>
-              <a:ext uri="{FF2B5EF4-FFF2-40B4-BE49-F238E27FC236}">
-                <a16:creationId xmlns:a16="http://schemas.microsoft.com/office/drawing/2014/main" id="{7351DE67-5982-4252-9E5C-AC2B25F89774}"/>
+          <p:cNvPr id="5" name="CuadroTexto 4">
+            <a:extLst>
+              <a:ext uri="{FF2B5EF4-FFF2-40B4-BE49-F238E27FC236}">
+                <a16:creationId xmlns:a16="http://schemas.microsoft.com/office/drawing/2014/main" id="{7648D039-8261-454B-9DFE-8F48EB34881C}"/>
+              </a:ext>
+            </a:extLst>
+          </p:cNvPr>
+          <p:cNvSpPr txBox="1"/>
+          <p:nvPr/>
+        </p:nvSpPr>
+        <p:spPr>
+          <a:xfrm>
+            <a:off x="784251" y="733425"/>
+            <a:ext cx="909223" cy="369332"/>
+          </a:xfrm>
+          <a:prstGeom prst="rect">
+            <a:avLst/>
+          </a:prstGeom>
+          <a:noFill/>
+        </p:spPr>
+        <p:txBody>
+          <a:bodyPr wrap="none" rtlCol="0">
+            <a:spAutoFit/>
+          </a:bodyPr>
+          <a:lstStyle/>
+          <a:p>
+            <a:r>
+              <a:rPr lang="es-ES" dirty="0"/>
+              <a:t>Usuario</a:t>
+            </a:r>
+          </a:p>
+        </p:txBody>
+      </p:sp>
+      <p:cxnSp>
+        <p:nvCxnSpPr>
+          <p:cNvPr id="7" name="Conector recto 6">
+            <a:extLst>
+              <a:ext uri="{FF2B5EF4-FFF2-40B4-BE49-F238E27FC236}">
+                <a16:creationId xmlns:a16="http://schemas.microsoft.com/office/drawing/2014/main" id="{3AFBFDFA-A38A-41F0-8A34-3EB152AE13F5}"/>
+              </a:ext>
+            </a:extLst>
+          </p:cNvPr>
+          <p:cNvCxnSpPr>
+            <a:cxnSpLocks/>
+            <a:stCxn id="4" idx="4"/>
+          </p:cNvCxnSpPr>
+          <p:nvPr/>
+        </p:nvCxnSpPr>
+        <p:spPr>
+          <a:xfrm flipH="1">
+            <a:off x="1238862" y="1548581"/>
+            <a:ext cx="2" cy="375469"/>
+          </a:xfrm>
+          <a:prstGeom prst="line">
+            <a:avLst/>
+          </a:prstGeom>
+        </p:spPr>
+        <p:style>
+          <a:lnRef idx="1">
+            <a:schemeClr val="accent1"/>
+          </a:lnRef>
+          <a:fillRef idx="0">
+            <a:schemeClr val="accent1"/>
+          </a:fillRef>
+          <a:effectRef idx="0">
+            <a:schemeClr val="accent1"/>
+          </a:effectRef>
+          <a:fontRef idx="minor">
+            <a:schemeClr val="tx1"/>
+          </a:fontRef>
+        </p:style>
+      </p:cxnSp>
+      <p:cxnSp>
+        <p:nvCxnSpPr>
+          <p:cNvPr id="10" name="Conector recto 9">
+            <a:extLst>
+              <a:ext uri="{FF2B5EF4-FFF2-40B4-BE49-F238E27FC236}">
+                <a16:creationId xmlns:a16="http://schemas.microsoft.com/office/drawing/2014/main" id="{27B55F1D-A721-477E-8BA6-B92A4DBF06FD}"/>
+              </a:ext>
+            </a:extLst>
+          </p:cNvPr>
+          <p:cNvCxnSpPr/>
+          <p:nvPr/>
+        </p:nvCxnSpPr>
+        <p:spPr>
+          <a:xfrm>
+            <a:off x="1061883" y="1548581"/>
+            <a:ext cx="353961" cy="0"/>
+          </a:xfrm>
+          <a:prstGeom prst="line">
+            <a:avLst/>
+          </a:prstGeom>
+        </p:spPr>
+        <p:style>
+          <a:lnRef idx="1">
+            <a:schemeClr val="accent1"/>
+          </a:lnRef>
+          <a:fillRef idx="0">
+            <a:schemeClr val="accent1"/>
+          </a:fillRef>
+          <a:effectRef idx="0">
+            <a:schemeClr val="accent1"/>
+          </a:effectRef>
+          <a:fontRef idx="minor">
+            <a:schemeClr val="tx1"/>
+          </a:fontRef>
+        </p:style>
+      </p:cxnSp>
+      <p:cxnSp>
+        <p:nvCxnSpPr>
+          <p:cNvPr id="12" name="Conector recto 11">
+            <a:extLst>
+              <a:ext uri="{FF2B5EF4-FFF2-40B4-BE49-F238E27FC236}">
+                <a16:creationId xmlns:a16="http://schemas.microsoft.com/office/drawing/2014/main" id="{13DCBFC2-866B-4549-9E08-162432B1DB0E}"/>
+              </a:ext>
+            </a:extLst>
+          </p:cNvPr>
+          <p:cNvCxnSpPr/>
+          <p:nvPr/>
+        </p:nvCxnSpPr>
+        <p:spPr>
+          <a:xfrm flipH="1">
+            <a:off x="1133475" y="1924050"/>
+            <a:ext cx="105387" cy="123825"/>
+          </a:xfrm>
+          <a:prstGeom prst="line">
+            <a:avLst/>
+          </a:prstGeom>
+        </p:spPr>
+        <p:style>
+          <a:lnRef idx="1">
+            <a:schemeClr val="accent1"/>
+          </a:lnRef>
+          <a:fillRef idx="0">
+            <a:schemeClr val="accent1"/>
+          </a:fillRef>
+          <a:effectRef idx="0">
+            <a:schemeClr val="accent1"/>
+          </a:effectRef>
+          <a:fontRef idx="minor">
+            <a:schemeClr val="tx1"/>
+          </a:fontRef>
+        </p:style>
+      </p:cxnSp>
+      <p:cxnSp>
+        <p:nvCxnSpPr>
+          <p:cNvPr id="14" name="Conector recto 13">
+            <a:extLst>
+              <a:ext uri="{FF2B5EF4-FFF2-40B4-BE49-F238E27FC236}">
+                <a16:creationId xmlns:a16="http://schemas.microsoft.com/office/drawing/2014/main" id="{BCB56C2B-51BC-4C21-9587-A45402FD366A}"/>
+              </a:ext>
+            </a:extLst>
+          </p:cNvPr>
+          <p:cNvCxnSpPr/>
+          <p:nvPr/>
+        </p:nvCxnSpPr>
+        <p:spPr>
+          <a:xfrm>
+            <a:off x="1238862" y="1924050"/>
+            <a:ext cx="85113" cy="125821"/>
+          </a:xfrm>
+          <a:prstGeom prst="line">
+            <a:avLst/>
+          </a:prstGeom>
+        </p:spPr>
+        <p:style>
+          <a:lnRef idx="1">
+            <a:schemeClr val="accent1"/>
+          </a:lnRef>
+          <a:fillRef idx="0">
+            <a:schemeClr val="accent1"/>
+          </a:fillRef>
+          <a:effectRef idx="0">
+            <a:schemeClr val="accent1"/>
+          </a:effectRef>
+          <a:fontRef idx="minor">
+            <a:schemeClr val="tx1"/>
+          </a:fontRef>
+        </p:style>
+      </p:cxnSp>
+      <p:sp>
+        <p:nvSpPr>
+          <p:cNvPr id="15" name="Diagrama de flujo: unión de suma 14">
+            <a:extLst>
+              <a:ext uri="{FF2B5EF4-FFF2-40B4-BE49-F238E27FC236}">
+                <a16:creationId xmlns:a16="http://schemas.microsoft.com/office/drawing/2014/main" id="{352FF393-C6E1-4E45-8B59-F9CCB3DF328E}"/>
               </a:ext>
             </a:extLst>
           </p:cNvPr>
@@ -3415,12 +3611,17 @@
         </p:nvSpPr>
         <p:spPr>
           <a:xfrm>
-            <a:off x="290436" y="177042"/>
-            <a:ext cx="2001501" cy="636508"/>
-          </a:xfrm>
-          <a:prstGeom prst="roundRect">
-            <a:avLst/>
-          </a:prstGeom>
+            <a:off x="1044809" y="3695720"/>
+            <a:ext cx="353961" cy="339213"/>
+          </a:xfrm>
+          <a:prstGeom prst="flowChartSummingJunction">
+            <a:avLst/>
+          </a:prstGeom>
+          <a:ln>
+            <a:solidFill>
+              <a:srgbClr val="00B0F0"/>
+            </a:solidFill>
+          </a:ln>
         </p:spPr>
         <p:style>
           <a:lnRef idx="2">
@@ -3443,26 +3644,16 @@
           <a:lstStyle/>
           <a:p>
             <a:pPr algn="ctr"/>
-            <a:r>
-              <a:rPr lang="es-ES" dirty="0"/>
-              <a:t>Aplicación</a:t>
-            </a:r>
-          </a:p>
-          <a:p>
-            <a:pPr algn="ctr"/>
-            <a:r>
-              <a:rPr lang="es-ES" dirty="0"/>
-              <a:t>Coctelpedia</a:t>
-            </a:r>
-          </a:p>
-        </p:txBody>
-      </p:sp>
-      <p:sp>
-        <p:nvSpPr>
-          <p:cNvPr id="6" name="CuadroTexto 5">
-            <a:extLst>
-              <a:ext uri="{FF2B5EF4-FFF2-40B4-BE49-F238E27FC236}">
-                <a16:creationId xmlns:a16="http://schemas.microsoft.com/office/drawing/2014/main" id="{68D0FC8F-3CB5-4646-880C-68E1534680FE}"/>
+            <a:endParaRPr lang="es-ES"/>
+          </a:p>
+        </p:txBody>
+      </p:sp>
+      <p:sp>
+        <p:nvSpPr>
+          <p:cNvPr id="16" name="CuadroTexto 15">
+            <a:extLst>
+              <a:ext uri="{FF2B5EF4-FFF2-40B4-BE49-F238E27FC236}">
+                <a16:creationId xmlns:a16="http://schemas.microsoft.com/office/drawing/2014/main" id="{709FCF6C-6105-4F8C-B48D-133785F0F4B2}"/>
               </a:ext>
             </a:extLst>
           </p:cNvPr>
@@ -3471,8 +3662,8 @@
         </p:nvSpPr>
         <p:spPr>
           <a:xfrm>
-            <a:off x="263307" y="929428"/>
-            <a:ext cx="2001501" cy="600164"/>
+            <a:off x="0" y="3311329"/>
+            <a:ext cx="2892330" cy="369332"/>
           </a:xfrm>
           <a:prstGeom prst="rect">
             <a:avLst/>
@@ -3480,25 +3671,218 @@
           <a:noFill/>
         </p:spPr>
         <p:txBody>
-          <a:bodyPr wrap="square" rtlCol="0">
+          <a:bodyPr wrap="none" rtlCol="0">
             <a:spAutoFit/>
           </a:bodyPr>
           <a:lstStyle/>
           <a:p>
+            <a:r>
+              <a:rPr lang="es-ES" dirty="0"/>
+              <a:t>Administrador/Desarrollador</a:t>
+            </a:r>
+          </a:p>
+        </p:txBody>
+      </p:sp>
+      <p:cxnSp>
+        <p:nvCxnSpPr>
+          <p:cNvPr id="17" name="Conector recto 16">
+            <a:extLst>
+              <a:ext uri="{FF2B5EF4-FFF2-40B4-BE49-F238E27FC236}">
+                <a16:creationId xmlns:a16="http://schemas.microsoft.com/office/drawing/2014/main" id="{7643E1B6-E836-4085-A66C-7B159DA6CA0C}"/>
+              </a:ext>
+            </a:extLst>
+          </p:cNvPr>
+          <p:cNvCxnSpPr>
+            <a:cxnSpLocks/>
+            <a:stCxn id="15" idx="4"/>
+          </p:cNvCxnSpPr>
+          <p:nvPr/>
+        </p:nvCxnSpPr>
+        <p:spPr>
+          <a:xfrm flipH="1">
+            <a:off x="1221788" y="4034933"/>
+            <a:ext cx="2" cy="375469"/>
+          </a:xfrm>
+          <a:prstGeom prst="line">
+            <a:avLst/>
+          </a:prstGeom>
+        </p:spPr>
+        <p:style>
+          <a:lnRef idx="1">
+            <a:schemeClr val="accent1"/>
+          </a:lnRef>
+          <a:fillRef idx="0">
+            <a:schemeClr val="accent1"/>
+          </a:fillRef>
+          <a:effectRef idx="0">
+            <a:schemeClr val="accent1"/>
+          </a:effectRef>
+          <a:fontRef idx="minor">
+            <a:schemeClr val="tx1"/>
+          </a:fontRef>
+        </p:style>
+      </p:cxnSp>
+      <p:cxnSp>
+        <p:nvCxnSpPr>
+          <p:cNvPr id="18" name="Conector recto 17">
+            <a:extLst>
+              <a:ext uri="{FF2B5EF4-FFF2-40B4-BE49-F238E27FC236}">
+                <a16:creationId xmlns:a16="http://schemas.microsoft.com/office/drawing/2014/main" id="{5626A0DE-571D-497D-AC2B-023E8607241E}"/>
+              </a:ext>
+            </a:extLst>
+          </p:cNvPr>
+          <p:cNvCxnSpPr/>
+          <p:nvPr/>
+        </p:nvCxnSpPr>
+        <p:spPr>
+          <a:xfrm>
+            <a:off x="1044809" y="4034933"/>
+            <a:ext cx="353961" cy="0"/>
+          </a:xfrm>
+          <a:prstGeom prst="line">
+            <a:avLst/>
+          </a:prstGeom>
+        </p:spPr>
+        <p:style>
+          <a:lnRef idx="1">
+            <a:schemeClr val="accent1"/>
+          </a:lnRef>
+          <a:fillRef idx="0">
+            <a:schemeClr val="accent1"/>
+          </a:fillRef>
+          <a:effectRef idx="0">
+            <a:schemeClr val="accent1"/>
+          </a:effectRef>
+          <a:fontRef idx="minor">
+            <a:schemeClr val="tx1"/>
+          </a:fontRef>
+        </p:style>
+      </p:cxnSp>
+      <p:cxnSp>
+        <p:nvCxnSpPr>
+          <p:cNvPr id="19" name="Conector recto 18">
+            <a:extLst>
+              <a:ext uri="{FF2B5EF4-FFF2-40B4-BE49-F238E27FC236}">
+                <a16:creationId xmlns:a16="http://schemas.microsoft.com/office/drawing/2014/main" id="{A17FF7FF-052F-4909-80A1-55140A99AA42}"/>
+              </a:ext>
+            </a:extLst>
+          </p:cNvPr>
+          <p:cNvCxnSpPr/>
+          <p:nvPr/>
+        </p:nvCxnSpPr>
+        <p:spPr>
+          <a:xfrm flipH="1">
+            <a:off x="1116401" y="4410402"/>
+            <a:ext cx="105387" cy="123825"/>
+          </a:xfrm>
+          <a:prstGeom prst="line">
+            <a:avLst/>
+          </a:prstGeom>
+        </p:spPr>
+        <p:style>
+          <a:lnRef idx="1">
+            <a:schemeClr val="accent1"/>
+          </a:lnRef>
+          <a:fillRef idx="0">
+            <a:schemeClr val="accent1"/>
+          </a:fillRef>
+          <a:effectRef idx="0">
+            <a:schemeClr val="accent1"/>
+          </a:effectRef>
+          <a:fontRef idx="minor">
+            <a:schemeClr val="tx1"/>
+          </a:fontRef>
+        </p:style>
+      </p:cxnSp>
+      <p:cxnSp>
+        <p:nvCxnSpPr>
+          <p:cNvPr id="20" name="Conector recto 19">
+            <a:extLst>
+              <a:ext uri="{FF2B5EF4-FFF2-40B4-BE49-F238E27FC236}">
+                <a16:creationId xmlns:a16="http://schemas.microsoft.com/office/drawing/2014/main" id="{8E6BE926-9997-4B7A-9ADD-CE1A97288DFE}"/>
+              </a:ext>
+            </a:extLst>
+          </p:cNvPr>
+          <p:cNvCxnSpPr/>
+          <p:nvPr/>
+        </p:nvCxnSpPr>
+        <p:spPr>
+          <a:xfrm>
+            <a:off x="1221788" y="4410402"/>
+            <a:ext cx="85113" cy="125821"/>
+          </a:xfrm>
+          <a:prstGeom prst="line">
+            <a:avLst/>
+          </a:prstGeom>
+        </p:spPr>
+        <p:style>
+          <a:lnRef idx="1">
+            <a:schemeClr val="accent1"/>
+          </a:lnRef>
+          <a:fillRef idx="0">
+            <a:schemeClr val="accent1"/>
+          </a:fillRef>
+          <a:effectRef idx="0">
+            <a:schemeClr val="accent1"/>
+          </a:effectRef>
+          <a:fontRef idx="minor">
+            <a:schemeClr val="tx1"/>
+          </a:fontRef>
+        </p:style>
+      </p:cxnSp>
+      <p:sp>
+        <p:nvSpPr>
+          <p:cNvPr id="21" name="Elipse 20">
+            <a:extLst>
+              <a:ext uri="{FF2B5EF4-FFF2-40B4-BE49-F238E27FC236}">
+                <a16:creationId xmlns:a16="http://schemas.microsoft.com/office/drawing/2014/main" id="{031E0227-4136-41B2-B058-66C5DC05555F}"/>
+              </a:ext>
+            </a:extLst>
+          </p:cNvPr>
+          <p:cNvSpPr/>
+          <p:nvPr/>
+        </p:nvSpPr>
+        <p:spPr>
+          <a:xfrm>
+            <a:off x="3781425" y="181282"/>
+            <a:ext cx="1590675" cy="552143"/>
+          </a:xfrm>
+          <a:prstGeom prst="ellipse">
+            <a:avLst/>
+          </a:prstGeom>
+        </p:spPr>
+        <p:style>
+          <a:lnRef idx="2">
+            <a:schemeClr val="accent6"/>
+          </a:lnRef>
+          <a:fillRef idx="1">
+            <a:schemeClr val="lt1"/>
+          </a:fillRef>
+          <a:effectRef idx="0">
+            <a:schemeClr val="accent6"/>
+          </a:effectRef>
+          <a:fontRef idx="minor">
+            <a:schemeClr val="dk1"/>
+          </a:fontRef>
+        </p:style>
+        <p:txBody>
+          <a:bodyPr rtlCol="0" anchor="ctr"/>
+          <a:lstStyle/>
+          <a:p>
             <a:pPr algn="ctr"/>
             <a:r>
-              <a:rPr lang="es-ES" sz="1100" dirty="0"/>
-              <a:t>Aplicación en React Native con expo, será la que utilice el cliente final</a:t>
-            </a:r>
-          </a:p>
-        </p:txBody>
-      </p:sp>
-      <p:sp>
-        <p:nvSpPr>
-          <p:cNvPr id="8" name="Rectángulo: esquinas redondeadas 7">
-            <a:extLst>
-              <a:ext uri="{FF2B5EF4-FFF2-40B4-BE49-F238E27FC236}">
-                <a16:creationId xmlns:a16="http://schemas.microsoft.com/office/drawing/2014/main" id="{E5828FB1-9E82-4B96-9B5B-3D2288DFC0CB}"/>
+              <a:rPr lang="es-ES" sz="1400" dirty="0"/>
+              <a:t>Buscar cóctel</a:t>
+            </a:r>
+          </a:p>
+        </p:txBody>
+      </p:sp>
+      <p:sp>
+        <p:nvSpPr>
+          <p:cNvPr id="22" name="Elipse 21">
+            <a:extLst>
+              <a:ext uri="{FF2B5EF4-FFF2-40B4-BE49-F238E27FC236}">
+                <a16:creationId xmlns:a16="http://schemas.microsoft.com/office/drawing/2014/main" id="{7E4FE1E8-25FB-451B-8F7E-8499A9456FE0}"/>
               </a:ext>
             </a:extLst>
           </p:cNvPr>
@@ -3507,27 +3891,25 @@
         </p:nvSpPr>
         <p:spPr>
           <a:xfrm>
-            <a:off x="154814" y="1754173"/>
-            <a:ext cx="2291502" cy="1775292"/>
-          </a:xfrm>
-          <a:prstGeom prst="roundRect">
+            <a:off x="3781424" y="918091"/>
+            <a:ext cx="1590675" cy="552143"/>
+          </a:xfrm>
+          <a:prstGeom prst="ellipse">
             <a:avLst/>
           </a:prstGeom>
         </p:spPr>
         <p:style>
           <a:lnRef idx="2">
-            <a:schemeClr val="accent1">
-              <a:shade val="50000"/>
-            </a:schemeClr>
+            <a:schemeClr val="accent6"/>
           </a:lnRef>
           <a:fillRef idx="1">
-            <a:schemeClr val="accent1"/>
-          </a:fillRef>
-          <a:effectRef idx="0">
-            <a:schemeClr val="accent1"/>
-          </a:effectRef>
-          <a:fontRef idx="minor">
             <a:schemeClr val="lt1"/>
+          </a:fillRef>
+          <a:effectRef idx="0">
+            <a:schemeClr val="accent6"/>
+          </a:effectRef>
+          <a:fontRef idx="minor">
+            <a:schemeClr val="dk1"/>
           </a:fontRef>
         </p:style>
         <p:txBody>
@@ -3535,16 +3917,19 @@
           <a:lstStyle/>
           <a:p>
             <a:pPr algn="ctr"/>
-            <a:endParaRPr lang="es-ES"/>
-          </a:p>
-        </p:txBody>
-      </p:sp>
-      <p:sp>
-        <p:nvSpPr>
-          <p:cNvPr id="9" name="Rectángulo: esquinas redondeadas 8">
-            <a:extLst>
-              <a:ext uri="{FF2B5EF4-FFF2-40B4-BE49-F238E27FC236}">
-                <a16:creationId xmlns:a16="http://schemas.microsoft.com/office/drawing/2014/main" id="{A33D44FE-18B4-494B-B658-E9C4FF1C0926}"/>
+            <a:r>
+              <a:rPr lang="es-ES" sz="1400" dirty="0"/>
+              <a:t>Jugar juego</a:t>
+            </a:r>
+          </a:p>
+        </p:txBody>
+      </p:sp>
+      <p:sp>
+        <p:nvSpPr>
+          <p:cNvPr id="23" name="Elipse 22">
+            <a:extLst>
+              <a:ext uri="{FF2B5EF4-FFF2-40B4-BE49-F238E27FC236}">
+                <a16:creationId xmlns:a16="http://schemas.microsoft.com/office/drawing/2014/main" id="{3CD55919-BE6E-4A5F-BFF4-A27371E86FC5}"/>
               </a:ext>
             </a:extLst>
           </p:cNvPr>
@@ -3553,27 +3938,25 @@
         </p:nvSpPr>
         <p:spPr>
           <a:xfrm>
-            <a:off x="290436" y="1829675"/>
-            <a:ext cx="2001500" cy="746620"/>
-          </a:xfrm>
-          <a:prstGeom prst="roundRect">
+            <a:off x="3781424" y="1654900"/>
+            <a:ext cx="1590675" cy="552143"/>
+          </a:xfrm>
+          <a:prstGeom prst="ellipse">
             <a:avLst/>
           </a:prstGeom>
         </p:spPr>
         <p:style>
           <a:lnRef idx="2">
-            <a:schemeClr val="accent1">
-              <a:shade val="50000"/>
-            </a:schemeClr>
+            <a:schemeClr val="accent6"/>
           </a:lnRef>
           <a:fillRef idx="1">
-            <a:schemeClr val="accent1"/>
-          </a:fillRef>
-          <a:effectRef idx="0">
-            <a:schemeClr val="accent1"/>
-          </a:effectRef>
-          <a:fontRef idx="minor">
             <a:schemeClr val="lt1"/>
+          </a:fillRef>
+          <a:effectRef idx="0">
+            <a:schemeClr val="accent6"/>
+          </a:effectRef>
+          <a:fontRef idx="minor">
+            <a:schemeClr val="dk1"/>
           </a:fontRef>
         </p:style>
         <p:txBody>
@@ -3582,61 +3965,112 @@
           <a:p>
             <a:pPr algn="ctr"/>
             <a:r>
-              <a:rPr lang="es-ES" dirty="0"/>
-              <a:t>Aplicación</a:t>
-            </a:r>
-          </a:p>
+              <a:rPr lang="es-ES" sz="1400" dirty="0"/>
+              <a:t>Leer trucos y consejos</a:t>
+            </a:r>
+          </a:p>
+        </p:txBody>
+      </p:sp>
+      <p:sp>
+        <p:nvSpPr>
+          <p:cNvPr id="24" name="Elipse 23">
+            <a:extLst>
+              <a:ext uri="{FF2B5EF4-FFF2-40B4-BE49-F238E27FC236}">
+                <a16:creationId xmlns:a16="http://schemas.microsoft.com/office/drawing/2014/main" id="{D7730580-0AF6-4EE6-82CF-C18C0339BE50}"/>
+              </a:ext>
+            </a:extLst>
+          </p:cNvPr>
+          <p:cNvSpPr/>
+          <p:nvPr/>
+        </p:nvSpPr>
+        <p:spPr>
+          <a:xfrm>
+            <a:off x="3781422" y="3128518"/>
+            <a:ext cx="1590675" cy="552143"/>
+          </a:xfrm>
+          <a:prstGeom prst="ellipse">
+            <a:avLst/>
+          </a:prstGeom>
+        </p:spPr>
+        <p:style>
+          <a:lnRef idx="2">
+            <a:schemeClr val="accent6"/>
+          </a:lnRef>
+          <a:fillRef idx="1">
+            <a:schemeClr val="lt1"/>
+          </a:fillRef>
+          <a:effectRef idx="0">
+            <a:schemeClr val="accent6"/>
+          </a:effectRef>
+          <a:fontRef idx="minor">
+            <a:schemeClr val="dk1"/>
+          </a:fontRef>
+        </p:style>
+        <p:txBody>
+          <a:bodyPr rtlCol="0" anchor="ctr"/>
+          <a:lstStyle/>
           <a:p>
             <a:pPr algn="ctr"/>
             <a:r>
-              <a:rPr lang="es-ES" dirty="0"/>
-              <a:t>Coctelpedia Manager</a:t>
-            </a:r>
-          </a:p>
-        </p:txBody>
-      </p:sp>
-      <p:sp>
-        <p:nvSpPr>
-          <p:cNvPr id="10" name="CuadroTexto 9">
-            <a:extLst>
-              <a:ext uri="{FF2B5EF4-FFF2-40B4-BE49-F238E27FC236}">
-                <a16:creationId xmlns:a16="http://schemas.microsoft.com/office/drawing/2014/main" id="{95EA36F6-CAA1-49ED-AC47-92F2215724A4}"/>
-              </a:ext>
-            </a:extLst>
-          </p:cNvPr>
-          <p:cNvSpPr txBox="1"/>
-          <p:nvPr/>
-        </p:nvSpPr>
-        <p:spPr>
-          <a:xfrm>
-            <a:off x="290434" y="2613511"/>
-            <a:ext cx="2001500" cy="938719"/>
-          </a:xfrm>
-          <a:prstGeom prst="rect">
-            <a:avLst/>
-          </a:prstGeom>
-          <a:noFill/>
-        </p:spPr>
-        <p:txBody>
-          <a:bodyPr wrap="square" rtlCol="0">
-            <a:spAutoFit/>
-          </a:bodyPr>
+              <a:rPr lang="es-ES" sz="1400" dirty="0"/>
+              <a:t>Enviar frase</a:t>
+            </a:r>
+          </a:p>
+        </p:txBody>
+      </p:sp>
+      <p:sp>
+        <p:nvSpPr>
+          <p:cNvPr id="25" name="Elipse 24">
+            <a:extLst>
+              <a:ext uri="{FF2B5EF4-FFF2-40B4-BE49-F238E27FC236}">
+                <a16:creationId xmlns:a16="http://schemas.microsoft.com/office/drawing/2014/main" id="{3B7EFCBD-254F-45FC-8CFD-C6DC890346E8}"/>
+              </a:ext>
+            </a:extLst>
+          </p:cNvPr>
+          <p:cNvSpPr/>
+          <p:nvPr/>
+        </p:nvSpPr>
+        <p:spPr>
+          <a:xfrm>
+            <a:off x="3781422" y="3865327"/>
+            <a:ext cx="1590675" cy="552143"/>
+          </a:xfrm>
+          <a:prstGeom prst="ellipse">
+            <a:avLst/>
+          </a:prstGeom>
+        </p:spPr>
+        <p:style>
+          <a:lnRef idx="2">
+            <a:schemeClr val="accent6"/>
+          </a:lnRef>
+          <a:fillRef idx="1">
+            <a:schemeClr val="lt1"/>
+          </a:fillRef>
+          <a:effectRef idx="0">
+            <a:schemeClr val="accent6"/>
+          </a:effectRef>
+          <a:fontRef idx="minor">
+            <a:schemeClr val="dk1"/>
+          </a:fontRef>
+        </p:style>
+        <p:txBody>
+          <a:bodyPr rtlCol="0" anchor="ctr"/>
           <a:lstStyle/>
           <a:p>
             <a:pPr algn="ctr"/>
             <a:r>
-              <a:rPr lang="es-ES" sz="1100" dirty="0"/>
-              <a:t>Aplicación en React Native con expo, usada por el administrador para admitir/rechazar o cambiar las frases enviadas por los usuarios</a:t>
-            </a:r>
-          </a:p>
-        </p:txBody>
-      </p:sp>
-      <p:sp>
-        <p:nvSpPr>
-          <p:cNvPr id="11" name="Rectángulo: esquinas redondeadas 10">
-            <a:extLst>
-              <a:ext uri="{FF2B5EF4-FFF2-40B4-BE49-F238E27FC236}">
-                <a16:creationId xmlns:a16="http://schemas.microsoft.com/office/drawing/2014/main" id="{2B25192F-8F0B-4A92-89FE-FA77FF4E40D3}"/>
+              <a:rPr lang="es-ES" sz="1400" dirty="0"/>
+              <a:t>Editar frase</a:t>
+            </a:r>
+          </a:p>
+        </p:txBody>
+      </p:sp>
+      <p:sp>
+        <p:nvSpPr>
+          <p:cNvPr id="26" name="Elipse 25">
+            <a:extLst>
+              <a:ext uri="{FF2B5EF4-FFF2-40B4-BE49-F238E27FC236}">
+                <a16:creationId xmlns:a16="http://schemas.microsoft.com/office/drawing/2014/main" id="{4EE1A894-B682-4136-B13D-92A2D4456AFA}"/>
               </a:ext>
             </a:extLst>
           </p:cNvPr>
@@ -3645,27 +4079,25 @@
         </p:nvSpPr>
         <p:spPr>
           <a:xfrm>
-            <a:off x="154812" y="3595772"/>
-            <a:ext cx="2291501" cy="1452367"/>
-          </a:xfrm>
-          <a:prstGeom prst="roundRect">
+            <a:off x="3781422" y="4602136"/>
+            <a:ext cx="1590675" cy="552143"/>
+          </a:xfrm>
+          <a:prstGeom prst="ellipse">
             <a:avLst/>
           </a:prstGeom>
         </p:spPr>
         <p:style>
           <a:lnRef idx="2">
-            <a:schemeClr val="accent1">
-              <a:shade val="50000"/>
-            </a:schemeClr>
+            <a:schemeClr val="accent6"/>
           </a:lnRef>
           <a:fillRef idx="1">
-            <a:schemeClr val="accent1"/>
-          </a:fillRef>
-          <a:effectRef idx="0">
-            <a:schemeClr val="accent1"/>
-          </a:effectRef>
-          <a:fontRef idx="minor">
             <a:schemeClr val="lt1"/>
+          </a:fillRef>
+          <a:effectRef idx="0">
+            <a:schemeClr val="accent6"/>
+          </a:effectRef>
+          <a:fontRef idx="minor">
+            <a:schemeClr val="dk1"/>
           </a:fontRef>
         </p:style>
         <p:txBody>
@@ -3673,16 +4105,19 @@
           <a:lstStyle/>
           <a:p>
             <a:pPr algn="ctr"/>
-            <a:endParaRPr lang="es-ES"/>
-          </a:p>
-        </p:txBody>
-      </p:sp>
-      <p:sp>
-        <p:nvSpPr>
-          <p:cNvPr id="12" name="Rectángulo: esquinas redondeadas 11">
-            <a:extLst>
-              <a:ext uri="{FF2B5EF4-FFF2-40B4-BE49-F238E27FC236}">
-                <a16:creationId xmlns:a16="http://schemas.microsoft.com/office/drawing/2014/main" id="{BE7261C9-6B68-4810-9480-2F4C5CDAC008}"/>
+            <a:r>
+              <a:rPr lang="es-ES" sz="1400" dirty="0"/>
+              <a:t>Borrar frase</a:t>
+            </a:r>
+          </a:p>
+        </p:txBody>
+      </p:sp>
+      <p:sp>
+        <p:nvSpPr>
+          <p:cNvPr id="27" name="Elipse 26">
+            <a:extLst>
+              <a:ext uri="{FF2B5EF4-FFF2-40B4-BE49-F238E27FC236}">
+                <a16:creationId xmlns:a16="http://schemas.microsoft.com/office/drawing/2014/main" id="{A31072D1-D28F-4F8E-8484-A7A7F57303AE}"/>
               </a:ext>
             </a:extLst>
           </p:cNvPr>
@@ -3691,27 +4126,25 @@
         </p:nvSpPr>
         <p:spPr>
           <a:xfrm>
-            <a:off x="290435" y="3671273"/>
-            <a:ext cx="1974373" cy="570209"/>
-          </a:xfrm>
-          <a:prstGeom prst="roundRect">
+            <a:off x="3781423" y="2391709"/>
+            <a:ext cx="1590675" cy="552143"/>
+          </a:xfrm>
+          <a:prstGeom prst="ellipse">
             <a:avLst/>
           </a:prstGeom>
         </p:spPr>
         <p:style>
           <a:lnRef idx="2">
-            <a:schemeClr val="accent1">
-              <a:shade val="50000"/>
-            </a:schemeClr>
+            <a:schemeClr val="accent6"/>
           </a:lnRef>
           <a:fillRef idx="1">
-            <a:schemeClr val="accent1"/>
-          </a:fillRef>
-          <a:effectRef idx="0">
-            <a:schemeClr val="accent1"/>
-          </a:effectRef>
-          <a:fontRef idx="minor">
             <a:schemeClr val="lt1"/>
+          </a:fillRef>
+          <a:effectRef idx="0">
+            <a:schemeClr val="accent6"/>
+          </a:effectRef>
+          <a:fontRef idx="minor">
+            <a:schemeClr val="dk1"/>
           </a:fontRef>
         </p:style>
         <p:txBody>
@@ -3720,330 +4153,321 @@
           <a:p>
             <a:pPr algn="ctr"/>
             <a:r>
-              <a:rPr lang="es-ES" dirty="0"/>
-              <a:t>Base de datos en SQL Server</a:t>
-            </a:r>
-          </a:p>
-        </p:txBody>
-      </p:sp>
-      <p:sp>
-        <p:nvSpPr>
-          <p:cNvPr id="13" name="CuadroTexto 12">
-            <a:extLst>
-              <a:ext uri="{FF2B5EF4-FFF2-40B4-BE49-F238E27FC236}">
-                <a16:creationId xmlns:a16="http://schemas.microsoft.com/office/drawing/2014/main" id="{77800541-498D-4292-AE5C-CB14E0108128}"/>
-              </a:ext>
-            </a:extLst>
-          </p:cNvPr>
-          <p:cNvSpPr txBox="1"/>
-          <p:nvPr/>
-        </p:nvSpPr>
-        <p:spPr>
-          <a:xfrm>
-            <a:off x="290433" y="4278698"/>
-            <a:ext cx="1974373" cy="769441"/>
-          </a:xfrm>
-          <a:prstGeom prst="rect">
-            <a:avLst/>
-          </a:prstGeom>
-          <a:noFill/>
-        </p:spPr>
-        <p:txBody>
-          <a:bodyPr wrap="square" rtlCol="0">
-            <a:spAutoFit/>
-          </a:bodyPr>
-          <a:lstStyle/>
-          <a:p>
-            <a:pPr algn="ctr"/>
-            <a:r>
-              <a:rPr lang="es-ES" sz="1100" dirty="0"/>
-              <a:t>En ella se alojarán todos los datos sobre los juegos y las valoraciones recibidas por los usuarios</a:t>
-            </a:r>
-          </a:p>
-        </p:txBody>
-      </p:sp>
-      <p:sp>
-        <p:nvSpPr>
-          <p:cNvPr id="14" name="Rectángulo: esquinas redondeadas 13">
-            <a:extLst>
-              <a:ext uri="{FF2B5EF4-FFF2-40B4-BE49-F238E27FC236}">
-                <a16:creationId xmlns:a16="http://schemas.microsoft.com/office/drawing/2014/main" id="{BFACE280-E687-4C38-9F51-90D3BD59AE9B}"/>
-              </a:ext>
-            </a:extLst>
-          </p:cNvPr>
-          <p:cNvSpPr/>
-          <p:nvPr/>
-        </p:nvSpPr>
-        <p:spPr>
-          <a:xfrm>
-            <a:off x="154812" y="5112167"/>
-            <a:ext cx="2291501" cy="1568791"/>
-          </a:xfrm>
-          <a:prstGeom prst="roundRect">
-            <a:avLst/>
-          </a:prstGeom>
-        </p:spPr>
-        <p:style>
-          <a:lnRef idx="2">
-            <a:schemeClr val="accent1">
-              <a:shade val="50000"/>
-            </a:schemeClr>
-          </a:lnRef>
-          <a:fillRef idx="1">
-            <a:schemeClr val="accent1"/>
-          </a:fillRef>
-          <a:effectRef idx="0">
-            <a:schemeClr val="accent1"/>
-          </a:effectRef>
-          <a:fontRef idx="minor">
-            <a:schemeClr val="lt1"/>
-          </a:fontRef>
-        </p:style>
-        <p:txBody>
-          <a:bodyPr rtlCol="0" anchor="ctr"/>
-          <a:lstStyle/>
-          <a:p>
-            <a:pPr algn="ctr"/>
-            <a:endParaRPr lang="es-ES"/>
-          </a:p>
-        </p:txBody>
-      </p:sp>
-      <p:sp>
-        <p:nvSpPr>
-          <p:cNvPr id="15" name="Rectángulo: esquinas redondeadas 14">
-            <a:extLst>
-              <a:ext uri="{FF2B5EF4-FFF2-40B4-BE49-F238E27FC236}">
-                <a16:creationId xmlns:a16="http://schemas.microsoft.com/office/drawing/2014/main" id="{63D4EB33-217D-4A23-9CD1-2E05E0E486FE}"/>
-              </a:ext>
-            </a:extLst>
-          </p:cNvPr>
-          <p:cNvSpPr/>
-          <p:nvPr/>
-        </p:nvSpPr>
-        <p:spPr>
-          <a:xfrm>
-            <a:off x="290435" y="5187671"/>
-            <a:ext cx="1974373" cy="543394"/>
-          </a:xfrm>
-          <a:prstGeom prst="roundRect">
-            <a:avLst/>
-          </a:prstGeom>
-        </p:spPr>
-        <p:style>
-          <a:lnRef idx="2">
-            <a:schemeClr val="accent1">
-              <a:shade val="50000"/>
-            </a:schemeClr>
-          </a:lnRef>
-          <a:fillRef idx="1">
-            <a:schemeClr val="accent1"/>
-          </a:fillRef>
-          <a:effectRef idx="0">
-            <a:schemeClr val="accent1"/>
-          </a:effectRef>
-          <a:fontRef idx="minor">
-            <a:schemeClr val="lt1"/>
-          </a:fontRef>
-        </p:style>
-        <p:txBody>
-          <a:bodyPr rtlCol="0" anchor="ctr"/>
-          <a:lstStyle/>
-          <a:p>
-            <a:pPr algn="ctr"/>
-            <a:r>
-              <a:rPr lang="es-ES" dirty="0"/>
-              <a:t>Api Rest</a:t>
-            </a:r>
-          </a:p>
-          <a:p>
-            <a:pPr algn="ctr"/>
-            <a:r>
-              <a:rPr lang="es-ES" dirty="0"/>
-              <a:t>con JavaScript</a:t>
-            </a:r>
-          </a:p>
-        </p:txBody>
-      </p:sp>
-      <p:sp>
-        <p:nvSpPr>
-          <p:cNvPr id="16" name="CuadroTexto 15">
-            <a:extLst>
-              <a:ext uri="{FF2B5EF4-FFF2-40B4-BE49-F238E27FC236}">
-                <a16:creationId xmlns:a16="http://schemas.microsoft.com/office/drawing/2014/main" id="{71402036-C962-49F0-BB48-610E300DD983}"/>
-              </a:ext>
-            </a:extLst>
-          </p:cNvPr>
-          <p:cNvSpPr txBox="1"/>
-          <p:nvPr/>
-        </p:nvSpPr>
-        <p:spPr>
-          <a:xfrm>
-            <a:off x="290433" y="5754750"/>
-            <a:ext cx="1974373" cy="938719"/>
-          </a:xfrm>
-          <a:prstGeom prst="rect">
-            <a:avLst/>
-          </a:prstGeom>
-          <a:noFill/>
-        </p:spPr>
-        <p:txBody>
-          <a:bodyPr wrap="square" rtlCol="0">
-            <a:spAutoFit/>
-          </a:bodyPr>
-          <a:lstStyle/>
-          <a:p>
-            <a:pPr algn="ctr"/>
-            <a:r>
-              <a:rPr lang="es-ES" sz="1100" dirty="0"/>
-              <a:t>Api escrita en JavaScript para conectar las dos aplicaciones móviles con la base de datos, para realizar todas las llamadas que sean necesarias a la BD</a:t>
-            </a:r>
-          </a:p>
-        </p:txBody>
-      </p:sp>
-      <p:sp>
-        <p:nvSpPr>
-          <p:cNvPr id="17" name="CuadroTexto 16">
-            <a:extLst>
-              <a:ext uri="{FF2B5EF4-FFF2-40B4-BE49-F238E27FC236}">
-                <a16:creationId xmlns:a16="http://schemas.microsoft.com/office/drawing/2014/main" id="{374BCE0D-11C5-4C8C-9500-705668B0EC1D}"/>
-              </a:ext>
-            </a:extLst>
-          </p:cNvPr>
-          <p:cNvSpPr txBox="1"/>
-          <p:nvPr/>
-        </p:nvSpPr>
-        <p:spPr>
-          <a:xfrm>
-            <a:off x="2581936" y="413050"/>
-            <a:ext cx="4222622" cy="954107"/>
-          </a:xfrm>
-          <a:prstGeom prst="rect">
-            <a:avLst/>
-          </a:prstGeom>
-          <a:noFill/>
-        </p:spPr>
-        <p:txBody>
-          <a:bodyPr wrap="square" rtlCol="0">
-            <a:spAutoFit/>
-          </a:bodyPr>
-          <a:lstStyle/>
-          <a:p>
-            <a:r>
               <a:rPr lang="es-ES" sz="1400" dirty="0"/>
-              <a:t>La aplicación del usuario final solamente se conecta a la API Rest, para enviar a una tabla temporal las frases que escriben los usuarios, y para enviar las valoraciones recibidas directamente a una tabla de valoraciones.</a:t>
-            </a:r>
-          </a:p>
-        </p:txBody>
-      </p:sp>
-      <p:sp>
-        <p:nvSpPr>
-          <p:cNvPr id="18" name="CuadroTexto 17">
-            <a:extLst>
-              <a:ext uri="{FF2B5EF4-FFF2-40B4-BE49-F238E27FC236}">
-                <a16:creationId xmlns:a16="http://schemas.microsoft.com/office/drawing/2014/main" id="{FFADAB6A-93FC-4F44-8530-664A4D899D02}"/>
-              </a:ext>
-            </a:extLst>
-          </p:cNvPr>
-          <p:cNvSpPr txBox="1"/>
-          <p:nvPr/>
-        </p:nvSpPr>
-        <p:spPr>
-          <a:xfrm>
-            <a:off x="2581936" y="2028735"/>
-            <a:ext cx="4222622" cy="1169551"/>
-          </a:xfrm>
-          <a:prstGeom prst="rect">
-            <a:avLst/>
-          </a:prstGeom>
-          <a:noFill/>
-        </p:spPr>
-        <p:txBody>
-          <a:bodyPr wrap="square" rtlCol="0">
-            <a:spAutoFit/>
-          </a:bodyPr>
-          <a:lstStyle/>
-          <a:p>
-            <a:r>
-              <a:rPr lang="es-ES" sz="1400" dirty="0"/>
-              <a:t>Coctelpedia Manager se conecta con la API Rest, para recibir los datos de la tabla de frases temporales, para poder editarlas, o eliminarlas, y las que se acepten se enviarán directamente a la tabla final de las frases del juego.</a:t>
-            </a:r>
-          </a:p>
-        </p:txBody>
-      </p:sp>
-      <p:sp>
-        <p:nvSpPr>
-          <p:cNvPr id="19" name="CuadroTexto 18">
-            <a:extLst>
-              <a:ext uri="{FF2B5EF4-FFF2-40B4-BE49-F238E27FC236}">
-                <a16:creationId xmlns:a16="http://schemas.microsoft.com/office/drawing/2014/main" id="{E5481D5B-6163-4770-922C-9AC7F40E5B9B}"/>
-              </a:ext>
-            </a:extLst>
-          </p:cNvPr>
-          <p:cNvSpPr txBox="1"/>
-          <p:nvPr/>
-        </p:nvSpPr>
-        <p:spPr>
-          <a:xfrm>
-            <a:off x="2581934" y="3909366"/>
-            <a:ext cx="4222623" cy="738664"/>
-          </a:xfrm>
-          <a:prstGeom prst="rect">
-            <a:avLst/>
-          </a:prstGeom>
-          <a:noFill/>
-        </p:spPr>
-        <p:txBody>
-          <a:bodyPr wrap="square" rtlCol="0">
-            <a:spAutoFit/>
-          </a:bodyPr>
-          <a:lstStyle/>
-          <a:p>
-            <a:r>
-              <a:rPr lang="es-ES" sz="1400" dirty="0"/>
-              <a:t>Base de datos que guarda las frases de los distintos juegos, y también las de las valoraciones recibidas por los usuarios.</a:t>
-            </a:r>
-          </a:p>
-        </p:txBody>
-      </p:sp>
-      <p:sp>
-        <p:nvSpPr>
-          <p:cNvPr id="21" name="CuadroTexto 20">
-            <a:extLst>
-              <a:ext uri="{FF2B5EF4-FFF2-40B4-BE49-F238E27FC236}">
-                <a16:creationId xmlns:a16="http://schemas.microsoft.com/office/drawing/2014/main" id="{56702FFD-B476-446E-9714-93909FDCA16C}"/>
-              </a:ext>
-            </a:extLst>
-          </p:cNvPr>
-          <p:cNvSpPr txBox="1"/>
-          <p:nvPr/>
-        </p:nvSpPr>
-        <p:spPr>
-          <a:xfrm>
-            <a:off x="2581934" y="5093031"/>
-            <a:ext cx="4222625" cy="1600438"/>
-          </a:xfrm>
-          <a:prstGeom prst="rect">
-            <a:avLst/>
-          </a:prstGeom>
-          <a:noFill/>
-        </p:spPr>
-        <p:txBody>
-          <a:bodyPr wrap="square" rtlCol="0">
-            <a:spAutoFit/>
-          </a:bodyPr>
-          <a:lstStyle/>
-          <a:p>
-            <a:r>
-              <a:rPr lang="es-ES" sz="1400" dirty="0"/>
-              <a:t>Se comunica con las otras tres partes del proyecto: con la Base de datos para recibir y enviarle los datos de las aplicaciones, con Coctelpedia Manager para enviarle las frases temporales y recibir las definitivas, y con Coctelpedia para recibir las frases temporales y valoraciones, así como enviarle las frases definitivas para usarse en los juegos</a:t>
-            </a:r>
-          </a:p>
-        </p:txBody>
-      </p:sp>
+              <a:t>Dar valoración</a:t>
+            </a:r>
+          </a:p>
+        </p:txBody>
+      </p:sp>
+      <p:cxnSp>
+        <p:nvCxnSpPr>
+          <p:cNvPr id="30" name="Conector recto 29">
+            <a:extLst>
+              <a:ext uri="{FF2B5EF4-FFF2-40B4-BE49-F238E27FC236}">
+                <a16:creationId xmlns:a16="http://schemas.microsoft.com/office/drawing/2014/main" id="{82B0EB16-A898-4165-B704-4195BB3AFD14}"/>
+              </a:ext>
+            </a:extLst>
+          </p:cNvPr>
+          <p:cNvCxnSpPr>
+            <a:endCxn id="21" idx="2"/>
+          </p:cNvCxnSpPr>
+          <p:nvPr/>
+        </p:nvCxnSpPr>
+        <p:spPr>
+          <a:xfrm flipV="1">
+            <a:off x="1581150" y="457354"/>
+            <a:ext cx="2200275" cy="1091227"/>
+          </a:xfrm>
+          <a:prstGeom prst="line">
+            <a:avLst/>
+          </a:prstGeom>
+        </p:spPr>
+        <p:style>
+          <a:lnRef idx="1">
+            <a:schemeClr val="accent1"/>
+          </a:lnRef>
+          <a:fillRef idx="0">
+            <a:schemeClr val="accent1"/>
+          </a:fillRef>
+          <a:effectRef idx="0">
+            <a:schemeClr val="accent1"/>
+          </a:effectRef>
+          <a:fontRef idx="minor">
+            <a:schemeClr val="tx1"/>
+          </a:fontRef>
+        </p:style>
+      </p:cxnSp>
+      <p:cxnSp>
+        <p:nvCxnSpPr>
+          <p:cNvPr id="32" name="Conector recto 31">
+            <a:extLst>
+              <a:ext uri="{FF2B5EF4-FFF2-40B4-BE49-F238E27FC236}">
+                <a16:creationId xmlns:a16="http://schemas.microsoft.com/office/drawing/2014/main" id="{188D2DDB-9673-4D76-A9F7-A66F07CAA59B}"/>
+              </a:ext>
+            </a:extLst>
+          </p:cNvPr>
+          <p:cNvCxnSpPr>
+            <a:endCxn id="22" idx="2"/>
+          </p:cNvCxnSpPr>
+          <p:nvPr/>
+        </p:nvCxnSpPr>
+        <p:spPr>
+          <a:xfrm flipV="1">
+            <a:off x="1586986" y="1194163"/>
+            <a:ext cx="2194438" cy="354418"/>
+          </a:xfrm>
+          <a:prstGeom prst="line">
+            <a:avLst/>
+          </a:prstGeom>
+        </p:spPr>
+        <p:style>
+          <a:lnRef idx="1">
+            <a:schemeClr val="accent1"/>
+          </a:lnRef>
+          <a:fillRef idx="0">
+            <a:schemeClr val="accent1"/>
+          </a:fillRef>
+          <a:effectRef idx="0">
+            <a:schemeClr val="accent1"/>
+          </a:effectRef>
+          <a:fontRef idx="minor">
+            <a:schemeClr val="tx1"/>
+          </a:fontRef>
+        </p:style>
+      </p:cxnSp>
+      <p:cxnSp>
+        <p:nvCxnSpPr>
+          <p:cNvPr id="34" name="Conector recto 33">
+            <a:extLst>
+              <a:ext uri="{FF2B5EF4-FFF2-40B4-BE49-F238E27FC236}">
+                <a16:creationId xmlns:a16="http://schemas.microsoft.com/office/drawing/2014/main" id="{C5956BEC-6378-483F-BBE1-597686582007}"/>
+              </a:ext>
+            </a:extLst>
+          </p:cNvPr>
+          <p:cNvCxnSpPr>
+            <a:endCxn id="23" idx="2"/>
+          </p:cNvCxnSpPr>
+          <p:nvPr/>
+        </p:nvCxnSpPr>
+        <p:spPr>
+          <a:xfrm>
+            <a:off x="1581150" y="1563494"/>
+            <a:ext cx="2200274" cy="367478"/>
+          </a:xfrm>
+          <a:prstGeom prst="line">
+            <a:avLst/>
+          </a:prstGeom>
+        </p:spPr>
+        <p:style>
+          <a:lnRef idx="1">
+            <a:schemeClr val="accent1"/>
+          </a:lnRef>
+          <a:fillRef idx="0">
+            <a:schemeClr val="accent1"/>
+          </a:fillRef>
+          <a:effectRef idx="0">
+            <a:schemeClr val="accent1"/>
+          </a:effectRef>
+          <a:fontRef idx="minor">
+            <a:schemeClr val="tx1"/>
+          </a:fontRef>
+        </p:style>
+      </p:cxnSp>
+      <p:cxnSp>
+        <p:nvCxnSpPr>
+          <p:cNvPr id="36" name="Conector recto 35">
+            <a:extLst>
+              <a:ext uri="{FF2B5EF4-FFF2-40B4-BE49-F238E27FC236}">
+                <a16:creationId xmlns:a16="http://schemas.microsoft.com/office/drawing/2014/main" id="{F7B05FE5-A25C-4E82-AA0A-E66142AC8AEB}"/>
+              </a:ext>
+            </a:extLst>
+          </p:cNvPr>
+          <p:cNvCxnSpPr>
+            <a:endCxn id="27" idx="2"/>
+          </p:cNvCxnSpPr>
+          <p:nvPr/>
+        </p:nvCxnSpPr>
+        <p:spPr>
+          <a:xfrm>
+            <a:off x="1581150" y="1548581"/>
+            <a:ext cx="2200273" cy="1119200"/>
+          </a:xfrm>
+          <a:prstGeom prst="line">
+            <a:avLst/>
+          </a:prstGeom>
+        </p:spPr>
+        <p:style>
+          <a:lnRef idx="1">
+            <a:schemeClr val="accent1"/>
+          </a:lnRef>
+          <a:fillRef idx="0">
+            <a:schemeClr val="accent1"/>
+          </a:fillRef>
+          <a:effectRef idx="0">
+            <a:schemeClr val="accent1"/>
+          </a:effectRef>
+          <a:fontRef idx="minor">
+            <a:schemeClr val="tx1"/>
+          </a:fontRef>
+        </p:style>
+      </p:cxnSp>
+      <p:cxnSp>
+        <p:nvCxnSpPr>
+          <p:cNvPr id="38" name="Conector recto 37">
+            <a:extLst>
+              <a:ext uri="{FF2B5EF4-FFF2-40B4-BE49-F238E27FC236}">
+                <a16:creationId xmlns:a16="http://schemas.microsoft.com/office/drawing/2014/main" id="{57A114C7-5944-4D48-B1BF-6B7A60CF7B28}"/>
+              </a:ext>
+            </a:extLst>
+          </p:cNvPr>
+          <p:cNvCxnSpPr>
+            <a:endCxn id="24" idx="2"/>
+          </p:cNvCxnSpPr>
+          <p:nvPr/>
+        </p:nvCxnSpPr>
+        <p:spPr>
+          <a:xfrm>
+            <a:off x="1592823" y="1548581"/>
+            <a:ext cx="2188599" cy="1856009"/>
+          </a:xfrm>
+          <a:prstGeom prst="line">
+            <a:avLst/>
+          </a:prstGeom>
+        </p:spPr>
+        <p:style>
+          <a:lnRef idx="1">
+            <a:schemeClr val="accent1"/>
+          </a:lnRef>
+          <a:fillRef idx="0">
+            <a:schemeClr val="accent1"/>
+          </a:fillRef>
+          <a:effectRef idx="0">
+            <a:schemeClr val="accent1"/>
+          </a:effectRef>
+          <a:fontRef idx="minor">
+            <a:schemeClr val="tx1"/>
+          </a:fontRef>
+        </p:style>
+      </p:cxnSp>
+      <p:cxnSp>
+        <p:nvCxnSpPr>
+          <p:cNvPr id="40" name="Conector recto 39">
+            <a:extLst>
+              <a:ext uri="{FF2B5EF4-FFF2-40B4-BE49-F238E27FC236}">
+                <a16:creationId xmlns:a16="http://schemas.microsoft.com/office/drawing/2014/main" id="{B54C59CD-C319-4D30-878C-E42A99F00320}"/>
+              </a:ext>
+            </a:extLst>
+          </p:cNvPr>
+          <p:cNvCxnSpPr>
+            <a:cxnSpLocks/>
+            <a:endCxn id="24" idx="2"/>
+          </p:cNvCxnSpPr>
+          <p:nvPr/>
+        </p:nvCxnSpPr>
+        <p:spPr>
+          <a:xfrm flipV="1">
+            <a:off x="1592823" y="3404590"/>
+            <a:ext cx="2188599" cy="919620"/>
+          </a:xfrm>
+          <a:prstGeom prst="line">
+            <a:avLst/>
+          </a:prstGeom>
+        </p:spPr>
+        <p:style>
+          <a:lnRef idx="1">
+            <a:schemeClr val="accent1"/>
+          </a:lnRef>
+          <a:fillRef idx="0">
+            <a:schemeClr val="accent1"/>
+          </a:fillRef>
+          <a:effectRef idx="0">
+            <a:schemeClr val="accent1"/>
+          </a:effectRef>
+          <a:fontRef idx="minor">
+            <a:schemeClr val="tx1"/>
+          </a:fontRef>
+        </p:style>
+      </p:cxnSp>
+      <p:cxnSp>
+        <p:nvCxnSpPr>
+          <p:cNvPr id="43" name="Conector recto 42">
+            <a:extLst>
+              <a:ext uri="{FF2B5EF4-FFF2-40B4-BE49-F238E27FC236}">
+                <a16:creationId xmlns:a16="http://schemas.microsoft.com/office/drawing/2014/main" id="{E1ECBA2B-7C75-4A83-A42D-5149817A9FBF}"/>
+              </a:ext>
+            </a:extLst>
+          </p:cNvPr>
+          <p:cNvCxnSpPr>
+            <a:endCxn id="25" idx="2"/>
+          </p:cNvCxnSpPr>
+          <p:nvPr/>
+        </p:nvCxnSpPr>
+        <p:spPr>
+          <a:xfrm flipV="1">
+            <a:off x="1584286" y="4141399"/>
+            <a:ext cx="2197136" cy="182810"/>
+          </a:xfrm>
+          <a:prstGeom prst="line">
+            <a:avLst/>
+          </a:prstGeom>
+        </p:spPr>
+        <p:style>
+          <a:lnRef idx="1">
+            <a:schemeClr val="accent1"/>
+          </a:lnRef>
+          <a:fillRef idx="0">
+            <a:schemeClr val="accent1"/>
+          </a:fillRef>
+          <a:effectRef idx="0">
+            <a:schemeClr val="accent1"/>
+          </a:effectRef>
+          <a:fontRef idx="minor">
+            <a:schemeClr val="tx1"/>
+          </a:fontRef>
+        </p:style>
+      </p:cxnSp>
+      <p:cxnSp>
+        <p:nvCxnSpPr>
+          <p:cNvPr id="45" name="Conector recto 44">
+            <a:extLst>
+              <a:ext uri="{FF2B5EF4-FFF2-40B4-BE49-F238E27FC236}">
+                <a16:creationId xmlns:a16="http://schemas.microsoft.com/office/drawing/2014/main" id="{765A2B39-C4FF-449D-B50B-97D386D67239}"/>
+              </a:ext>
+            </a:extLst>
+          </p:cNvPr>
+          <p:cNvCxnSpPr>
+            <a:endCxn id="26" idx="2"/>
+          </p:cNvCxnSpPr>
+          <p:nvPr/>
+        </p:nvCxnSpPr>
+        <p:spPr>
+          <a:xfrm>
+            <a:off x="1592823" y="4324209"/>
+            <a:ext cx="2188599" cy="553999"/>
+          </a:xfrm>
+          <a:prstGeom prst="line">
+            <a:avLst/>
+          </a:prstGeom>
+        </p:spPr>
+        <p:style>
+          <a:lnRef idx="1">
+            <a:schemeClr val="accent1"/>
+          </a:lnRef>
+          <a:fillRef idx="0">
+            <a:schemeClr val="accent1"/>
+          </a:fillRef>
+          <a:effectRef idx="0">
+            <a:schemeClr val="accent1"/>
+          </a:effectRef>
+          <a:fontRef idx="minor">
+            <a:schemeClr val="tx1"/>
+          </a:fontRef>
+        </p:style>
+      </p:cxnSp>
     </p:spTree>
     <p:extLst>
       <p:ext uri="{BB962C8B-B14F-4D97-AF65-F5344CB8AC3E}">
-        <p14:creationId xmlns:p14="http://schemas.microsoft.com/office/powerpoint/2010/main" val="193572952"/>
+        <p14:creationId xmlns:p14="http://schemas.microsoft.com/office/powerpoint/2010/main" val="862750341"/>
       </p:ext>
     </p:extLst>
   </p:cSld>
@@ -4072,10 +4496,10 @@
       </p:grpSpPr>
       <p:sp>
         <p:nvSpPr>
-          <p:cNvPr id="4" name="Rectángulo 3">
-            <a:extLst>
-              <a:ext uri="{FF2B5EF4-FFF2-40B4-BE49-F238E27FC236}">
-                <a16:creationId xmlns:a16="http://schemas.microsoft.com/office/drawing/2014/main" id="{BF129D7B-F951-49EE-9ED3-7FBC2DB32F5E}"/>
+          <p:cNvPr id="7" name="Rectángulo: esquinas redondeadas 6">
+            <a:extLst>
+              <a:ext uri="{FF2B5EF4-FFF2-40B4-BE49-F238E27FC236}">
+                <a16:creationId xmlns:a16="http://schemas.microsoft.com/office/drawing/2014/main" id="{A4A984D9-14B0-47E9-945C-D87BE3A61FA9}"/>
               </a:ext>
             </a:extLst>
           </p:cNvPr>
@@ -4084,10 +4508,10 @@
         </p:nvSpPr>
         <p:spPr>
           <a:xfrm>
-            <a:off x="1580225" y="1029810"/>
-            <a:ext cx="1100831" cy="381739"/>
-          </a:xfrm>
-          <a:prstGeom prst="rect">
+            <a:off x="154814" y="101539"/>
+            <a:ext cx="2291502" cy="1577131"/>
+          </a:xfrm>
+          <a:prstGeom prst="roundRect">
             <a:avLst/>
           </a:prstGeom>
         </p:spPr>
@@ -4112,19 +4536,16 @@
           <a:lstStyle/>
           <a:p>
             <a:pPr algn="ctr"/>
-            <a:r>
-              <a:rPr lang="es-ES" dirty="0"/>
-              <a:t>Usuario</a:t>
-            </a:r>
-          </a:p>
-        </p:txBody>
-      </p:sp>
-      <p:sp>
-        <p:nvSpPr>
-          <p:cNvPr id="6" name="Rectángulo 5">
-            <a:extLst>
-              <a:ext uri="{FF2B5EF4-FFF2-40B4-BE49-F238E27FC236}">
-                <a16:creationId xmlns:a16="http://schemas.microsoft.com/office/drawing/2014/main" id="{FCC64E2C-EADC-46C6-BE7D-CB4B25F889A7}"/>
+            <a:endParaRPr lang="es-ES"/>
+          </a:p>
+        </p:txBody>
+      </p:sp>
+      <p:sp>
+        <p:nvSpPr>
+          <p:cNvPr id="5" name="Rectángulo: esquinas redondeadas 4">
+            <a:extLst>
+              <a:ext uri="{FF2B5EF4-FFF2-40B4-BE49-F238E27FC236}">
+                <a16:creationId xmlns:a16="http://schemas.microsoft.com/office/drawing/2014/main" id="{7351DE67-5982-4252-9E5C-AC2B25F89774}"/>
               </a:ext>
             </a:extLst>
           </p:cNvPr>
@@ -4133,10 +4554,10 @@
         </p:nvSpPr>
         <p:spPr>
           <a:xfrm>
-            <a:off x="7744286" y="2710287"/>
-            <a:ext cx="1541755" cy="381739"/>
-          </a:xfrm>
-          <a:prstGeom prst="rect">
+            <a:off x="290436" y="177042"/>
+            <a:ext cx="2001501" cy="636508"/>
+          </a:xfrm>
+          <a:prstGeom prst="roundRect">
             <a:avLst/>
           </a:prstGeom>
         </p:spPr>
@@ -4163,17 +4584,60 @@
             <a:pPr algn="ctr"/>
             <a:r>
               <a:rPr lang="es-ES" dirty="0"/>
-              <a:t>Administrador</a:t>
-            </a:r>
-          </a:p>
-        </p:txBody>
-      </p:sp>
-      <p:sp>
-        <p:nvSpPr>
-          <p:cNvPr id="7" name="Rombo 6">
-            <a:extLst>
-              <a:ext uri="{FF2B5EF4-FFF2-40B4-BE49-F238E27FC236}">
-                <a16:creationId xmlns:a16="http://schemas.microsoft.com/office/drawing/2014/main" id="{EBBCCD49-DF73-4DCF-B410-AAF52D3DFAD7}"/>
+              <a:t>Aplicación</a:t>
+            </a:r>
+          </a:p>
+          <a:p>
+            <a:pPr algn="ctr"/>
+            <a:r>
+              <a:rPr lang="es-ES" dirty="0"/>
+              <a:t>Coctelpedia</a:t>
+            </a:r>
+          </a:p>
+        </p:txBody>
+      </p:sp>
+      <p:sp>
+        <p:nvSpPr>
+          <p:cNvPr id="6" name="CuadroTexto 5">
+            <a:extLst>
+              <a:ext uri="{FF2B5EF4-FFF2-40B4-BE49-F238E27FC236}">
+                <a16:creationId xmlns:a16="http://schemas.microsoft.com/office/drawing/2014/main" id="{68D0FC8F-3CB5-4646-880C-68E1534680FE}"/>
+              </a:ext>
+            </a:extLst>
+          </p:cNvPr>
+          <p:cNvSpPr txBox="1"/>
+          <p:nvPr/>
+        </p:nvSpPr>
+        <p:spPr>
+          <a:xfrm>
+            <a:off x="263307" y="929428"/>
+            <a:ext cx="2001501" cy="600164"/>
+          </a:xfrm>
+          <a:prstGeom prst="rect">
+            <a:avLst/>
+          </a:prstGeom>
+          <a:noFill/>
+        </p:spPr>
+        <p:txBody>
+          <a:bodyPr wrap="square" rtlCol="0">
+            <a:spAutoFit/>
+          </a:bodyPr>
+          <a:lstStyle/>
+          <a:p>
+            <a:pPr algn="ctr"/>
+            <a:r>
+              <a:rPr lang="es-ES" sz="1100" dirty="0"/>
+              <a:t>Aplicación en React Native con expo, será la que utilice el cliente final</a:t>
+            </a:r>
+          </a:p>
+        </p:txBody>
+      </p:sp>
+      <p:sp>
+        <p:nvSpPr>
+          <p:cNvPr id="8" name="Rectángulo: esquinas redondeadas 7">
+            <a:extLst>
+              <a:ext uri="{FF2B5EF4-FFF2-40B4-BE49-F238E27FC236}">
+                <a16:creationId xmlns:a16="http://schemas.microsoft.com/office/drawing/2014/main" id="{E5828FB1-9E82-4B96-9B5B-3D2288DFC0CB}"/>
               </a:ext>
             </a:extLst>
           </p:cNvPr>
@@ -4182,10 +4646,10 @@
         </p:nvSpPr>
         <p:spPr>
           <a:xfrm>
-            <a:off x="4048959" y="514907"/>
-            <a:ext cx="1677880" cy="594803"/>
-          </a:xfrm>
-          <a:prstGeom prst="diamond">
+            <a:off x="154814" y="1754173"/>
+            <a:ext cx="2291502" cy="1775292"/>
+          </a:xfrm>
+          <a:prstGeom prst="roundRect">
             <a:avLst/>
           </a:prstGeom>
         </p:spPr>
@@ -4210,19 +4674,16 @@
           <a:lstStyle/>
           <a:p>
             <a:pPr algn="ctr"/>
-            <a:r>
-              <a:rPr lang="es-ES" dirty="0"/>
-              <a:t>Pide</a:t>
-            </a:r>
-          </a:p>
-        </p:txBody>
-      </p:sp>
-      <p:sp>
-        <p:nvSpPr>
-          <p:cNvPr id="8" name="Rectángulo 7">
-            <a:extLst>
-              <a:ext uri="{FF2B5EF4-FFF2-40B4-BE49-F238E27FC236}">
-                <a16:creationId xmlns:a16="http://schemas.microsoft.com/office/drawing/2014/main" id="{EBB5D84A-ED76-4B97-8B8F-483E29FB77E4}"/>
+            <a:endParaRPr lang="es-ES"/>
+          </a:p>
+        </p:txBody>
+      </p:sp>
+      <p:sp>
+        <p:nvSpPr>
+          <p:cNvPr id="9" name="Rectángulo: esquinas redondeadas 8">
+            <a:extLst>
+              <a:ext uri="{FF2B5EF4-FFF2-40B4-BE49-F238E27FC236}">
+                <a16:creationId xmlns:a16="http://schemas.microsoft.com/office/drawing/2014/main" id="{A33D44FE-18B4-494B-B658-E9C4FF1C0926}"/>
               </a:ext>
             </a:extLst>
           </p:cNvPr>
@@ -4231,10 +4692,10 @@
         </p:nvSpPr>
         <p:spPr>
           <a:xfrm>
-            <a:off x="7964748" y="1058289"/>
-            <a:ext cx="1100831" cy="381739"/>
-          </a:xfrm>
-          <a:prstGeom prst="rect">
+            <a:off x="290436" y="1829675"/>
+            <a:ext cx="2001500" cy="746620"/>
+          </a:xfrm>
+          <a:prstGeom prst="roundRect">
             <a:avLst/>
           </a:prstGeom>
         </p:spPr>
@@ -4261,17 +4722,60 @@
             <a:pPr algn="ctr"/>
             <a:r>
               <a:rPr lang="es-ES" dirty="0"/>
-              <a:t>Frase</a:t>
-            </a:r>
-          </a:p>
-        </p:txBody>
-      </p:sp>
-      <p:sp>
-        <p:nvSpPr>
-          <p:cNvPr id="9" name="Rombo 8">
-            <a:extLst>
-              <a:ext uri="{FF2B5EF4-FFF2-40B4-BE49-F238E27FC236}">
-                <a16:creationId xmlns:a16="http://schemas.microsoft.com/office/drawing/2014/main" id="{DEB6D564-F047-4458-A049-52F7406EF20F}"/>
+              <a:t>Aplicación</a:t>
+            </a:r>
+          </a:p>
+          <a:p>
+            <a:pPr algn="ctr"/>
+            <a:r>
+              <a:rPr lang="es-ES" dirty="0"/>
+              <a:t>Coctelpedia Manager</a:t>
+            </a:r>
+          </a:p>
+        </p:txBody>
+      </p:sp>
+      <p:sp>
+        <p:nvSpPr>
+          <p:cNvPr id="10" name="CuadroTexto 9">
+            <a:extLst>
+              <a:ext uri="{FF2B5EF4-FFF2-40B4-BE49-F238E27FC236}">
+                <a16:creationId xmlns:a16="http://schemas.microsoft.com/office/drawing/2014/main" id="{95EA36F6-CAA1-49ED-AC47-92F2215724A4}"/>
+              </a:ext>
+            </a:extLst>
+          </p:cNvPr>
+          <p:cNvSpPr txBox="1"/>
+          <p:nvPr/>
+        </p:nvSpPr>
+        <p:spPr>
+          <a:xfrm>
+            <a:off x="290434" y="2613511"/>
+            <a:ext cx="2001500" cy="938719"/>
+          </a:xfrm>
+          <a:prstGeom prst="rect">
+            <a:avLst/>
+          </a:prstGeom>
+          <a:noFill/>
+        </p:spPr>
+        <p:txBody>
+          <a:bodyPr wrap="square" rtlCol="0">
+            <a:spAutoFit/>
+          </a:bodyPr>
+          <a:lstStyle/>
+          <a:p>
+            <a:pPr algn="ctr"/>
+            <a:r>
+              <a:rPr lang="es-ES" sz="1100" dirty="0"/>
+              <a:t>Aplicación en React Native con expo, usada por el administrador para admitir/rechazar o cambiar las frases enviadas por los usuarios</a:t>
+            </a:r>
+          </a:p>
+        </p:txBody>
+      </p:sp>
+      <p:sp>
+        <p:nvSpPr>
+          <p:cNvPr id="11" name="Rectángulo: esquinas redondeadas 10">
+            <a:extLst>
+              <a:ext uri="{FF2B5EF4-FFF2-40B4-BE49-F238E27FC236}">
+                <a16:creationId xmlns:a16="http://schemas.microsoft.com/office/drawing/2014/main" id="{2B25192F-8F0B-4A92-89FE-FA77FF4E40D3}"/>
               </a:ext>
             </a:extLst>
           </p:cNvPr>
@@ -4280,10 +4784,10 @@
         </p:nvSpPr>
         <p:spPr>
           <a:xfrm>
-            <a:off x="4048959" y="1600201"/>
-            <a:ext cx="1677880" cy="594803"/>
-          </a:xfrm>
-          <a:prstGeom prst="diamond">
+            <a:off x="154812" y="3595772"/>
+            <a:ext cx="2291501" cy="1452367"/>
+          </a:xfrm>
+          <a:prstGeom prst="roundRect">
             <a:avLst/>
           </a:prstGeom>
         </p:spPr>
@@ -4308,145 +4812,16 @@
           <a:lstStyle/>
           <a:p>
             <a:pPr algn="ctr"/>
-            <a:r>
-              <a:rPr lang="es-ES" dirty="0"/>
-              <a:t>Envía</a:t>
-            </a:r>
-          </a:p>
-        </p:txBody>
-      </p:sp>
-      <p:cxnSp>
-        <p:nvCxnSpPr>
-          <p:cNvPr id="13" name="Conector recto de flecha 12">
-            <a:extLst>
-              <a:ext uri="{FF2B5EF4-FFF2-40B4-BE49-F238E27FC236}">
-                <a16:creationId xmlns:a16="http://schemas.microsoft.com/office/drawing/2014/main" id="{F3733C7E-BE10-4917-AE39-A2128E949400}"/>
-              </a:ext>
-            </a:extLst>
-          </p:cNvPr>
-          <p:cNvCxnSpPr>
-            <a:cxnSpLocks/>
-            <a:endCxn id="9" idx="1"/>
-          </p:cNvCxnSpPr>
-          <p:nvPr/>
-        </p:nvCxnSpPr>
-        <p:spPr>
-          <a:xfrm>
-            <a:off x="2681055" y="1383437"/>
-            <a:ext cx="1367904" cy="514166"/>
-          </a:xfrm>
-          <a:prstGeom prst="straightConnector1">
-            <a:avLst/>
-          </a:prstGeom>
-          <a:ln>
-            <a:tailEnd type="triangle"/>
-          </a:ln>
-        </p:spPr>
-        <p:style>
-          <a:lnRef idx="1">
-            <a:schemeClr val="accent1"/>
-          </a:lnRef>
-          <a:fillRef idx="0">
-            <a:schemeClr val="accent1"/>
-          </a:fillRef>
-          <a:effectRef idx="0">
-            <a:schemeClr val="accent1"/>
-          </a:effectRef>
-          <a:fontRef idx="minor">
-            <a:schemeClr val="tx1"/>
-          </a:fontRef>
-        </p:style>
-      </p:cxnSp>
-      <p:cxnSp>
-        <p:nvCxnSpPr>
-          <p:cNvPr id="15" name="Conector recto de flecha 14">
-            <a:extLst>
-              <a:ext uri="{FF2B5EF4-FFF2-40B4-BE49-F238E27FC236}">
-                <a16:creationId xmlns:a16="http://schemas.microsoft.com/office/drawing/2014/main" id="{7B757AE5-D0E1-454E-AFCF-D4D485517E19}"/>
-              </a:ext>
-            </a:extLst>
-          </p:cNvPr>
-          <p:cNvCxnSpPr>
-            <a:cxnSpLocks/>
-            <a:stCxn id="7" idx="3"/>
-          </p:cNvCxnSpPr>
-          <p:nvPr/>
-        </p:nvCxnSpPr>
-        <p:spPr>
-          <a:xfrm>
-            <a:off x="5726839" y="812309"/>
-            <a:ext cx="2237909" cy="333651"/>
-          </a:xfrm>
-          <a:prstGeom prst="straightConnector1">
-            <a:avLst/>
-          </a:prstGeom>
-          <a:ln>
-            <a:tailEnd type="triangle"/>
-          </a:ln>
-        </p:spPr>
-        <p:style>
-          <a:lnRef idx="1">
-            <a:schemeClr val="accent1"/>
-          </a:lnRef>
-          <a:fillRef idx="0">
-            <a:schemeClr val="accent1"/>
-          </a:fillRef>
-          <a:effectRef idx="0">
-            <a:schemeClr val="accent1"/>
-          </a:effectRef>
-          <a:fontRef idx="minor">
-            <a:schemeClr val="tx1"/>
-          </a:fontRef>
-        </p:style>
-      </p:cxnSp>
-      <p:cxnSp>
-        <p:nvCxnSpPr>
-          <p:cNvPr id="17" name="Conector recto de flecha 16">
-            <a:extLst>
-              <a:ext uri="{FF2B5EF4-FFF2-40B4-BE49-F238E27FC236}">
-                <a16:creationId xmlns:a16="http://schemas.microsoft.com/office/drawing/2014/main" id="{56E81C5D-10A1-40DB-BF93-41754A726095}"/>
-              </a:ext>
-            </a:extLst>
-          </p:cNvPr>
-          <p:cNvCxnSpPr>
-            <a:cxnSpLocks/>
-            <a:stCxn id="9" idx="3"/>
-          </p:cNvCxnSpPr>
-          <p:nvPr/>
-        </p:nvCxnSpPr>
-        <p:spPr>
-          <a:xfrm flipV="1">
-            <a:off x="5726839" y="1292442"/>
-            <a:ext cx="2237909" cy="605161"/>
-          </a:xfrm>
-          <a:prstGeom prst="straightConnector1">
-            <a:avLst/>
-          </a:prstGeom>
-          <a:ln>
-            <a:tailEnd type="triangle"/>
-          </a:ln>
-        </p:spPr>
-        <p:style>
-          <a:lnRef idx="1">
-            <a:schemeClr val="accent1"/>
-          </a:lnRef>
-          <a:fillRef idx="0">
-            <a:schemeClr val="accent1"/>
-          </a:fillRef>
-          <a:effectRef idx="0">
-            <a:schemeClr val="accent1"/>
-          </a:effectRef>
-          <a:fontRef idx="minor">
-            <a:schemeClr val="tx1"/>
-          </a:fontRef>
-        </p:style>
-      </p:cxnSp>
-      <p:sp>
-        <p:nvSpPr>
-          <p:cNvPr id="22" name="Rombo 21">
-            <a:extLst>
-              <a:ext uri="{FF2B5EF4-FFF2-40B4-BE49-F238E27FC236}">
-                <a16:creationId xmlns:a16="http://schemas.microsoft.com/office/drawing/2014/main" id="{49B2DD2A-1300-4572-A84D-E514769308B0}"/>
+            <a:endParaRPr lang="es-ES"/>
+          </a:p>
+        </p:txBody>
+      </p:sp>
+      <p:sp>
+        <p:nvSpPr>
+          <p:cNvPr id="12" name="Rectángulo: esquinas redondeadas 11">
+            <a:extLst>
+              <a:ext uri="{FF2B5EF4-FFF2-40B4-BE49-F238E27FC236}">
+                <a16:creationId xmlns:a16="http://schemas.microsoft.com/office/drawing/2014/main" id="{BE7261C9-6B68-4810-9480-2F4C5CDAC008}"/>
               </a:ext>
             </a:extLst>
           </p:cNvPr>
@@ -4455,10 +4830,10 @@
         </p:nvSpPr>
         <p:spPr>
           <a:xfrm>
-            <a:off x="7676224" y="1777756"/>
-            <a:ext cx="1677880" cy="594803"/>
-          </a:xfrm>
-          <a:prstGeom prst="diamond">
+            <a:off x="290435" y="3671273"/>
+            <a:ext cx="1974373" cy="570209"/>
+          </a:xfrm>
+          <a:prstGeom prst="roundRect">
             <a:avLst/>
           </a:prstGeom>
         </p:spPr>
@@ -4484,102 +4859,54 @@
           <a:p>
             <a:pPr algn="ctr"/>
             <a:r>
-              <a:rPr lang="es-ES" sz="1050" dirty="0"/>
-              <a:t>Comprueba</a:t>
-            </a:r>
-          </a:p>
-        </p:txBody>
-      </p:sp>
-      <p:cxnSp>
-        <p:nvCxnSpPr>
-          <p:cNvPr id="24" name="Conector recto de flecha 23">
-            <a:extLst>
-              <a:ext uri="{FF2B5EF4-FFF2-40B4-BE49-F238E27FC236}">
-                <a16:creationId xmlns:a16="http://schemas.microsoft.com/office/drawing/2014/main" id="{88868DE2-4AF3-406C-ABF9-15BC45E11C00}"/>
-              </a:ext>
-            </a:extLst>
-          </p:cNvPr>
-          <p:cNvCxnSpPr>
-            <a:stCxn id="6" idx="0"/>
-            <a:endCxn id="22" idx="2"/>
-          </p:cNvCxnSpPr>
-          <p:nvPr/>
-        </p:nvCxnSpPr>
-        <p:spPr>
-          <a:xfrm flipV="1">
-            <a:off x="8515164" y="2372559"/>
-            <a:ext cx="0" cy="337728"/>
-          </a:xfrm>
-          <a:prstGeom prst="straightConnector1">
-            <a:avLst/>
-          </a:prstGeom>
-          <a:ln>
-            <a:tailEnd type="triangle"/>
-          </a:ln>
-        </p:spPr>
-        <p:style>
-          <a:lnRef idx="1">
-            <a:schemeClr val="accent1"/>
-          </a:lnRef>
-          <a:fillRef idx="0">
-            <a:schemeClr val="accent1"/>
-          </a:fillRef>
-          <a:effectRef idx="0">
-            <a:schemeClr val="accent1"/>
-          </a:effectRef>
-          <a:fontRef idx="minor">
-            <a:schemeClr val="tx1"/>
-          </a:fontRef>
-        </p:style>
-      </p:cxnSp>
-      <p:cxnSp>
-        <p:nvCxnSpPr>
-          <p:cNvPr id="26" name="Conector recto de flecha 25">
-            <a:extLst>
-              <a:ext uri="{FF2B5EF4-FFF2-40B4-BE49-F238E27FC236}">
-                <a16:creationId xmlns:a16="http://schemas.microsoft.com/office/drawing/2014/main" id="{C00D1E8A-FDFD-443D-BC1C-4A4DE955D0B9}"/>
-              </a:ext>
-            </a:extLst>
-          </p:cNvPr>
-          <p:cNvCxnSpPr>
-            <a:stCxn id="22" idx="0"/>
-            <a:endCxn id="8" idx="2"/>
-          </p:cNvCxnSpPr>
-          <p:nvPr/>
-        </p:nvCxnSpPr>
-        <p:spPr>
-          <a:xfrm flipV="1">
-            <a:off x="8515164" y="1440028"/>
-            <a:ext cx="0" cy="337728"/>
-          </a:xfrm>
-          <a:prstGeom prst="straightConnector1">
-            <a:avLst/>
-          </a:prstGeom>
-          <a:ln>
-            <a:tailEnd type="triangle"/>
-          </a:ln>
-        </p:spPr>
-        <p:style>
-          <a:lnRef idx="1">
-            <a:schemeClr val="accent1"/>
-          </a:lnRef>
-          <a:fillRef idx="0">
-            <a:schemeClr val="accent1"/>
-          </a:fillRef>
-          <a:effectRef idx="0">
-            <a:schemeClr val="accent1"/>
-          </a:effectRef>
-          <a:fontRef idx="minor">
-            <a:schemeClr val="tx1"/>
-          </a:fontRef>
-        </p:style>
-      </p:cxnSp>
-      <p:sp>
-        <p:nvSpPr>
-          <p:cNvPr id="31" name="Rectángulo 30">
-            <a:extLst>
-              <a:ext uri="{FF2B5EF4-FFF2-40B4-BE49-F238E27FC236}">
-                <a16:creationId xmlns:a16="http://schemas.microsoft.com/office/drawing/2014/main" id="{14F3C5F7-C363-43C6-BD34-876C01C1608A}"/>
+              <a:rPr lang="es-ES" dirty="0"/>
+              <a:t>Base de datos en SQL Server</a:t>
+            </a:r>
+          </a:p>
+        </p:txBody>
+      </p:sp>
+      <p:sp>
+        <p:nvSpPr>
+          <p:cNvPr id="13" name="CuadroTexto 12">
+            <a:extLst>
+              <a:ext uri="{FF2B5EF4-FFF2-40B4-BE49-F238E27FC236}">
+                <a16:creationId xmlns:a16="http://schemas.microsoft.com/office/drawing/2014/main" id="{77800541-498D-4292-AE5C-CB14E0108128}"/>
+              </a:ext>
+            </a:extLst>
+          </p:cNvPr>
+          <p:cNvSpPr txBox="1"/>
+          <p:nvPr/>
+        </p:nvSpPr>
+        <p:spPr>
+          <a:xfrm>
+            <a:off x="290433" y="4278698"/>
+            <a:ext cx="1974373" cy="769441"/>
+          </a:xfrm>
+          <a:prstGeom prst="rect">
+            <a:avLst/>
+          </a:prstGeom>
+          <a:noFill/>
+        </p:spPr>
+        <p:txBody>
+          <a:bodyPr wrap="square" rtlCol="0">
+            <a:spAutoFit/>
+          </a:bodyPr>
+          <a:lstStyle/>
+          <a:p>
+            <a:pPr algn="ctr"/>
+            <a:r>
+              <a:rPr lang="es-ES" sz="1100" dirty="0"/>
+              <a:t>En ella se alojarán todos los datos sobre los juegos y las valoraciones recibidas por los usuarios</a:t>
+            </a:r>
+          </a:p>
+        </p:txBody>
+      </p:sp>
+      <p:sp>
+        <p:nvSpPr>
+          <p:cNvPr id="14" name="Rectángulo: esquinas redondeadas 13">
+            <a:extLst>
+              <a:ext uri="{FF2B5EF4-FFF2-40B4-BE49-F238E27FC236}">
+                <a16:creationId xmlns:a16="http://schemas.microsoft.com/office/drawing/2014/main" id="{BFACE280-E687-4C38-9F51-90D3BD59AE9B}"/>
               </a:ext>
             </a:extLst>
           </p:cNvPr>
@@ -4588,10 +4915,10 @@
         </p:nvSpPr>
         <p:spPr>
           <a:xfrm>
-            <a:off x="1580225" y="4009024"/>
-            <a:ext cx="1100831" cy="381739"/>
-          </a:xfrm>
-          <a:prstGeom prst="rect">
+            <a:off x="154812" y="5112167"/>
+            <a:ext cx="2291501" cy="1568791"/>
+          </a:xfrm>
+          <a:prstGeom prst="roundRect">
             <a:avLst/>
           </a:prstGeom>
         </p:spPr>
@@ -4616,61 +4943,16 @@
           <a:lstStyle/>
           <a:p>
             <a:pPr algn="ctr"/>
-            <a:r>
-              <a:rPr lang="es-ES" dirty="0"/>
-              <a:t>Cóctel</a:t>
-            </a:r>
-          </a:p>
-        </p:txBody>
-      </p:sp>
-      <p:cxnSp>
-        <p:nvCxnSpPr>
-          <p:cNvPr id="33" name="Conector recto de flecha 32">
-            <a:extLst>
-              <a:ext uri="{FF2B5EF4-FFF2-40B4-BE49-F238E27FC236}">
-                <a16:creationId xmlns:a16="http://schemas.microsoft.com/office/drawing/2014/main" id="{DAA41FC3-7093-42E3-8DE2-03F034D8DB93}"/>
-              </a:ext>
-            </a:extLst>
-          </p:cNvPr>
-          <p:cNvCxnSpPr>
-            <a:cxnSpLocks/>
-            <a:stCxn id="7" idx="1"/>
-          </p:cNvCxnSpPr>
-          <p:nvPr/>
-        </p:nvCxnSpPr>
-        <p:spPr>
-          <a:xfrm flipH="1">
-            <a:off x="2681055" y="812309"/>
-            <a:ext cx="1367904" cy="263369"/>
-          </a:xfrm>
-          <a:prstGeom prst="straightConnector1">
-            <a:avLst/>
-          </a:prstGeom>
-          <a:ln>
-            <a:tailEnd type="triangle"/>
-          </a:ln>
-        </p:spPr>
-        <p:style>
-          <a:lnRef idx="1">
-            <a:schemeClr val="accent1"/>
-          </a:lnRef>
-          <a:fillRef idx="0">
-            <a:schemeClr val="accent1"/>
-          </a:fillRef>
-          <a:effectRef idx="0">
-            <a:schemeClr val="accent1"/>
-          </a:effectRef>
-          <a:fontRef idx="minor">
-            <a:schemeClr val="tx1"/>
-          </a:fontRef>
-        </p:style>
-      </p:cxnSp>
-      <p:sp>
-        <p:nvSpPr>
-          <p:cNvPr id="46" name="Rombo 45">
-            <a:extLst>
-              <a:ext uri="{FF2B5EF4-FFF2-40B4-BE49-F238E27FC236}">
-                <a16:creationId xmlns:a16="http://schemas.microsoft.com/office/drawing/2014/main" id="{2B4F868A-EE47-45D4-823E-E41B163DC97E}"/>
+            <a:endParaRPr lang="es-ES"/>
+          </a:p>
+        </p:txBody>
+      </p:sp>
+      <p:sp>
+        <p:nvSpPr>
+          <p:cNvPr id="15" name="Rectángulo: esquinas redondeadas 14">
+            <a:extLst>
+              <a:ext uri="{FF2B5EF4-FFF2-40B4-BE49-F238E27FC236}">
+                <a16:creationId xmlns:a16="http://schemas.microsoft.com/office/drawing/2014/main" id="{63D4EB33-217D-4A23-9CD1-2E05E0E486FE}"/>
               </a:ext>
             </a:extLst>
           </p:cNvPr>
@@ -4679,10 +4961,10 @@
         </p:nvSpPr>
         <p:spPr>
           <a:xfrm>
-            <a:off x="1291699" y="2412885"/>
-            <a:ext cx="1677880" cy="594803"/>
-          </a:xfrm>
-          <a:prstGeom prst="diamond">
+            <a:off x="290435" y="5187671"/>
+            <a:ext cx="1974373" cy="543394"/>
+          </a:xfrm>
+          <a:prstGeom prst="roundRect">
             <a:avLst/>
           </a:prstGeom>
         </p:spPr>
@@ -4709,1210 +4991,198 @@
             <a:pPr algn="ctr"/>
             <a:r>
               <a:rPr lang="es-ES" dirty="0"/>
-              <a:t>Pide</a:t>
-            </a:r>
-          </a:p>
-        </p:txBody>
-      </p:sp>
-      <p:cxnSp>
-        <p:nvCxnSpPr>
-          <p:cNvPr id="48" name="Conector recto de flecha 47">
-            <a:extLst>
-              <a:ext uri="{FF2B5EF4-FFF2-40B4-BE49-F238E27FC236}">
-                <a16:creationId xmlns:a16="http://schemas.microsoft.com/office/drawing/2014/main" id="{26176E36-A0BC-40A6-9ABC-A16739D0F88C}"/>
-              </a:ext>
-            </a:extLst>
-          </p:cNvPr>
-          <p:cNvCxnSpPr>
-            <a:stCxn id="46" idx="0"/>
-            <a:endCxn id="4" idx="2"/>
-          </p:cNvCxnSpPr>
-          <p:nvPr/>
-        </p:nvCxnSpPr>
-        <p:spPr>
-          <a:xfrm flipV="1">
-            <a:off x="2130639" y="1411549"/>
-            <a:ext cx="2" cy="1001336"/>
-          </a:xfrm>
-          <a:prstGeom prst="straightConnector1">
-            <a:avLst/>
-          </a:prstGeom>
-          <a:ln>
-            <a:tailEnd type="triangle"/>
-          </a:ln>
-        </p:spPr>
-        <p:style>
-          <a:lnRef idx="1">
-            <a:schemeClr val="accent1"/>
-          </a:lnRef>
-          <a:fillRef idx="0">
-            <a:schemeClr val="accent1"/>
-          </a:fillRef>
-          <a:effectRef idx="0">
-            <a:schemeClr val="accent1"/>
-          </a:effectRef>
-          <a:fontRef idx="minor">
-            <a:schemeClr val="tx1"/>
-          </a:fontRef>
-        </p:style>
-      </p:cxnSp>
-      <p:cxnSp>
-        <p:nvCxnSpPr>
-          <p:cNvPr id="50" name="Conector recto de flecha 49">
-            <a:extLst>
-              <a:ext uri="{FF2B5EF4-FFF2-40B4-BE49-F238E27FC236}">
-                <a16:creationId xmlns:a16="http://schemas.microsoft.com/office/drawing/2014/main" id="{FD8347AE-AD1B-4DD6-99E3-32DEDEDC63E5}"/>
-              </a:ext>
-            </a:extLst>
-          </p:cNvPr>
-          <p:cNvCxnSpPr>
-            <a:stCxn id="46" idx="2"/>
-            <a:endCxn id="31" idx="0"/>
-          </p:cNvCxnSpPr>
-          <p:nvPr/>
-        </p:nvCxnSpPr>
-        <p:spPr>
-          <a:xfrm>
-            <a:off x="2130639" y="3007688"/>
-            <a:ext cx="2" cy="1001336"/>
-          </a:xfrm>
-          <a:prstGeom prst="straightConnector1">
-            <a:avLst/>
-          </a:prstGeom>
-          <a:ln>
-            <a:tailEnd type="triangle"/>
-          </a:ln>
-        </p:spPr>
-        <p:style>
-          <a:lnRef idx="1">
-            <a:schemeClr val="accent1"/>
-          </a:lnRef>
-          <a:fillRef idx="0">
-            <a:schemeClr val="accent1"/>
-          </a:fillRef>
-          <a:effectRef idx="0">
-            <a:schemeClr val="accent1"/>
-          </a:effectRef>
-          <a:fontRef idx="minor">
-            <a:schemeClr val="tx1"/>
-          </a:fontRef>
-        </p:style>
-      </p:cxnSp>
-      <p:sp>
-        <p:nvSpPr>
-          <p:cNvPr id="51" name="Elipse 50">
-            <a:extLst>
-              <a:ext uri="{FF2B5EF4-FFF2-40B4-BE49-F238E27FC236}">
-                <a16:creationId xmlns:a16="http://schemas.microsoft.com/office/drawing/2014/main" id="{2645E1F0-750D-4A1B-814A-66A37B884AC6}"/>
-              </a:ext>
-            </a:extLst>
-          </p:cNvPr>
-          <p:cNvSpPr/>
-          <p:nvPr/>
-        </p:nvSpPr>
-        <p:spPr>
-          <a:xfrm>
-            <a:off x="461639" y="4676312"/>
-            <a:ext cx="896643" cy="284086"/>
-          </a:xfrm>
-          <a:prstGeom prst="ellipse">
-            <a:avLst/>
-          </a:prstGeom>
-        </p:spPr>
-        <p:style>
-          <a:lnRef idx="2">
-            <a:schemeClr val="accent6"/>
-          </a:lnRef>
-          <a:fillRef idx="1">
-            <a:schemeClr val="lt1"/>
-          </a:fillRef>
-          <a:effectRef idx="0">
-            <a:schemeClr val="accent6"/>
-          </a:effectRef>
-          <a:fontRef idx="minor">
-            <a:schemeClr val="dk1"/>
-          </a:fontRef>
-        </p:style>
-        <p:txBody>
-          <a:bodyPr rtlCol="0" anchor="ctr"/>
-          <a:lstStyle/>
+              <a:t>Api Rest</a:t>
+            </a:r>
+          </a:p>
           <a:p>
             <a:pPr algn="ctr"/>
             <a:r>
-              <a:rPr lang="es-ES" sz="1000" dirty="0"/>
-              <a:t>id</a:t>
-            </a:r>
-          </a:p>
-        </p:txBody>
-      </p:sp>
-      <p:sp>
-        <p:nvSpPr>
-          <p:cNvPr id="52" name="Elipse 51">
-            <a:extLst>
-              <a:ext uri="{FF2B5EF4-FFF2-40B4-BE49-F238E27FC236}">
-                <a16:creationId xmlns:a16="http://schemas.microsoft.com/office/drawing/2014/main" id="{5862A6D4-4D30-45A7-9DC8-1011F04B60C0}"/>
-              </a:ext>
-            </a:extLst>
-          </p:cNvPr>
-          <p:cNvSpPr/>
-          <p:nvPr/>
-        </p:nvSpPr>
-        <p:spPr>
-          <a:xfrm>
-            <a:off x="461639" y="5054795"/>
-            <a:ext cx="896643" cy="284086"/>
-          </a:xfrm>
-          <a:prstGeom prst="ellipse">
-            <a:avLst/>
-          </a:prstGeom>
-        </p:spPr>
-        <p:style>
-          <a:lnRef idx="2">
-            <a:schemeClr val="accent6"/>
-          </a:lnRef>
-          <a:fillRef idx="1">
-            <a:schemeClr val="lt1"/>
-          </a:fillRef>
-          <a:effectRef idx="0">
-            <a:schemeClr val="accent6"/>
-          </a:effectRef>
-          <a:fontRef idx="minor">
-            <a:schemeClr val="dk1"/>
-          </a:fontRef>
-        </p:style>
-        <p:txBody>
-          <a:bodyPr rtlCol="0" anchor="ctr"/>
+              <a:rPr lang="es-ES" dirty="0"/>
+              <a:t>con JavaScript</a:t>
+            </a:r>
+          </a:p>
+        </p:txBody>
+      </p:sp>
+      <p:sp>
+        <p:nvSpPr>
+          <p:cNvPr id="16" name="CuadroTexto 15">
+            <a:extLst>
+              <a:ext uri="{FF2B5EF4-FFF2-40B4-BE49-F238E27FC236}">
+                <a16:creationId xmlns:a16="http://schemas.microsoft.com/office/drawing/2014/main" id="{71402036-C962-49F0-BB48-610E300DD983}"/>
+              </a:ext>
+            </a:extLst>
+          </p:cNvPr>
+          <p:cNvSpPr txBox="1"/>
+          <p:nvPr/>
+        </p:nvSpPr>
+        <p:spPr>
+          <a:xfrm>
+            <a:off x="290433" y="5754750"/>
+            <a:ext cx="1974373" cy="938719"/>
+          </a:xfrm>
+          <a:prstGeom prst="rect">
+            <a:avLst/>
+          </a:prstGeom>
+          <a:noFill/>
+        </p:spPr>
+        <p:txBody>
+          <a:bodyPr wrap="square" rtlCol="0">
+            <a:spAutoFit/>
+          </a:bodyPr>
           <a:lstStyle/>
           <a:p>
             <a:pPr algn="ctr"/>
             <a:r>
-              <a:rPr lang="es-ES" sz="1000" dirty="0"/>
-              <a:t>nombre</a:t>
-            </a:r>
-          </a:p>
-        </p:txBody>
-      </p:sp>
-      <p:sp>
-        <p:nvSpPr>
-          <p:cNvPr id="53" name="Elipse 52">
-            <a:extLst>
-              <a:ext uri="{FF2B5EF4-FFF2-40B4-BE49-F238E27FC236}">
-                <a16:creationId xmlns:a16="http://schemas.microsoft.com/office/drawing/2014/main" id="{BAE7CA02-6F13-4FE6-A7A6-62213992B5D0}"/>
-              </a:ext>
-            </a:extLst>
-          </p:cNvPr>
-          <p:cNvSpPr/>
-          <p:nvPr/>
-        </p:nvSpPr>
-        <p:spPr>
-          <a:xfrm>
-            <a:off x="461639" y="5426949"/>
-            <a:ext cx="1100831" cy="284086"/>
-          </a:xfrm>
-          <a:prstGeom prst="ellipse">
-            <a:avLst/>
-          </a:prstGeom>
-        </p:spPr>
-        <p:style>
-          <a:lnRef idx="2">
-            <a:schemeClr val="accent6"/>
-          </a:lnRef>
-          <a:fillRef idx="1">
-            <a:schemeClr val="lt1"/>
-          </a:fillRef>
-          <a:effectRef idx="0">
-            <a:schemeClr val="accent6"/>
-          </a:effectRef>
-          <a:fontRef idx="minor">
-            <a:schemeClr val="dk1"/>
-          </a:fontRef>
-        </p:style>
-        <p:txBody>
-          <a:bodyPr rtlCol="0" anchor="ctr"/>
-          <a:lstStyle/>
-          <a:p>
-            <a:pPr algn="ctr"/>
-            <a:r>
-              <a:rPr lang="es-ES" sz="1000" dirty="0"/>
-              <a:t>graduación</a:t>
-            </a:r>
-          </a:p>
-        </p:txBody>
-      </p:sp>
-      <p:sp>
-        <p:nvSpPr>
-          <p:cNvPr id="54" name="Elipse 53">
-            <a:extLst>
-              <a:ext uri="{FF2B5EF4-FFF2-40B4-BE49-F238E27FC236}">
-                <a16:creationId xmlns:a16="http://schemas.microsoft.com/office/drawing/2014/main" id="{F4BBA749-87B9-4355-BA53-C3FA3EA7C03F}"/>
-              </a:ext>
-            </a:extLst>
-          </p:cNvPr>
-          <p:cNvSpPr/>
-          <p:nvPr/>
-        </p:nvSpPr>
-        <p:spPr>
-          <a:xfrm>
-            <a:off x="639558" y="5775298"/>
-            <a:ext cx="1100831" cy="284086"/>
-          </a:xfrm>
-          <a:prstGeom prst="ellipse">
-            <a:avLst/>
-          </a:prstGeom>
-        </p:spPr>
-        <p:style>
-          <a:lnRef idx="2">
-            <a:schemeClr val="accent6"/>
-          </a:lnRef>
-          <a:fillRef idx="1">
-            <a:schemeClr val="lt1"/>
-          </a:fillRef>
-          <a:effectRef idx="0">
-            <a:schemeClr val="accent6"/>
-          </a:effectRef>
-          <a:fontRef idx="minor">
-            <a:schemeClr val="dk1"/>
-          </a:fontRef>
-        </p:style>
-        <p:txBody>
-          <a:bodyPr rtlCol="0" anchor="ctr"/>
-          <a:lstStyle/>
-          <a:p>
-            <a:pPr algn="ctr"/>
-            <a:r>
-              <a:rPr lang="es-ES" sz="1000" dirty="0"/>
-              <a:t>Precio casa</a:t>
-            </a:r>
-          </a:p>
-        </p:txBody>
-      </p:sp>
-      <p:sp>
-        <p:nvSpPr>
-          <p:cNvPr id="55" name="Elipse 54">
-            <a:extLst>
-              <a:ext uri="{FF2B5EF4-FFF2-40B4-BE49-F238E27FC236}">
-                <a16:creationId xmlns:a16="http://schemas.microsoft.com/office/drawing/2014/main" id="{A4380798-E2DD-426B-A388-1E9BF5C9B805}"/>
-              </a:ext>
-            </a:extLst>
-          </p:cNvPr>
-          <p:cNvSpPr/>
-          <p:nvPr/>
-        </p:nvSpPr>
-        <p:spPr>
-          <a:xfrm>
-            <a:off x="1012054" y="6177584"/>
-            <a:ext cx="1020932" cy="284086"/>
-          </a:xfrm>
-          <a:prstGeom prst="ellipse">
-            <a:avLst/>
-          </a:prstGeom>
-        </p:spPr>
-        <p:style>
-          <a:lnRef idx="2">
-            <a:schemeClr val="accent6"/>
-          </a:lnRef>
-          <a:fillRef idx="1">
-            <a:schemeClr val="lt1"/>
-          </a:fillRef>
-          <a:effectRef idx="0">
-            <a:schemeClr val="accent6"/>
-          </a:effectRef>
-          <a:fontRef idx="minor">
-            <a:schemeClr val="dk1"/>
-          </a:fontRef>
-        </p:style>
-        <p:txBody>
-          <a:bodyPr rtlCol="0" anchor="ctr"/>
-          <a:lstStyle/>
-          <a:p>
-            <a:pPr algn="ctr"/>
-            <a:r>
-              <a:rPr lang="es-ES" sz="1000" dirty="0"/>
-              <a:t>Precio bar</a:t>
-            </a:r>
-          </a:p>
-        </p:txBody>
-      </p:sp>
-      <p:sp>
-        <p:nvSpPr>
-          <p:cNvPr id="56" name="Elipse 55">
-            <a:extLst>
-              <a:ext uri="{FF2B5EF4-FFF2-40B4-BE49-F238E27FC236}">
-                <a16:creationId xmlns:a16="http://schemas.microsoft.com/office/drawing/2014/main" id="{B9233E80-8805-4898-90B6-85A4C3A3323E}"/>
-              </a:ext>
-            </a:extLst>
-          </p:cNvPr>
-          <p:cNvSpPr/>
-          <p:nvPr/>
-        </p:nvSpPr>
-        <p:spPr>
-          <a:xfrm>
-            <a:off x="3152316" y="4676312"/>
-            <a:ext cx="1197742" cy="284086"/>
-          </a:xfrm>
-          <a:prstGeom prst="ellipse">
-            <a:avLst/>
-          </a:prstGeom>
-        </p:spPr>
-        <p:style>
-          <a:lnRef idx="2">
-            <a:schemeClr val="accent6"/>
-          </a:lnRef>
-          <a:fillRef idx="1">
-            <a:schemeClr val="lt1"/>
-          </a:fillRef>
-          <a:effectRef idx="0">
-            <a:schemeClr val="accent6"/>
-          </a:effectRef>
-          <a:fontRef idx="minor">
-            <a:schemeClr val="dk1"/>
-          </a:fontRef>
-        </p:style>
-        <p:txBody>
-          <a:bodyPr rtlCol="0" anchor="ctr"/>
-          <a:lstStyle/>
-          <a:p>
-            <a:pPr algn="ctr"/>
-            <a:r>
-              <a:rPr lang="es-ES" sz="1000" dirty="0"/>
-              <a:t>vegetariano</a:t>
-            </a:r>
-          </a:p>
-        </p:txBody>
-      </p:sp>
-      <p:sp>
-        <p:nvSpPr>
-          <p:cNvPr id="57" name="Elipse 56">
-            <a:extLst>
-              <a:ext uri="{FF2B5EF4-FFF2-40B4-BE49-F238E27FC236}">
-                <a16:creationId xmlns:a16="http://schemas.microsoft.com/office/drawing/2014/main" id="{2DF140B4-A10C-482D-A08F-28F514DC4ACF}"/>
-              </a:ext>
-            </a:extLst>
-          </p:cNvPr>
-          <p:cNvSpPr/>
-          <p:nvPr/>
-        </p:nvSpPr>
-        <p:spPr>
-          <a:xfrm>
-            <a:off x="3152316" y="5062539"/>
-            <a:ext cx="896643" cy="284086"/>
-          </a:xfrm>
-          <a:prstGeom prst="ellipse">
-            <a:avLst/>
-          </a:prstGeom>
-        </p:spPr>
-        <p:style>
-          <a:lnRef idx="2">
-            <a:schemeClr val="accent6"/>
-          </a:lnRef>
-          <a:fillRef idx="1">
-            <a:schemeClr val="lt1"/>
-          </a:fillRef>
-          <a:effectRef idx="0">
-            <a:schemeClr val="accent6"/>
-          </a:effectRef>
-          <a:fontRef idx="minor">
-            <a:schemeClr val="dk1"/>
-          </a:fontRef>
-        </p:style>
-        <p:txBody>
-          <a:bodyPr rtlCol="0" anchor="ctr"/>
-          <a:lstStyle/>
-          <a:p>
-            <a:pPr algn="ctr"/>
-            <a:r>
-              <a:rPr lang="es-ES" sz="1000" dirty="0"/>
-              <a:t>vegano</a:t>
-            </a:r>
-          </a:p>
-        </p:txBody>
-      </p:sp>
-      <p:sp>
-        <p:nvSpPr>
-          <p:cNvPr id="58" name="Elipse 57">
-            <a:extLst>
-              <a:ext uri="{FF2B5EF4-FFF2-40B4-BE49-F238E27FC236}">
-                <a16:creationId xmlns:a16="http://schemas.microsoft.com/office/drawing/2014/main" id="{BD7B9D5D-3D88-4FBB-91DD-E07A30715749}"/>
-              </a:ext>
-            </a:extLst>
-          </p:cNvPr>
-          <p:cNvSpPr/>
-          <p:nvPr/>
-        </p:nvSpPr>
-        <p:spPr>
-          <a:xfrm>
-            <a:off x="2916685" y="5433561"/>
-            <a:ext cx="1100831" cy="284086"/>
-          </a:xfrm>
-          <a:prstGeom prst="ellipse">
-            <a:avLst/>
-          </a:prstGeom>
-        </p:spPr>
-        <p:style>
-          <a:lnRef idx="2">
-            <a:schemeClr val="accent6"/>
-          </a:lnRef>
-          <a:fillRef idx="1">
-            <a:schemeClr val="lt1"/>
-          </a:fillRef>
-          <a:effectRef idx="0">
-            <a:schemeClr val="accent6"/>
-          </a:effectRef>
-          <a:fontRef idx="minor">
-            <a:schemeClr val="dk1"/>
-          </a:fontRef>
-        </p:style>
-        <p:txBody>
-          <a:bodyPr rtlCol="0" anchor="ctr"/>
-          <a:lstStyle/>
-          <a:p>
-            <a:pPr algn="ctr"/>
-            <a:r>
-              <a:rPr lang="es-ES" sz="1000" dirty="0"/>
-              <a:t>Tipo cóctel</a:t>
-            </a:r>
-          </a:p>
-        </p:txBody>
-      </p:sp>
-      <p:sp>
-        <p:nvSpPr>
-          <p:cNvPr id="59" name="Elipse 58">
-            <a:extLst>
-              <a:ext uri="{FF2B5EF4-FFF2-40B4-BE49-F238E27FC236}">
-                <a16:creationId xmlns:a16="http://schemas.microsoft.com/office/drawing/2014/main" id="{5E44A674-7E15-4B44-AD34-AC10443F1786}"/>
-              </a:ext>
-            </a:extLst>
-          </p:cNvPr>
-          <p:cNvSpPr/>
-          <p:nvPr/>
-        </p:nvSpPr>
-        <p:spPr>
-          <a:xfrm>
-            <a:off x="2681055" y="5761605"/>
-            <a:ext cx="1100831" cy="284086"/>
-          </a:xfrm>
-          <a:prstGeom prst="ellipse">
-            <a:avLst/>
-          </a:prstGeom>
-        </p:spPr>
-        <p:style>
-          <a:lnRef idx="2">
-            <a:schemeClr val="accent6"/>
-          </a:lnRef>
-          <a:fillRef idx="1">
-            <a:schemeClr val="lt1"/>
-          </a:fillRef>
-          <a:effectRef idx="0">
-            <a:schemeClr val="accent6"/>
-          </a:effectRef>
-          <a:fontRef idx="minor">
-            <a:schemeClr val="dk1"/>
-          </a:fontRef>
-        </p:style>
-        <p:txBody>
-          <a:bodyPr rtlCol="0" anchor="ctr"/>
-          <a:lstStyle/>
-          <a:p>
-            <a:pPr algn="ctr"/>
-            <a:r>
-              <a:rPr lang="es-ES" sz="1000" dirty="0"/>
-              <a:t>descripción</a:t>
-            </a:r>
-          </a:p>
-        </p:txBody>
-      </p:sp>
-      <p:sp>
-        <p:nvSpPr>
-          <p:cNvPr id="60" name="Elipse 59">
-            <a:extLst>
-              <a:ext uri="{FF2B5EF4-FFF2-40B4-BE49-F238E27FC236}">
-                <a16:creationId xmlns:a16="http://schemas.microsoft.com/office/drawing/2014/main" id="{71A83139-E42C-4532-8042-0486BC7C62D7}"/>
-              </a:ext>
-            </a:extLst>
-          </p:cNvPr>
-          <p:cNvSpPr/>
-          <p:nvPr/>
-        </p:nvSpPr>
-        <p:spPr>
-          <a:xfrm>
-            <a:off x="2215721" y="6177584"/>
-            <a:ext cx="1149286" cy="284086"/>
-          </a:xfrm>
-          <a:prstGeom prst="ellipse">
-            <a:avLst/>
-          </a:prstGeom>
-        </p:spPr>
-        <p:style>
-          <a:lnRef idx="2">
-            <a:schemeClr val="accent6"/>
-          </a:lnRef>
-          <a:fillRef idx="1">
-            <a:schemeClr val="lt1"/>
-          </a:fillRef>
-          <a:effectRef idx="0">
-            <a:schemeClr val="accent6"/>
-          </a:effectRef>
-          <a:fontRef idx="minor">
-            <a:schemeClr val="dk1"/>
-          </a:fontRef>
-        </p:style>
-        <p:txBody>
-          <a:bodyPr rtlCol="0" anchor="ctr"/>
-          <a:lstStyle/>
-          <a:p>
-            <a:pPr algn="ctr"/>
-            <a:r>
-              <a:rPr lang="es-ES" sz="1000" dirty="0"/>
-              <a:t>elaboración</a:t>
-            </a:r>
-          </a:p>
-        </p:txBody>
-      </p:sp>
-      <p:cxnSp>
-        <p:nvCxnSpPr>
-          <p:cNvPr id="66" name="Conector recto 65">
-            <a:extLst>
-              <a:ext uri="{FF2B5EF4-FFF2-40B4-BE49-F238E27FC236}">
-                <a16:creationId xmlns:a16="http://schemas.microsoft.com/office/drawing/2014/main" id="{115D2919-1641-4436-BD0F-A7BFB59718ED}"/>
-              </a:ext>
-            </a:extLst>
-          </p:cNvPr>
-          <p:cNvCxnSpPr>
-            <a:cxnSpLocks/>
-            <a:stCxn id="51" idx="0"/>
-            <a:endCxn id="31" idx="1"/>
-          </p:cNvCxnSpPr>
-          <p:nvPr/>
-        </p:nvCxnSpPr>
-        <p:spPr>
-          <a:xfrm flipV="1">
-            <a:off x="909961" y="4199894"/>
-            <a:ext cx="670264" cy="476418"/>
-          </a:xfrm>
-          <a:prstGeom prst="line">
-            <a:avLst/>
-          </a:prstGeom>
-        </p:spPr>
-        <p:style>
-          <a:lnRef idx="1">
-            <a:schemeClr val="accent1"/>
-          </a:lnRef>
-          <a:fillRef idx="0">
-            <a:schemeClr val="accent1"/>
-          </a:fillRef>
-          <a:effectRef idx="0">
-            <a:schemeClr val="accent1"/>
-          </a:effectRef>
-          <a:fontRef idx="minor">
-            <a:schemeClr val="tx1"/>
-          </a:fontRef>
-        </p:style>
-      </p:cxnSp>
-      <p:cxnSp>
-        <p:nvCxnSpPr>
-          <p:cNvPr id="68" name="Conector recto 67">
-            <a:extLst>
-              <a:ext uri="{FF2B5EF4-FFF2-40B4-BE49-F238E27FC236}">
-                <a16:creationId xmlns:a16="http://schemas.microsoft.com/office/drawing/2014/main" id="{B39835F4-057E-49FF-A54C-CFB17FA9F32B}"/>
-              </a:ext>
-            </a:extLst>
-          </p:cNvPr>
-          <p:cNvCxnSpPr>
-            <a:stCxn id="56" idx="0"/>
-            <a:endCxn id="31" idx="3"/>
-          </p:cNvCxnSpPr>
-          <p:nvPr/>
-        </p:nvCxnSpPr>
-        <p:spPr>
-          <a:xfrm flipH="1" flipV="1">
-            <a:off x="2681056" y="4199894"/>
-            <a:ext cx="1070131" cy="476418"/>
-          </a:xfrm>
-          <a:prstGeom prst="line">
-            <a:avLst/>
-          </a:prstGeom>
-        </p:spPr>
-        <p:style>
-          <a:lnRef idx="1">
-            <a:schemeClr val="accent1"/>
-          </a:lnRef>
-          <a:fillRef idx="0">
-            <a:schemeClr val="accent1"/>
-          </a:fillRef>
-          <a:effectRef idx="0">
-            <a:schemeClr val="accent1"/>
-          </a:effectRef>
-          <a:fontRef idx="minor">
-            <a:schemeClr val="tx1"/>
-          </a:fontRef>
-        </p:style>
-      </p:cxnSp>
-      <p:cxnSp>
-        <p:nvCxnSpPr>
-          <p:cNvPr id="71" name="Conector recto 70">
-            <a:extLst>
-              <a:ext uri="{FF2B5EF4-FFF2-40B4-BE49-F238E27FC236}">
-                <a16:creationId xmlns:a16="http://schemas.microsoft.com/office/drawing/2014/main" id="{D2879620-96E3-4C41-8C04-DEBD58E129E2}"/>
-              </a:ext>
-            </a:extLst>
-          </p:cNvPr>
-          <p:cNvCxnSpPr>
-            <a:stCxn id="52" idx="7"/>
-          </p:cNvCxnSpPr>
-          <p:nvPr/>
-        </p:nvCxnSpPr>
-        <p:spPr>
-          <a:xfrm flipV="1">
-            <a:off x="1226972" y="4390763"/>
-            <a:ext cx="457565" cy="705635"/>
-          </a:xfrm>
-          <a:prstGeom prst="line">
-            <a:avLst/>
-          </a:prstGeom>
-        </p:spPr>
-        <p:style>
-          <a:lnRef idx="1">
-            <a:schemeClr val="accent1"/>
-          </a:lnRef>
-          <a:fillRef idx="0">
-            <a:schemeClr val="accent1"/>
-          </a:fillRef>
-          <a:effectRef idx="0">
-            <a:schemeClr val="accent1"/>
-          </a:effectRef>
-          <a:fontRef idx="minor">
-            <a:schemeClr val="tx1"/>
-          </a:fontRef>
-        </p:style>
-      </p:cxnSp>
-      <p:cxnSp>
-        <p:nvCxnSpPr>
-          <p:cNvPr id="73" name="Conector recto 72">
-            <a:extLst>
-              <a:ext uri="{FF2B5EF4-FFF2-40B4-BE49-F238E27FC236}">
-                <a16:creationId xmlns:a16="http://schemas.microsoft.com/office/drawing/2014/main" id="{B300406E-08C9-485F-9A3F-A7DBB289C20D}"/>
-              </a:ext>
-            </a:extLst>
-          </p:cNvPr>
-          <p:cNvCxnSpPr>
-            <a:stCxn id="57" idx="1"/>
-          </p:cNvCxnSpPr>
-          <p:nvPr/>
-        </p:nvCxnSpPr>
-        <p:spPr>
-          <a:xfrm flipH="1" flipV="1">
-            <a:off x="2565647" y="4326659"/>
-            <a:ext cx="717979" cy="777483"/>
-          </a:xfrm>
-          <a:prstGeom prst="line">
-            <a:avLst/>
-          </a:prstGeom>
-        </p:spPr>
-        <p:style>
-          <a:lnRef idx="1">
-            <a:schemeClr val="accent1"/>
-          </a:lnRef>
-          <a:fillRef idx="0">
-            <a:schemeClr val="accent1"/>
-          </a:fillRef>
-          <a:effectRef idx="0">
-            <a:schemeClr val="accent1"/>
-          </a:effectRef>
-          <a:fontRef idx="minor">
-            <a:schemeClr val="tx1"/>
-          </a:fontRef>
-        </p:style>
-      </p:cxnSp>
-      <p:cxnSp>
-        <p:nvCxnSpPr>
-          <p:cNvPr id="75" name="Conector recto 74">
-            <a:extLst>
-              <a:ext uri="{FF2B5EF4-FFF2-40B4-BE49-F238E27FC236}">
-                <a16:creationId xmlns:a16="http://schemas.microsoft.com/office/drawing/2014/main" id="{35AD2871-D69B-46F2-8976-5781C72DD358}"/>
-              </a:ext>
-            </a:extLst>
-          </p:cNvPr>
-          <p:cNvCxnSpPr>
-            <a:stCxn id="53" idx="7"/>
-          </p:cNvCxnSpPr>
-          <p:nvPr/>
-        </p:nvCxnSpPr>
-        <p:spPr>
-          <a:xfrm flipV="1">
-            <a:off x="1401257" y="4390763"/>
-            <a:ext cx="370394" cy="1077789"/>
-          </a:xfrm>
-          <a:prstGeom prst="line">
-            <a:avLst/>
-          </a:prstGeom>
-        </p:spPr>
-        <p:style>
-          <a:lnRef idx="1">
-            <a:schemeClr val="accent1"/>
-          </a:lnRef>
-          <a:fillRef idx="0">
-            <a:schemeClr val="accent1"/>
-          </a:fillRef>
-          <a:effectRef idx="0">
-            <a:schemeClr val="accent1"/>
-          </a:effectRef>
-          <a:fontRef idx="minor">
-            <a:schemeClr val="tx1"/>
-          </a:fontRef>
-        </p:style>
-      </p:cxnSp>
-      <p:cxnSp>
-        <p:nvCxnSpPr>
-          <p:cNvPr id="77" name="Conector recto 76">
-            <a:extLst>
-              <a:ext uri="{FF2B5EF4-FFF2-40B4-BE49-F238E27FC236}">
-                <a16:creationId xmlns:a16="http://schemas.microsoft.com/office/drawing/2014/main" id="{057696E1-55A7-4032-8380-39C2540FFE39}"/>
-              </a:ext>
-            </a:extLst>
-          </p:cNvPr>
-          <p:cNvCxnSpPr>
-            <a:stCxn id="58" idx="1"/>
-          </p:cNvCxnSpPr>
-          <p:nvPr/>
-        </p:nvCxnSpPr>
-        <p:spPr>
-          <a:xfrm flipH="1" flipV="1">
-            <a:off x="2547892" y="4390763"/>
-            <a:ext cx="530006" cy="1084401"/>
-          </a:xfrm>
-          <a:prstGeom prst="line">
-            <a:avLst/>
-          </a:prstGeom>
-        </p:spPr>
-        <p:style>
-          <a:lnRef idx="1">
-            <a:schemeClr val="accent1"/>
-          </a:lnRef>
-          <a:fillRef idx="0">
-            <a:schemeClr val="accent1"/>
-          </a:fillRef>
-          <a:effectRef idx="0">
-            <a:schemeClr val="accent1"/>
-          </a:effectRef>
-          <a:fontRef idx="minor">
-            <a:schemeClr val="tx1"/>
-          </a:fontRef>
-        </p:style>
-      </p:cxnSp>
-      <p:cxnSp>
-        <p:nvCxnSpPr>
-          <p:cNvPr id="79" name="Conector recto 78">
-            <a:extLst>
-              <a:ext uri="{FF2B5EF4-FFF2-40B4-BE49-F238E27FC236}">
-                <a16:creationId xmlns:a16="http://schemas.microsoft.com/office/drawing/2014/main" id="{D8220A62-BAFE-45E5-9024-2367476D7873}"/>
-              </a:ext>
-            </a:extLst>
-          </p:cNvPr>
-          <p:cNvCxnSpPr>
-            <a:cxnSpLocks/>
-            <a:stCxn id="54" idx="7"/>
-          </p:cNvCxnSpPr>
-          <p:nvPr/>
-        </p:nvCxnSpPr>
-        <p:spPr>
-          <a:xfrm flipV="1">
-            <a:off x="1579176" y="4390763"/>
-            <a:ext cx="314542" cy="1426138"/>
-          </a:xfrm>
-          <a:prstGeom prst="line">
-            <a:avLst/>
-          </a:prstGeom>
-        </p:spPr>
-        <p:style>
-          <a:lnRef idx="1">
-            <a:schemeClr val="accent1"/>
-          </a:lnRef>
-          <a:fillRef idx="0">
-            <a:schemeClr val="accent1"/>
-          </a:fillRef>
-          <a:effectRef idx="0">
-            <a:schemeClr val="accent1"/>
-          </a:effectRef>
-          <a:fontRef idx="minor">
-            <a:schemeClr val="tx1"/>
-          </a:fontRef>
-        </p:style>
-      </p:cxnSp>
-      <p:cxnSp>
-        <p:nvCxnSpPr>
-          <p:cNvPr id="81" name="Conector recto 80">
-            <a:extLst>
-              <a:ext uri="{FF2B5EF4-FFF2-40B4-BE49-F238E27FC236}">
-                <a16:creationId xmlns:a16="http://schemas.microsoft.com/office/drawing/2014/main" id="{C9614FA5-C610-4BA1-821B-4B43F1769409}"/>
-              </a:ext>
-            </a:extLst>
-          </p:cNvPr>
-          <p:cNvCxnSpPr>
-            <a:stCxn id="59" idx="1"/>
-          </p:cNvCxnSpPr>
-          <p:nvPr/>
-        </p:nvCxnSpPr>
-        <p:spPr>
-          <a:xfrm flipH="1" flipV="1">
-            <a:off x="2443580" y="4390763"/>
-            <a:ext cx="398688" cy="1412445"/>
-          </a:xfrm>
-          <a:prstGeom prst="line">
-            <a:avLst/>
-          </a:prstGeom>
-        </p:spPr>
-        <p:style>
-          <a:lnRef idx="1">
-            <a:schemeClr val="accent1"/>
-          </a:lnRef>
-          <a:fillRef idx="0">
-            <a:schemeClr val="accent1"/>
-          </a:fillRef>
-          <a:effectRef idx="0">
-            <a:schemeClr val="accent1"/>
-          </a:effectRef>
-          <a:fontRef idx="minor">
-            <a:schemeClr val="tx1"/>
-          </a:fontRef>
-        </p:style>
-      </p:cxnSp>
-      <p:cxnSp>
-        <p:nvCxnSpPr>
-          <p:cNvPr id="83" name="Conector recto 82">
-            <a:extLst>
-              <a:ext uri="{FF2B5EF4-FFF2-40B4-BE49-F238E27FC236}">
-                <a16:creationId xmlns:a16="http://schemas.microsoft.com/office/drawing/2014/main" id="{C2868498-71C5-4392-A597-E443E9F232D1}"/>
-              </a:ext>
-            </a:extLst>
-          </p:cNvPr>
-          <p:cNvCxnSpPr>
-            <a:stCxn id="55" idx="7"/>
-          </p:cNvCxnSpPr>
-          <p:nvPr/>
-        </p:nvCxnSpPr>
-        <p:spPr>
-          <a:xfrm flipV="1">
-            <a:off x="1883474" y="4390763"/>
-            <a:ext cx="134935" cy="1828424"/>
-          </a:xfrm>
-          <a:prstGeom prst="line">
-            <a:avLst/>
-          </a:prstGeom>
-        </p:spPr>
-        <p:style>
-          <a:lnRef idx="1">
-            <a:schemeClr val="accent1"/>
-          </a:lnRef>
-          <a:fillRef idx="0">
-            <a:schemeClr val="accent1"/>
-          </a:fillRef>
-          <a:effectRef idx="0">
-            <a:schemeClr val="accent1"/>
-          </a:effectRef>
-          <a:fontRef idx="minor">
-            <a:schemeClr val="tx1"/>
-          </a:fontRef>
-        </p:style>
-      </p:cxnSp>
-      <p:cxnSp>
-        <p:nvCxnSpPr>
-          <p:cNvPr id="86" name="Conector recto 85">
-            <a:extLst>
-              <a:ext uri="{FF2B5EF4-FFF2-40B4-BE49-F238E27FC236}">
-                <a16:creationId xmlns:a16="http://schemas.microsoft.com/office/drawing/2014/main" id="{4CCBFDF2-5107-4B4F-BE8E-3560BB8CA5A5}"/>
-              </a:ext>
-            </a:extLst>
-          </p:cNvPr>
-          <p:cNvCxnSpPr>
-            <a:stCxn id="60" idx="1"/>
-          </p:cNvCxnSpPr>
-          <p:nvPr/>
-        </p:nvCxnSpPr>
-        <p:spPr>
-          <a:xfrm flipH="1" flipV="1">
-            <a:off x="2281561" y="4390763"/>
-            <a:ext cx="102469" cy="1828424"/>
-          </a:xfrm>
-          <a:prstGeom prst="line">
-            <a:avLst/>
-          </a:prstGeom>
-        </p:spPr>
-        <p:style>
-          <a:lnRef idx="1">
-            <a:schemeClr val="accent1"/>
-          </a:lnRef>
-          <a:fillRef idx="0">
-            <a:schemeClr val="accent1"/>
-          </a:fillRef>
-          <a:effectRef idx="0">
-            <a:schemeClr val="accent1"/>
-          </a:effectRef>
-          <a:fontRef idx="minor">
-            <a:schemeClr val="tx1"/>
-          </a:fontRef>
-        </p:style>
-      </p:cxnSp>
-      <p:sp>
-        <p:nvSpPr>
-          <p:cNvPr id="87" name="Elipse 86">
-            <a:extLst>
-              <a:ext uri="{FF2B5EF4-FFF2-40B4-BE49-F238E27FC236}">
-                <a16:creationId xmlns:a16="http://schemas.microsoft.com/office/drawing/2014/main" id="{F9746B22-F573-4EDC-BAD3-1A6F31D165D0}"/>
-              </a:ext>
-            </a:extLst>
-          </p:cNvPr>
-          <p:cNvSpPr/>
-          <p:nvPr/>
-        </p:nvSpPr>
-        <p:spPr>
-          <a:xfrm>
-            <a:off x="9985901" y="646401"/>
-            <a:ext cx="896643" cy="284086"/>
-          </a:xfrm>
-          <a:prstGeom prst="ellipse">
-            <a:avLst/>
-          </a:prstGeom>
-        </p:spPr>
-        <p:style>
-          <a:lnRef idx="2">
-            <a:schemeClr val="accent6"/>
-          </a:lnRef>
-          <a:fillRef idx="1">
-            <a:schemeClr val="lt1"/>
-          </a:fillRef>
-          <a:effectRef idx="0">
-            <a:schemeClr val="accent6"/>
-          </a:effectRef>
-          <a:fontRef idx="minor">
-            <a:schemeClr val="dk1"/>
-          </a:fontRef>
-        </p:style>
-        <p:txBody>
-          <a:bodyPr rtlCol="0" anchor="ctr"/>
-          <a:lstStyle/>
-          <a:p>
-            <a:pPr algn="ctr"/>
-            <a:r>
-              <a:rPr lang="es-ES" sz="1000" dirty="0"/>
-              <a:t>id</a:t>
-            </a:r>
-          </a:p>
-        </p:txBody>
-      </p:sp>
-      <p:sp>
-        <p:nvSpPr>
-          <p:cNvPr id="88" name="Elipse 87">
-            <a:extLst>
-              <a:ext uri="{FF2B5EF4-FFF2-40B4-BE49-F238E27FC236}">
-                <a16:creationId xmlns:a16="http://schemas.microsoft.com/office/drawing/2014/main" id="{621FD673-478A-44EA-9D7E-F7D68A49C069}"/>
-              </a:ext>
-            </a:extLst>
-          </p:cNvPr>
-          <p:cNvSpPr/>
-          <p:nvPr/>
-        </p:nvSpPr>
-        <p:spPr>
-          <a:xfrm>
-            <a:off x="9985900" y="1107115"/>
-            <a:ext cx="896643" cy="284086"/>
-          </a:xfrm>
-          <a:prstGeom prst="ellipse">
-            <a:avLst/>
-          </a:prstGeom>
-        </p:spPr>
-        <p:style>
-          <a:lnRef idx="2">
-            <a:schemeClr val="accent6"/>
-          </a:lnRef>
-          <a:fillRef idx="1">
-            <a:schemeClr val="lt1"/>
-          </a:fillRef>
-          <a:effectRef idx="0">
-            <a:schemeClr val="accent6"/>
-          </a:effectRef>
-          <a:fontRef idx="minor">
-            <a:schemeClr val="dk1"/>
-          </a:fontRef>
-        </p:style>
-        <p:txBody>
-          <a:bodyPr rtlCol="0" anchor="ctr"/>
-          <a:lstStyle/>
-          <a:p>
-            <a:pPr algn="ctr"/>
-            <a:r>
-              <a:rPr lang="es-ES" sz="1000" dirty="0"/>
-              <a:t>frase</a:t>
-            </a:r>
-          </a:p>
-        </p:txBody>
-      </p:sp>
-      <p:cxnSp>
-        <p:nvCxnSpPr>
-          <p:cNvPr id="90" name="Conector recto 89">
-            <a:extLst>
-              <a:ext uri="{FF2B5EF4-FFF2-40B4-BE49-F238E27FC236}">
-                <a16:creationId xmlns:a16="http://schemas.microsoft.com/office/drawing/2014/main" id="{6BC8C8E6-CC24-4A90-B949-CB514274BAC9}"/>
-              </a:ext>
-            </a:extLst>
-          </p:cNvPr>
-          <p:cNvCxnSpPr>
-            <a:cxnSpLocks/>
-            <a:endCxn id="87" idx="2"/>
-          </p:cNvCxnSpPr>
-          <p:nvPr/>
-        </p:nvCxnSpPr>
-        <p:spPr>
-          <a:xfrm flipV="1">
-            <a:off x="9065579" y="788444"/>
-            <a:ext cx="920322" cy="264214"/>
-          </a:xfrm>
-          <a:prstGeom prst="line">
-            <a:avLst/>
-          </a:prstGeom>
-        </p:spPr>
-        <p:style>
-          <a:lnRef idx="1">
-            <a:schemeClr val="accent1"/>
-          </a:lnRef>
-          <a:fillRef idx="0">
-            <a:schemeClr val="accent1"/>
-          </a:fillRef>
-          <a:effectRef idx="0">
-            <a:schemeClr val="accent1"/>
-          </a:effectRef>
-          <a:fontRef idx="minor">
-            <a:schemeClr val="tx1"/>
-          </a:fontRef>
-        </p:style>
-      </p:cxnSp>
-      <p:cxnSp>
-        <p:nvCxnSpPr>
-          <p:cNvPr id="93" name="Conector recto 92">
-            <a:extLst>
-              <a:ext uri="{FF2B5EF4-FFF2-40B4-BE49-F238E27FC236}">
-                <a16:creationId xmlns:a16="http://schemas.microsoft.com/office/drawing/2014/main" id="{E1477319-13CA-402B-AB75-5FE7E39B954F}"/>
-              </a:ext>
-            </a:extLst>
-          </p:cNvPr>
-          <p:cNvCxnSpPr>
-            <a:stCxn id="88" idx="2"/>
-            <a:endCxn id="8" idx="3"/>
-          </p:cNvCxnSpPr>
-          <p:nvPr/>
-        </p:nvCxnSpPr>
-        <p:spPr>
-          <a:xfrm flipH="1">
-            <a:off x="9065579" y="1249158"/>
-            <a:ext cx="920321" cy="1"/>
-          </a:xfrm>
-          <a:prstGeom prst="line">
-            <a:avLst/>
-          </a:prstGeom>
-        </p:spPr>
-        <p:style>
-          <a:lnRef idx="1">
-            <a:schemeClr val="accent1"/>
-          </a:lnRef>
-          <a:fillRef idx="0">
-            <a:schemeClr val="accent1"/>
-          </a:fillRef>
-          <a:effectRef idx="0">
-            <a:schemeClr val="accent1"/>
-          </a:effectRef>
-          <a:fontRef idx="minor">
-            <a:schemeClr val="tx1"/>
-          </a:fontRef>
-        </p:style>
-      </p:cxnSp>
-      <p:sp>
-        <p:nvSpPr>
-          <p:cNvPr id="94" name="Elipse 93">
-            <a:extLst>
-              <a:ext uri="{FF2B5EF4-FFF2-40B4-BE49-F238E27FC236}">
-                <a16:creationId xmlns:a16="http://schemas.microsoft.com/office/drawing/2014/main" id="{3DE42FFC-721B-412E-A0B0-5FC6B2C9E491}"/>
-              </a:ext>
-            </a:extLst>
-          </p:cNvPr>
-          <p:cNvSpPr/>
-          <p:nvPr/>
-        </p:nvSpPr>
-        <p:spPr>
-          <a:xfrm>
-            <a:off x="9982324" y="1640520"/>
-            <a:ext cx="896643" cy="284086"/>
-          </a:xfrm>
-          <a:prstGeom prst="ellipse">
-            <a:avLst/>
-          </a:prstGeom>
-        </p:spPr>
-        <p:style>
-          <a:lnRef idx="2">
-            <a:schemeClr val="accent6"/>
-          </a:lnRef>
-          <a:fillRef idx="1">
-            <a:schemeClr val="lt1"/>
-          </a:fillRef>
-          <a:effectRef idx="0">
-            <a:schemeClr val="accent6"/>
-          </a:effectRef>
-          <a:fontRef idx="minor">
-            <a:schemeClr val="dk1"/>
-          </a:fontRef>
-        </p:style>
-        <p:txBody>
-          <a:bodyPr rtlCol="0" anchor="ctr"/>
-          <a:lstStyle/>
-          <a:p>
-            <a:pPr algn="ctr"/>
-            <a:r>
-              <a:rPr lang="es-ES" sz="1000" dirty="0"/>
-              <a:t>juego</a:t>
-            </a:r>
-          </a:p>
-        </p:txBody>
-      </p:sp>
-      <p:cxnSp>
-        <p:nvCxnSpPr>
-          <p:cNvPr id="96" name="Conector recto 95">
-            <a:extLst>
-              <a:ext uri="{FF2B5EF4-FFF2-40B4-BE49-F238E27FC236}">
-                <a16:creationId xmlns:a16="http://schemas.microsoft.com/office/drawing/2014/main" id="{668EFA3B-8503-4FD6-B693-54292FC4C891}"/>
-              </a:ext>
-            </a:extLst>
-          </p:cNvPr>
-          <p:cNvCxnSpPr>
-            <a:endCxn id="94" idx="2"/>
-          </p:cNvCxnSpPr>
-          <p:nvPr/>
-        </p:nvCxnSpPr>
-        <p:spPr>
-          <a:xfrm>
-            <a:off x="9065579" y="1440028"/>
-            <a:ext cx="916745" cy="342535"/>
-          </a:xfrm>
-          <a:prstGeom prst="line">
-            <a:avLst/>
-          </a:prstGeom>
-        </p:spPr>
-        <p:style>
-          <a:lnRef idx="1">
-            <a:schemeClr val="accent1"/>
-          </a:lnRef>
-          <a:fillRef idx="0">
-            <a:schemeClr val="accent1"/>
-          </a:fillRef>
-          <a:effectRef idx="0">
-            <a:schemeClr val="accent1"/>
-          </a:effectRef>
-          <a:fontRef idx="minor">
-            <a:schemeClr val="tx1"/>
-          </a:fontRef>
-        </p:style>
-      </p:cxnSp>
+              <a:rPr lang="es-ES" sz="1100" dirty="0"/>
+              <a:t>Api escrita en JavaScript para conectar las dos aplicaciones móviles con la base de datos, para realizar todas las llamadas que sean necesarias a la BD</a:t>
+            </a:r>
+          </a:p>
+        </p:txBody>
+      </p:sp>
+      <p:sp>
+        <p:nvSpPr>
+          <p:cNvPr id="17" name="CuadroTexto 16">
+            <a:extLst>
+              <a:ext uri="{FF2B5EF4-FFF2-40B4-BE49-F238E27FC236}">
+                <a16:creationId xmlns:a16="http://schemas.microsoft.com/office/drawing/2014/main" id="{374BCE0D-11C5-4C8C-9500-705668B0EC1D}"/>
+              </a:ext>
+            </a:extLst>
+          </p:cNvPr>
+          <p:cNvSpPr txBox="1"/>
+          <p:nvPr/>
+        </p:nvSpPr>
+        <p:spPr>
+          <a:xfrm>
+            <a:off x="2581936" y="413050"/>
+            <a:ext cx="4222622" cy="954107"/>
+          </a:xfrm>
+          <a:prstGeom prst="rect">
+            <a:avLst/>
+          </a:prstGeom>
+          <a:noFill/>
+        </p:spPr>
+        <p:txBody>
+          <a:bodyPr wrap="square" rtlCol="0">
+            <a:spAutoFit/>
+          </a:bodyPr>
+          <a:lstStyle/>
+          <a:p>
+            <a:r>
+              <a:rPr lang="es-ES" sz="1400" dirty="0"/>
+              <a:t>La aplicación del usuario final solamente se conecta a la API Rest, para enviar a una tabla temporal las frases que escriben los usuarios, y para enviar las valoraciones recibidas directamente a una tabla de valoraciones.</a:t>
+            </a:r>
+          </a:p>
+        </p:txBody>
+      </p:sp>
+      <p:sp>
+        <p:nvSpPr>
+          <p:cNvPr id="18" name="CuadroTexto 17">
+            <a:extLst>
+              <a:ext uri="{FF2B5EF4-FFF2-40B4-BE49-F238E27FC236}">
+                <a16:creationId xmlns:a16="http://schemas.microsoft.com/office/drawing/2014/main" id="{FFADAB6A-93FC-4F44-8530-664A4D899D02}"/>
+              </a:ext>
+            </a:extLst>
+          </p:cNvPr>
+          <p:cNvSpPr txBox="1"/>
+          <p:nvPr/>
+        </p:nvSpPr>
+        <p:spPr>
+          <a:xfrm>
+            <a:off x="2581936" y="2028735"/>
+            <a:ext cx="4222622" cy="1169551"/>
+          </a:xfrm>
+          <a:prstGeom prst="rect">
+            <a:avLst/>
+          </a:prstGeom>
+          <a:noFill/>
+        </p:spPr>
+        <p:txBody>
+          <a:bodyPr wrap="square" rtlCol="0">
+            <a:spAutoFit/>
+          </a:bodyPr>
+          <a:lstStyle/>
+          <a:p>
+            <a:r>
+              <a:rPr lang="es-ES" sz="1400" dirty="0"/>
+              <a:t>Coctelpedia Manager se conecta con la API Rest, para recibir los datos de la tabla de frases temporales, para poder editarlas, o eliminarlas, y las que se acepten se enviarán directamente a la tabla final de las frases del juego.</a:t>
+            </a:r>
+          </a:p>
+        </p:txBody>
+      </p:sp>
+      <p:sp>
+        <p:nvSpPr>
+          <p:cNvPr id="19" name="CuadroTexto 18">
+            <a:extLst>
+              <a:ext uri="{FF2B5EF4-FFF2-40B4-BE49-F238E27FC236}">
+                <a16:creationId xmlns:a16="http://schemas.microsoft.com/office/drawing/2014/main" id="{E5481D5B-6163-4770-922C-9AC7F40E5B9B}"/>
+              </a:ext>
+            </a:extLst>
+          </p:cNvPr>
+          <p:cNvSpPr txBox="1"/>
+          <p:nvPr/>
+        </p:nvSpPr>
+        <p:spPr>
+          <a:xfrm>
+            <a:off x="2581934" y="3909366"/>
+            <a:ext cx="4222623" cy="738664"/>
+          </a:xfrm>
+          <a:prstGeom prst="rect">
+            <a:avLst/>
+          </a:prstGeom>
+          <a:noFill/>
+        </p:spPr>
+        <p:txBody>
+          <a:bodyPr wrap="square" rtlCol="0">
+            <a:spAutoFit/>
+          </a:bodyPr>
+          <a:lstStyle/>
+          <a:p>
+            <a:r>
+              <a:rPr lang="es-ES" sz="1400" dirty="0"/>
+              <a:t>Base de datos que guarda las frases de los distintos juegos, y también las de las valoraciones recibidas por los usuarios.</a:t>
+            </a:r>
+          </a:p>
+        </p:txBody>
+      </p:sp>
+      <p:sp>
+        <p:nvSpPr>
+          <p:cNvPr id="21" name="CuadroTexto 20">
+            <a:extLst>
+              <a:ext uri="{FF2B5EF4-FFF2-40B4-BE49-F238E27FC236}">
+                <a16:creationId xmlns:a16="http://schemas.microsoft.com/office/drawing/2014/main" id="{56702FFD-B476-446E-9714-93909FDCA16C}"/>
+              </a:ext>
+            </a:extLst>
+          </p:cNvPr>
+          <p:cNvSpPr txBox="1"/>
+          <p:nvPr/>
+        </p:nvSpPr>
+        <p:spPr>
+          <a:xfrm>
+            <a:off x="2581934" y="5093031"/>
+            <a:ext cx="4222625" cy="1600438"/>
+          </a:xfrm>
+          <a:prstGeom prst="rect">
+            <a:avLst/>
+          </a:prstGeom>
+          <a:noFill/>
+        </p:spPr>
+        <p:txBody>
+          <a:bodyPr wrap="square" rtlCol="0">
+            <a:spAutoFit/>
+          </a:bodyPr>
+          <a:lstStyle/>
+          <a:p>
+            <a:r>
+              <a:rPr lang="es-ES" sz="1400" dirty="0"/>
+              <a:t>Se comunica con las otras tres partes del proyecto: con la Base de datos para recibir y enviarle los datos de las aplicaciones, con Coctelpedia Manager para enviarle las frases temporales y recibir las definitivas, y con Coctelpedia para recibir las frases temporales y valoraciones, así como enviarle las frases definitivas para usarse en los juegos</a:t>
+            </a:r>
+          </a:p>
+        </p:txBody>
+      </p:sp>
     </p:spTree>
     <p:extLst>
       <p:ext uri="{BB962C8B-B14F-4D97-AF65-F5344CB8AC3E}">
-        <p14:creationId xmlns:p14="http://schemas.microsoft.com/office/powerpoint/2010/main" val="1828197638"/>
+        <p14:creationId xmlns:p14="http://schemas.microsoft.com/office/powerpoint/2010/main" val="193572952"/>
       </p:ext>
     </p:extLst>
   </p:cSld>
@@ -5939,274 +5209,1849 @@
           <a:chExt cx="0" cy="0"/>
         </a:xfrm>
       </p:grpSpPr>
-      <p:pic>
-        <p:nvPicPr>
-          <p:cNvPr id="4" name="Imagen 3">
-            <a:extLst>
-              <a:ext uri="{FF2B5EF4-FFF2-40B4-BE49-F238E27FC236}">
-                <a16:creationId xmlns:a16="http://schemas.microsoft.com/office/drawing/2014/main" id="{2D1836BD-8CA6-4122-9782-8E83117CD2C3}"/>
-              </a:ext>
-            </a:extLst>
-          </p:cNvPr>
-          <p:cNvPicPr>
-            <a:picLocks noChangeAspect="1"/>
-          </p:cNvPicPr>
-          <p:nvPr/>
-        </p:nvPicPr>
-        <p:blipFill>
-          <a:blip r:embed="rId2"/>
-          <a:stretch>
-            <a:fillRect/>
-          </a:stretch>
-        </p:blipFill>
-        <p:spPr>
-          <a:xfrm>
-            <a:off x="264955" y="435006"/>
-            <a:ext cx="2333674" cy="4603072"/>
+      <p:sp>
+        <p:nvSpPr>
+          <p:cNvPr id="4" name="Rectángulo 3">
+            <a:extLst>
+              <a:ext uri="{FF2B5EF4-FFF2-40B4-BE49-F238E27FC236}">
+                <a16:creationId xmlns:a16="http://schemas.microsoft.com/office/drawing/2014/main" id="{BF129D7B-F951-49EE-9ED3-7FBC2DB32F5E}"/>
+              </a:ext>
+            </a:extLst>
+          </p:cNvPr>
+          <p:cNvSpPr/>
+          <p:nvPr/>
+        </p:nvSpPr>
+        <p:spPr>
+          <a:xfrm>
+            <a:off x="1580225" y="1029810"/>
+            <a:ext cx="1100831" cy="381739"/>
           </a:xfrm>
           <a:prstGeom prst="rect">
             <a:avLst/>
           </a:prstGeom>
         </p:spPr>
-      </p:pic>
-      <p:sp>
-        <p:nvSpPr>
-          <p:cNvPr id="5" name="CuadroTexto 4">
-            <a:extLst>
-              <a:ext uri="{FF2B5EF4-FFF2-40B4-BE49-F238E27FC236}">
-                <a16:creationId xmlns:a16="http://schemas.microsoft.com/office/drawing/2014/main" id="{43DB0911-9807-4C77-96F6-C49540751DB2}"/>
-              </a:ext>
-            </a:extLst>
-          </p:cNvPr>
-          <p:cNvSpPr txBox="1"/>
-          <p:nvPr/>
-        </p:nvSpPr>
-        <p:spPr>
-          <a:xfrm>
-            <a:off x="264955" y="5157925"/>
-            <a:ext cx="2333674" cy="430887"/>
+        <p:style>
+          <a:lnRef idx="2">
+            <a:schemeClr val="accent1">
+              <a:shade val="50000"/>
+            </a:schemeClr>
+          </a:lnRef>
+          <a:fillRef idx="1">
+            <a:schemeClr val="accent1"/>
+          </a:fillRef>
+          <a:effectRef idx="0">
+            <a:schemeClr val="accent1"/>
+          </a:effectRef>
+          <a:fontRef idx="minor">
+            <a:schemeClr val="lt1"/>
+          </a:fontRef>
+        </p:style>
+        <p:txBody>
+          <a:bodyPr rtlCol="0" anchor="ctr"/>
+          <a:lstStyle/>
+          <a:p>
+            <a:pPr algn="ctr"/>
+            <a:r>
+              <a:rPr lang="es-ES" dirty="0"/>
+              <a:t>Usuario</a:t>
+            </a:r>
+          </a:p>
+        </p:txBody>
+      </p:sp>
+      <p:sp>
+        <p:nvSpPr>
+          <p:cNvPr id="6" name="Rectángulo 5">
+            <a:extLst>
+              <a:ext uri="{FF2B5EF4-FFF2-40B4-BE49-F238E27FC236}">
+                <a16:creationId xmlns:a16="http://schemas.microsoft.com/office/drawing/2014/main" id="{FCC64E2C-EADC-46C6-BE7D-CB4B25F889A7}"/>
+              </a:ext>
+            </a:extLst>
+          </p:cNvPr>
+          <p:cNvSpPr/>
+          <p:nvPr/>
+        </p:nvSpPr>
+        <p:spPr>
+          <a:xfrm>
+            <a:off x="7744286" y="2710287"/>
+            <a:ext cx="1541755" cy="381739"/>
           </a:xfrm>
           <a:prstGeom prst="rect">
             <a:avLst/>
           </a:prstGeom>
-          <a:noFill/>
-        </p:spPr>
-        <p:txBody>
-          <a:bodyPr wrap="square" rtlCol="0">
-            <a:spAutoFit/>
-          </a:bodyPr>
+        </p:spPr>
+        <p:style>
+          <a:lnRef idx="2">
+            <a:schemeClr val="accent1">
+              <a:shade val="50000"/>
+            </a:schemeClr>
+          </a:lnRef>
+          <a:fillRef idx="1">
+            <a:schemeClr val="accent1"/>
+          </a:fillRef>
+          <a:effectRef idx="0">
+            <a:schemeClr val="accent1"/>
+          </a:effectRef>
+          <a:fontRef idx="minor">
+            <a:schemeClr val="lt1"/>
+          </a:fontRef>
+        </p:style>
+        <p:txBody>
+          <a:bodyPr rtlCol="0" anchor="ctr"/>
           <a:lstStyle/>
           <a:p>
             <a:pPr algn="ctr"/>
             <a:r>
-              <a:rPr lang="es-ES" sz="1100" dirty="0"/>
-              <a:t>Pantalla principal con una breve presentación de la aplicación.</a:t>
-            </a:r>
-          </a:p>
-        </p:txBody>
-      </p:sp>
-      <p:pic>
-        <p:nvPicPr>
-          <p:cNvPr id="6" name="Imagen 5">
-            <a:extLst>
-              <a:ext uri="{FF2B5EF4-FFF2-40B4-BE49-F238E27FC236}">
-                <a16:creationId xmlns:a16="http://schemas.microsoft.com/office/drawing/2014/main" id="{84F27903-6B98-4BA1-A5DD-E1685E562869}"/>
-              </a:ext>
-            </a:extLst>
-          </p:cNvPr>
-          <p:cNvPicPr>
-            <a:picLocks noChangeAspect="1"/>
-          </p:cNvPicPr>
-          <p:nvPr/>
-        </p:nvPicPr>
-        <p:blipFill>
-          <a:blip r:embed="rId3"/>
-          <a:stretch>
-            <a:fillRect/>
-          </a:stretch>
-        </p:blipFill>
-        <p:spPr>
-          <a:xfrm>
-            <a:off x="2724070" y="435006"/>
-            <a:ext cx="2338858" cy="4603073"/>
+              <a:rPr lang="es-ES" dirty="0"/>
+              <a:t>Administrador</a:t>
+            </a:r>
+          </a:p>
+        </p:txBody>
+      </p:sp>
+      <p:sp>
+        <p:nvSpPr>
+          <p:cNvPr id="7" name="Rombo 6">
+            <a:extLst>
+              <a:ext uri="{FF2B5EF4-FFF2-40B4-BE49-F238E27FC236}">
+                <a16:creationId xmlns:a16="http://schemas.microsoft.com/office/drawing/2014/main" id="{EBBCCD49-DF73-4DCF-B410-AAF52D3DFAD7}"/>
+              </a:ext>
+            </a:extLst>
+          </p:cNvPr>
+          <p:cNvSpPr/>
+          <p:nvPr/>
+        </p:nvSpPr>
+        <p:spPr>
+          <a:xfrm>
+            <a:off x="4048959" y="514907"/>
+            <a:ext cx="1677880" cy="594803"/>
+          </a:xfrm>
+          <a:prstGeom prst="diamond">
+            <a:avLst/>
+          </a:prstGeom>
+        </p:spPr>
+        <p:style>
+          <a:lnRef idx="2">
+            <a:schemeClr val="accent1">
+              <a:shade val="50000"/>
+            </a:schemeClr>
+          </a:lnRef>
+          <a:fillRef idx="1">
+            <a:schemeClr val="accent1"/>
+          </a:fillRef>
+          <a:effectRef idx="0">
+            <a:schemeClr val="accent1"/>
+          </a:effectRef>
+          <a:fontRef idx="minor">
+            <a:schemeClr val="lt1"/>
+          </a:fontRef>
+        </p:style>
+        <p:txBody>
+          <a:bodyPr rtlCol="0" anchor="ctr"/>
+          <a:lstStyle/>
+          <a:p>
+            <a:pPr algn="ctr"/>
+            <a:r>
+              <a:rPr lang="es-ES" dirty="0"/>
+              <a:t>Pide</a:t>
+            </a:r>
+          </a:p>
+        </p:txBody>
+      </p:sp>
+      <p:sp>
+        <p:nvSpPr>
+          <p:cNvPr id="8" name="Rectángulo 7">
+            <a:extLst>
+              <a:ext uri="{FF2B5EF4-FFF2-40B4-BE49-F238E27FC236}">
+                <a16:creationId xmlns:a16="http://schemas.microsoft.com/office/drawing/2014/main" id="{EBB5D84A-ED76-4B97-8B8F-483E29FB77E4}"/>
+              </a:ext>
+            </a:extLst>
+          </p:cNvPr>
+          <p:cNvSpPr/>
+          <p:nvPr/>
+        </p:nvSpPr>
+        <p:spPr>
+          <a:xfrm>
+            <a:off x="7964748" y="1058289"/>
+            <a:ext cx="1100831" cy="381739"/>
           </a:xfrm>
           <a:prstGeom prst="rect">
             <a:avLst/>
           </a:prstGeom>
         </p:spPr>
-      </p:pic>
-      <p:sp>
-        <p:nvSpPr>
-          <p:cNvPr id="7" name="CuadroTexto 6">
-            <a:extLst>
-              <a:ext uri="{FF2B5EF4-FFF2-40B4-BE49-F238E27FC236}">
-                <a16:creationId xmlns:a16="http://schemas.microsoft.com/office/drawing/2014/main" id="{9D58FBF2-68ED-40AC-8CB8-427C7CEC270C}"/>
-              </a:ext>
-            </a:extLst>
-          </p:cNvPr>
-          <p:cNvSpPr txBox="1"/>
-          <p:nvPr/>
-        </p:nvSpPr>
-        <p:spPr>
-          <a:xfrm>
-            <a:off x="2724070" y="5157925"/>
-            <a:ext cx="2333674" cy="769441"/>
+        <p:style>
+          <a:lnRef idx="2">
+            <a:schemeClr val="accent1">
+              <a:shade val="50000"/>
+            </a:schemeClr>
+          </a:lnRef>
+          <a:fillRef idx="1">
+            <a:schemeClr val="accent1"/>
+          </a:fillRef>
+          <a:effectRef idx="0">
+            <a:schemeClr val="accent1"/>
+          </a:effectRef>
+          <a:fontRef idx="minor">
+            <a:schemeClr val="lt1"/>
+          </a:fontRef>
+        </p:style>
+        <p:txBody>
+          <a:bodyPr rtlCol="0" anchor="ctr"/>
+          <a:lstStyle/>
+          <a:p>
+            <a:pPr algn="ctr"/>
+            <a:r>
+              <a:rPr lang="es-ES" dirty="0"/>
+              <a:t>Frase</a:t>
+            </a:r>
+          </a:p>
+        </p:txBody>
+      </p:sp>
+      <p:sp>
+        <p:nvSpPr>
+          <p:cNvPr id="9" name="Rombo 8">
+            <a:extLst>
+              <a:ext uri="{FF2B5EF4-FFF2-40B4-BE49-F238E27FC236}">
+                <a16:creationId xmlns:a16="http://schemas.microsoft.com/office/drawing/2014/main" id="{DEB6D564-F047-4458-A049-52F7406EF20F}"/>
+              </a:ext>
+            </a:extLst>
+          </p:cNvPr>
+          <p:cNvSpPr/>
+          <p:nvPr/>
+        </p:nvSpPr>
+        <p:spPr>
+          <a:xfrm>
+            <a:off x="4048959" y="1600201"/>
+            <a:ext cx="1677880" cy="594803"/>
+          </a:xfrm>
+          <a:prstGeom prst="diamond">
+            <a:avLst/>
+          </a:prstGeom>
+        </p:spPr>
+        <p:style>
+          <a:lnRef idx="2">
+            <a:schemeClr val="accent1">
+              <a:shade val="50000"/>
+            </a:schemeClr>
+          </a:lnRef>
+          <a:fillRef idx="1">
+            <a:schemeClr val="accent1"/>
+          </a:fillRef>
+          <a:effectRef idx="0">
+            <a:schemeClr val="accent1"/>
+          </a:effectRef>
+          <a:fontRef idx="minor">
+            <a:schemeClr val="lt1"/>
+          </a:fontRef>
+        </p:style>
+        <p:txBody>
+          <a:bodyPr rtlCol="0" anchor="ctr"/>
+          <a:lstStyle/>
+          <a:p>
+            <a:pPr algn="ctr"/>
+            <a:r>
+              <a:rPr lang="es-ES" dirty="0"/>
+              <a:t>Envía</a:t>
+            </a:r>
+          </a:p>
+        </p:txBody>
+      </p:sp>
+      <p:cxnSp>
+        <p:nvCxnSpPr>
+          <p:cNvPr id="13" name="Conector recto de flecha 12">
+            <a:extLst>
+              <a:ext uri="{FF2B5EF4-FFF2-40B4-BE49-F238E27FC236}">
+                <a16:creationId xmlns:a16="http://schemas.microsoft.com/office/drawing/2014/main" id="{F3733C7E-BE10-4917-AE39-A2128E949400}"/>
+              </a:ext>
+            </a:extLst>
+          </p:cNvPr>
+          <p:cNvCxnSpPr>
+            <a:cxnSpLocks/>
+            <a:endCxn id="9" idx="1"/>
+          </p:cNvCxnSpPr>
+          <p:nvPr/>
+        </p:nvCxnSpPr>
+        <p:spPr>
+          <a:xfrm>
+            <a:off x="2681055" y="1383437"/>
+            <a:ext cx="1367904" cy="514166"/>
+          </a:xfrm>
+          <a:prstGeom prst="straightConnector1">
+            <a:avLst/>
+          </a:prstGeom>
+          <a:ln>
+            <a:tailEnd type="triangle"/>
+          </a:ln>
+        </p:spPr>
+        <p:style>
+          <a:lnRef idx="1">
+            <a:schemeClr val="accent1"/>
+          </a:lnRef>
+          <a:fillRef idx="0">
+            <a:schemeClr val="accent1"/>
+          </a:fillRef>
+          <a:effectRef idx="0">
+            <a:schemeClr val="accent1"/>
+          </a:effectRef>
+          <a:fontRef idx="minor">
+            <a:schemeClr val="tx1"/>
+          </a:fontRef>
+        </p:style>
+      </p:cxnSp>
+      <p:cxnSp>
+        <p:nvCxnSpPr>
+          <p:cNvPr id="15" name="Conector recto de flecha 14">
+            <a:extLst>
+              <a:ext uri="{FF2B5EF4-FFF2-40B4-BE49-F238E27FC236}">
+                <a16:creationId xmlns:a16="http://schemas.microsoft.com/office/drawing/2014/main" id="{7B757AE5-D0E1-454E-AFCF-D4D485517E19}"/>
+              </a:ext>
+            </a:extLst>
+          </p:cNvPr>
+          <p:cNvCxnSpPr>
+            <a:cxnSpLocks/>
+            <a:stCxn id="7" idx="3"/>
+          </p:cNvCxnSpPr>
+          <p:nvPr/>
+        </p:nvCxnSpPr>
+        <p:spPr>
+          <a:xfrm>
+            <a:off x="5726839" y="812309"/>
+            <a:ext cx="2237909" cy="333651"/>
+          </a:xfrm>
+          <a:prstGeom prst="straightConnector1">
+            <a:avLst/>
+          </a:prstGeom>
+          <a:ln>
+            <a:tailEnd type="triangle"/>
+          </a:ln>
+        </p:spPr>
+        <p:style>
+          <a:lnRef idx="1">
+            <a:schemeClr val="accent1"/>
+          </a:lnRef>
+          <a:fillRef idx="0">
+            <a:schemeClr val="accent1"/>
+          </a:fillRef>
+          <a:effectRef idx="0">
+            <a:schemeClr val="accent1"/>
+          </a:effectRef>
+          <a:fontRef idx="minor">
+            <a:schemeClr val="tx1"/>
+          </a:fontRef>
+        </p:style>
+      </p:cxnSp>
+      <p:cxnSp>
+        <p:nvCxnSpPr>
+          <p:cNvPr id="17" name="Conector recto de flecha 16">
+            <a:extLst>
+              <a:ext uri="{FF2B5EF4-FFF2-40B4-BE49-F238E27FC236}">
+                <a16:creationId xmlns:a16="http://schemas.microsoft.com/office/drawing/2014/main" id="{56E81C5D-10A1-40DB-BF93-41754A726095}"/>
+              </a:ext>
+            </a:extLst>
+          </p:cNvPr>
+          <p:cNvCxnSpPr>
+            <a:cxnSpLocks/>
+            <a:stCxn id="9" idx="3"/>
+          </p:cNvCxnSpPr>
+          <p:nvPr/>
+        </p:nvCxnSpPr>
+        <p:spPr>
+          <a:xfrm flipV="1">
+            <a:off x="5726839" y="1292442"/>
+            <a:ext cx="2237909" cy="605161"/>
+          </a:xfrm>
+          <a:prstGeom prst="straightConnector1">
+            <a:avLst/>
+          </a:prstGeom>
+          <a:ln>
+            <a:tailEnd type="triangle"/>
+          </a:ln>
+        </p:spPr>
+        <p:style>
+          <a:lnRef idx="1">
+            <a:schemeClr val="accent1"/>
+          </a:lnRef>
+          <a:fillRef idx="0">
+            <a:schemeClr val="accent1"/>
+          </a:fillRef>
+          <a:effectRef idx="0">
+            <a:schemeClr val="accent1"/>
+          </a:effectRef>
+          <a:fontRef idx="minor">
+            <a:schemeClr val="tx1"/>
+          </a:fontRef>
+        </p:style>
+      </p:cxnSp>
+      <p:sp>
+        <p:nvSpPr>
+          <p:cNvPr id="22" name="Rombo 21">
+            <a:extLst>
+              <a:ext uri="{FF2B5EF4-FFF2-40B4-BE49-F238E27FC236}">
+                <a16:creationId xmlns:a16="http://schemas.microsoft.com/office/drawing/2014/main" id="{49B2DD2A-1300-4572-A84D-E514769308B0}"/>
+              </a:ext>
+            </a:extLst>
+          </p:cNvPr>
+          <p:cNvSpPr/>
+          <p:nvPr/>
+        </p:nvSpPr>
+        <p:spPr>
+          <a:xfrm>
+            <a:off x="7676224" y="1777756"/>
+            <a:ext cx="1677880" cy="594803"/>
+          </a:xfrm>
+          <a:prstGeom prst="diamond">
+            <a:avLst/>
+          </a:prstGeom>
+        </p:spPr>
+        <p:style>
+          <a:lnRef idx="2">
+            <a:schemeClr val="accent1">
+              <a:shade val="50000"/>
+            </a:schemeClr>
+          </a:lnRef>
+          <a:fillRef idx="1">
+            <a:schemeClr val="accent1"/>
+          </a:fillRef>
+          <a:effectRef idx="0">
+            <a:schemeClr val="accent1"/>
+          </a:effectRef>
+          <a:fontRef idx="minor">
+            <a:schemeClr val="lt1"/>
+          </a:fontRef>
+        </p:style>
+        <p:txBody>
+          <a:bodyPr rtlCol="0" anchor="ctr"/>
+          <a:lstStyle/>
+          <a:p>
+            <a:pPr algn="ctr"/>
+            <a:r>
+              <a:rPr lang="es-ES" sz="1050" dirty="0"/>
+              <a:t>Comprueba</a:t>
+            </a:r>
+          </a:p>
+        </p:txBody>
+      </p:sp>
+      <p:cxnSp>
+        <p:nvCxnSpPr>
+          <p:cNvPr id="24" name="Conector recto de flecha 23">
+            <a:extLst>
+              <a:ext uri="{FF2B5EF4-FFF2-40B4-BE49-F238E27FC236}">
+                <a16:creationId xmlns:a16="http://schemas.microsoft.com/office/drawing/2014/main" id="{88868DE2-4AF3-406C-ABF9-15BC45E11C00}"/>
+              </a:ext>
+            </a:extLst>
+          </p:cNvPr>
+          <p:cNvCxnSpPr>
+            <a:stCxn id="6" idx="0"/>
+            <a:endCxn id="22" idx="2"/>
+          </p:cNvCxnSpPr>
+          <p:nvPr/>
+        </p:nvCxnSpPr>
+        <p:spPr>
+          <a:xfrm flipV="1">
+            <a:off x="8515164" y="2372559"/>
+            <a:ext cx="0" cy="337728"/>
+          </a:xfrm>
+          <a:prstGeom prst="straightConnector1">
+            <a:avLst/>
+          </a:prstGeom>
+          <a:ln>
+            <a:tailEnd type="triangle"/>
+          </a:ln>
+        </p:spPr>
+        <p:style>
+          <a:lnRef idx="1">
+            <a:schemeClr val="accent1"/>
+          </a:lnRef>
+          <a:fillRef idx="0">
+            <a:schemeClr val="accent1"/>
+          </a:fillRef>
+          <a:effectRef idx="0">
+            <a:schemeClr val="accent1"/>
+          </a:effectRef>
+          <a:fontRef idx="minor">
+            <a:schemeClr val="tx1"/>
+          </a:fontRef>
+        </p:style>
+      </p:cxnSp>
+      <p:cxnSp>
+        <p:nvCxnSpPr>
+          <p:cNvPr id="26" name="Conector recto de flecha 25">
+            <a:extLst>
+              <a:ext uri="{FF2B5EF4-FFF2-40B4-BE49-F238E27FC236}">
+                <a16:creationId xmlns:a16="http://schemas.microsoft.com/office/drawing/2014/main" id="{C00D1E8A-FDFD-443D-BC1C-4A4DE955D0B9}"/>
+              </a:ext>
+            </a:extLst>
+          </p:cNvPr>
+          <p:cNvCxnSpPr>
+            <a:stCxn id="22" idx="0"/>
+            <a:endCxn id="8" idx="2"/>
+          </p:cNvCxnSpPr>
+          <p:nvPr/>
+        </p:nvCxnSpPr>
+        <p:spPr>
+          <a:xfrm flipV="1">
+            <a:off x="8515164" y="1440028"/>
+            <a:ext cx="0" cy="337728"/>
+          </a:xfrm>
+          <a:prstGeom prst="straightConnector1">
+            <a:avLst/>
+          </a:prstGeom>
+          <a:ln>
+            <a:tailEnd type="triangle"/>
+          </a:ln>
+        </p:spPr>
+        <p:style>
+          <a:lnRef idx="1">
+            <a:schemeClr val="accent1"/>
+          </a:lnRef>
+          <a:fillRef idx="0">
+            <a:schemeClr val="accent1"/>
+          </a:fillRef>
+          <a:effectRef idx="0">
+            <a:schemeClr val="accent1"/>
+          </a:effectRef>
+          <a:fontRef idx="minor">
+            <a:schemeClr val="tx1"/>
+          </a:fontRef>
+        </p:style>
+      </p:cxnSp>
+      <p:sp>
+        <p:nvSpPr>
+          <p:cNvPr id="31" name="Rectángulo 30">
+            <a:extLst>
+              <a:ext uri="{FF2B5EF4-FFF2-40B4-BE49-F238E27FC236}">
+                <a16:creationId xmlns:a16="http://schemas.microsoft.com/office/drawing/2014/main" id="{14F3C5F7-C363-43C6-BD34-876C01C1608A}"/>
+              </a:ext>
+            </a:extLst>
+          </p:cNvPr>
+          <p:cNvSpPr/>
+          <p:nvPr/>
+        </p:nvSpPr>
+        <p:spPr>
+          <a:xfrm>
+            <a:off x="1580225" y="4009024"/>
+            <a:ext cx="1100831" cy="381739"/>
           </a:xfrm>
           <a:prstGeom prst="rect">
             <a:avLst/>
           </a:prstGeom>
-          <a:noFill/>
-        </p:spPr>
-        <p:txBody>
-          <a:bodyPr wrap="square" rtlCol="0">
-            <a:spAutoFit/>
-          </a:bodyPr>
+        </p:spPr>
+        <p:style>
+          <a:lnRef idx="2">
+            <a:schemeClr val="accent1">
+              <a:shade val="50000"/>
+            </a:schemeClr>
+          </a:lnRef>
+          <a:fillRef idx="1">
+            <a:schemeClr val="accent1"/>
+          </a:fillRef>
+          <a:effectRef idx="0">
+            <a:schemeClr val="accent1"/>
+          </a:effectRef>
+          <a:fontRef idx="minor">
+            <a:schemeClr val="lt1"/>
+          </a:fontRef>
+        </p:style>
+        <p:txBody>
+          <a:bodyPr rtlCol="0" anchor="ctr"/>
           <a:lstStyle/>
           <a:p>
             <a:pPr algn="ctr"/>
             <a:r>
-              <a:rPr lang="es-ES" sz="1100" dirty="0"/>
-              <a:t>Listado de cócteles, con filtros en la parte superior, y parte de información en la zona inferior, en cada cóctel.</a:t>
-            </a:r>
-          </a:p>
-        </p:txBody>
-      </p:sp>
-      <p:pic>
-        <p:nvPicPr>
-          <p:cNvPr id="8" name="Imagen 7">
-            <a:extLst>
-              <a:ext uri="{FF2B5EF4-FFF2-40B4-BE49-F238E27FC236}">
-                <a16:creationId xmlns:a16="http://schemas.microsoft.com/office/drawing/2014/main" id="{083C4161-2566-4F5A-A1E1-D40FE50E4EFA}"/>
-              </a:ext>
-            </a:extLst>
-          </p:cNvPr>
-          <p:cNvPicPr>
-            <a:picLocks noChangeAspect="1"/>
-          </p:cNvPicPr>
-          <p:nvPr/>
-        </p:nvPicPr>
-        <p:blipFill>
-          <a:blip r:embed="rId4"/>
-          <a:stretch>
-            <a:fillRect/>
-          </a:stretch>
-        </p:blipFill>
-        <p:spPr>
-          <a:xfrm>
-            <a:off x="5188369" y="435006"/>
-            <a:ext cx="2327164" cy="4603072"/>
-          </a:xfrm>
-          <a:prstGeom prst="rect">
-            <a:avLst/>
-          </a:prstGeom>
-        </p:spPr>
-      </p:pic>
-      <p:sp>
-        <p:nvSpPr>
-          <p:cNvPr id="9" name="CuadroTexto 8">
-            <a:extLst>
-              <a:ext uri="{FF2B5EF4-FFF2-40B4-BE49-F238E27FC236}">
-                <a16:creationId xmlns:a16="http://schemas.microsoft.com/office/drawing/2014/main" id="{5340698C-08D0-4635-913C-12EF5CE3DF1E}"/>
-              </a:ext>
-            </a:extLst>
-          </p:cNvPr>
-          <p:cNvSpPr txBox="1"/>
-          <p:nvPr/>
-        </p:nvSpPr>
-        <p:spPr>
-          <a:xfrm>
-            <a:off x="5181859" y="5157924"/>
-            <a:ext cx="2333674" cy="769441"/>
-          </a:xfrm>
-          <a:prstGeom prst="rect">
-            <a:avLst/>
-          </a:prstGeom>
-          <a:noFill/>
-        </p:spPr>
-        <p:txBody>
-          <a:bodyPr wrap="square" rtlCol="0">
-            <a:spAutoFit/>
-          </a:bodyPr>
+              <a:rPr lang="es-ES" dirty="0"/>
+              <a:t>Cóctel</a:t>
+            </a:r>
+          </a:p>
+        </p:txBody>
+      </p:sp>
+      <p:cxnSp>
+        <p:nvCxnSpPr>
+          <p:cNvPr id="33" name="Conector recto de flecha 32">
+            <a:extLst>
+              <a:ext uri="{FF2B5EF4-FFF2-40B4-BE49-F238E27FC236}">
+                <a16:creationId xmlns:a16="http://schemas.microsoft.com/office/drawing/2014/main" id="{DAA41FC3-7093-42E3-8DE2-03F034D8DB93}"/>
+              </a:ext>
+            </a:extLst>
+          </p:cNvPr>
+          <p:cNvCxnSpPr>
+            <a:cxnSpLocks/>
+            <a:stCxn id="7" idx="1"/>
+          </p:cNvCxnSpPr>
+          <p:nvPr/>
+        </p:nvCxnSpPr>
+        <p:spPr>
+          <a:xfrm flipH="1">
+            <a:off x="2681055" y="812309"/>
+            <a:ext cx="1367904" cy="263369"/>
+          </a:xfrm>
+          <a:prstGeom prst="straightConnector1">
+            <a:avLst/>
+          </a:prstGeom>
+          <a:ln>
+            <a:tailEnd type="triangle"/>
+          </a:ln>
+        </p:spPr>
+        <p:style>
+          <a:lnRef idx="1">
+            <a:schemeClr val="accent1"/>
+          </a:lnRef>
+          <a:fillRef idx="0">
+            <a:schemeClr val="accent1"/>
+          </a:fillRef>
+          <a:effectRef idx="0">
+            <a:schemeClr val="accent1"/>
+          </a:effectRef>
+          <a:fontRef idx="minor">
+            <a:schemeClr val="tx1"/>
+          </a:fontRef>
+        </p:style>
+      </p:cxnSp>
+      <p:sp>
+        <p:nvSpPr>
+          <p:cNvPr id="46" name="Rombo 45">
+            <a:extLst>
+              <a:ext uri="{FF2B5EF4-FFF2-40B4-BE49-F238E27FC236}">
+                <a16:creationId xmlns:a16="http://schemas.microsoft.com/office/drawing/2014/main" id="{2B4F868A-EE47-45D4-823E-E41B163DC97E}"/>
+              </a:ext>
+            </a:extLst>
+          </p:cNvPr>
+          <p:cNvSpPr/>
+          <p:nvPr/>
+        </p:nvSpPr>
+        <p:spPr>
+          <a:xfrm>
+            <a:off x="1291699" y="2412885"/>
+            <a:ext cx="1677880" cy="594803"/>
+          </a:xfrm>
+          <a:prstGeom prst="diamond">
+            <a:avLst/>
+          </a:prstGeom>
+        </p:spPr>
+        <p:style>
+          <a:lnRef idx="2">
+            <a:schemeClr val="accent1">
+              <a:shade val="50000"/>
+            </a:schemeClr>
+          </a:lnRef>
+          <a:fillRef idx="1">
+            <a:schemeClr val="accent1"/>
+          </a:fillRef>
+          <a:effectRef idx="0">
+            <a:schemeClr val="accent1"/>
+          </a:effectRef>
+          <a:fontRef idx="minor">
+            <a:schemeClr val="lt1"/>
+          </a:fontRef>
+        </p:style>
+        <p:txBody>
+          <a:bodyPr rtlCol="0" anchor="ctr"/>
           <a:lstStyle/>
           <a:p>
             <a:pPr algn="ctr"/>
             <a:r>
-              <a:rPr lang="es-ES" sz="1100" dirty="0"/>
-              <a:t>Información sobre un cóctel. Se muestran todos los datos, tales como descripción, elaboración y distintos precios.</a:t>
-            </a:r>
-          </a:p>
-        </p:txBody>
-      </p:sp>
-      <p:pic>
-        <p:nvPicPr>
-          <p:cNvPr id="10" name="Imagen 9">
-            <a:extLst>
-              <a:ext uri="{FF2B5EF4-FFF2-40B4-BE49-F238E27FC236}">
-                <a16:creationId xmlns:a16="http://schemas.microsoft.com/office/drawing/2014/main" id="{2CEA5A31-1C56-4E64-99BC-379719DC6112}"/>
-              </a:ext>
-            </a:extLst>
-          </p:cNvPr>
-          <p:cNvPicPr>
-            <a:picLocks noChangeAspect="1"/>
-          </p:cNvPicPr>
-          <p:nvPr/>
-        </p:nvPicPr>
-        <p:blipFill>
-          <a:blip r:embed="rId5"/>
-          <a:stretch>
-            <a:fillRect/>
-          </a:stretch>
-        </p:blipFill>
-        <p:spPr>
-          <a:xfrm>
-            <a:off x="7640974" y="435006"/>
-            <a:ext cx="2326888" cy="4603072"/>
-          </a:xfrm>
-          <a:prstGeom prst="rect">
-            <a:avLst/>
-          </a:prstGeom>
-        </p:spPr>
-      </p:pic>
-      <p:sp>
-        <p:nvSpPr>
-          <p:cNvPr id="12" name="CuadroTexto 11">
-            <a:extLst>
-              <a:ext uri="{FF2B5EF4-FFF2-40B4-BE49-F238E27FC236}">
-                <a16:creationId xmlns:a16="http://schemas.microsoft.com/office/drawing/2014/main" id="{E97D617B-459D-45AC-91B0-1F0200CF6C88}"/>
-              </a:ext>
-            </a:extLst>
-          </p:cNvPr>
-          <p:cNvSpPr txBox="1"/>
-          <p:nvPr/>
-        </p:nvSpPr>
-        <p:spPr>
-          <a:xfrm>
-            <a:off x="7639648" y="5157924"/>
-            <a:ext cx="2333674" cy="1107996"/>
-          </a:xfrm>
-          <a:prstGeom prst="rect">
-            <a:avLst/>
-          </a:prstGeom>
-          <a:noFill/>
-        </p:spPr>
-        <p:txBody>
-          <a:bodyPr wrap="square" rtlCol="0">
-            <a:spAutoFit/>
-          </a:bodyPr>
+              <a:rPr lang="es-ES" dirty="0"/>
+              <a:t>Pide</a:t>
+            </a:r>
+          </a:p>
+        </p:txBody>
+      </p:sp>
+      <p:cxnSp>
+        <p:nvCxnSpPr>
+          <p:cNvPr id="48" name="Conector recto de flecha 47">
+            <a:extLst>
+              <a:ext uri="{FF2B5EF4-FFF2-40B4-BE49-F238E27FC236}">
+                <a16:creationId xmlns:a16="http://schemas.microsoft.com/office/drawing/2014/main" id="{26176E36-A0BC-40A6-9ABC-A16739D0F88C}"/>
+              </a:ext>
+            </a:extLst>
+          </p:cNvPr>
+          <p:cNvCxnSpPr>
+            <a:stCxn id="46" idx="0"/>
+            <a:endCxn id="4" idx="2"/>
+          </p:cNvCxnSpPr>
+          <p:nvPr/>
+        </p:nvCxnSpPr>
+        <p:spPr>
+          <a:xfrm flipV="1">
+            <a:off x="2130639" y="1411549"/>
+            <a:ext cx="2" cy="1001336"/>
+          </a:xfrm>
+          <a:prstGeom prst="straightConnector1">
+            <a:avLst/>
+          </a:prstGeom>
+          <a:ln>
+            <a:tailEnd type="triangle"/>
+          </a:ln>
+        </p:spPr>
+        <p:style>
+          <a:lnRef idx="1">
+            <a:schemeClr val="accent1"/>
+          </a:lnRef>
+          <a:fillRef idx="0">
+            <a:schemeClr val="accent1"/>
+          </a:fillRef>
+          <a:effectRef idx="0">
+            <a:schemeClr val="accent1"/>
+          </a:effectRef>
+          <a:fontRef idx="minor">
+            <a:schemeClr val="tx1"/>
+          </a:fontRef>
+        </p:style>
+      </p:cxnSp>
+      <p:cxnSp>
+        <p:nvCxnSpPr>
+          <p:cNvPr id="50" name="Conector recto de flecha 49">
+            <a:extLst>
+              <a:ext uri="{FF2B5EF4-FFF2-40B4-BE49-F238E27FC236}">
+                <a16:creationId xmlns:a16="http://schemas.microsoft.com/office/drawing/2014/main" id="{FD8347AE-AD1B-4DD6-99E3-32DEDEDC63E5}"/>
+              </a:ext>
+            </a:extLst>
+          </p:cNvPr>
+          <p:cNvCxnSpPr>
+            <a:stCxn id="46" idx="2"/>
+            <a:endCxn id="31" idx="0"/>
+          </p:cNvCxnSpPr>
+          <p:nvPr/>
+        </p:nvCxnSpPr>
+        <p:spPr>
+          <a:xfrm>
+            <a:off x="2130639" y="3007688"/>
+            <a:ext cx="2" cy="1001336"/>
+          </a:xfrm>
+          <a:prstGeom prst="straightConnector1">
+            <a:avLst/>
+          </a:prstGeom>
+          <a:ln>
+            <a:tailEnd type="triangle"/>
+          </a:ln>
+        </p:spPr>
+        <p:style>
+          <a:lnRef idx="1">
+            <a:schemeClr val="accent1"/>
+          </a:lnRef>
+          <a:fillRef idx="0">
+            <a:schemeClr val="accent1"/>
+          </a:fillRef>
+          <a:effectRef idx="0">
+            <a:schemeClr val="accent1"/>
+          </a:effectRef>
+          <a:fontRef idx="minor">
+            <a:schemeClr val="tx1"/>
+          </a:fontRef>
+        </p:style>
+      </p:cxnSp>
+      <p:sp>
+        <p:nvSpPr>
+          <p:cNvPr id="51" name="Elipse 50">
+            <a:extLst>
+              <a:ext uri="{FF2B5EF4-FFF2-40B4-BE49-F238E27FC236}">
+                <a16:creationId xmlns:a16="http://schemas.microsoft.com/office/drawing/2014/main" id="{2645E1F0-750D-4A1B-814A-66A37B884AC6}"/>
+              </a:ext>
+            </a:extLst>
+          </p:cNvPr>
+          <p:cNvSpPr/>
+          <p:nvPr/>
+        </p:nvSpPr>
+        <p:spPr>
+          <a:xfrm>
+            <a:off x="461639" y="4676312"/>
+            <a:ext cx="896643" cy="284086"/>
+          </a:xfrm>
+          <a:prstGeom prst="ellipse">
+            <a:avLst/>
+          </a:prstGeom>
+        </p:spPr>
+        <p:style>
+          <a:lnRef idx="2">
+            <a:schemeClr val="accent6"/>
+          </a:lnRef>
+          <a:fillRef idx="1">
+            <a:schemeClr val="lt1"/>
+          </a:fillRef>
+          <a:effectRef idx="0">
+            <a:schemeClr val="accent6"/>
+          </a:effectRef>
+          <a:fontRef idx="minor">
+            <a:schemeClr val="dk1"/>
+          </a:fontRef>
+        </p:style>
+        <p:txBody>
+          <a:bodyPr rtlCol="0" anchor="ctr"/>
           <a:lstStyle/>
           <a:p>
             <a:pPr algn="ctr"/>
             <a:r>
-              <a:rPr lang="es-ES" sz="1100" dirty="0"/>
-              <a:t>Pantalla de juegos, en la cual se pueden también añadir jugadores y ver una bebida aleatoria (muestra la misma pantalla que la de información sobre cócteles, pero con un cóctel aleatorio)</a:t>
-            </a:r>
-          </a:p>
-        </p:txBody>
-      </p:sp>
+              <a:rPr lang="es-ES" sz="1000" dirty="0"/>
+              <a:t>id</a:t>
+            </a:r>
+          </a:p>
+        </p:txBody>
+      </p:sp>
+      <p:sp>
+        <p:nvSpPr>
+          <p:cNvPr id="52" name="Elipse 51">
+            <a:extLst>
+              <a:ext uri="{FF2B5EF4-FFF2-40B4-BE49-F238E27FC236}">
+                <a16:creationId xmlns:a16="http://schemas.microsoft.com/office/drawing/2014/main" id="{5862A6D4-4D30-45A7-9DC8-1011F04B60C0}"/>
+              </a:ext>
+            </a:extLst>
+          </p:cNvPr>
+          <p:cNvSpPr/>
+          <p:nvPr/>
+        </p:nvSpPr>
+        <p:spPr>
+          <a:xfrm>
+            <a:off x="461639" y="5054795"/>
+            <a:ext cx="896643" cy="284086"/>
+          </a:xfrm>
+          <a:prstGeom prst="ellipse">
+            <a:avLst/>
+          </a:prstGeom>
+        </p:spPr>
+        <p:style>
+          <a:lnRef idx="2">
+            <a:schemeClr val="accent6"/>
+          </a:lnRef>
+          <a:fillRef idx="1">
+            <a:schemeClr val="lt1"/>
+          </a:fillRef>
+          <a:effectRef idx="0">
+            <a:schemeClr val="accent6"/>
+          </a:effectRef>
+          <a:fontRef idx="minor">
+            <a:schemeClr val="dk1"/>
+          </a:fontRef>
+        </p:style>
+        <p:txBody>
+          <a:bodyPr rtlCol="0" anchor="ctr"/>
+          <a:lstStyle/>
+          <a:p>
+            <a:pPr algn="ctr"/>
+            <a:r>
+              <a:rPr lang="es-ES" sz="1000" dirty="0"/>
+              <a:t>nombre</a:t>
+            </a:r>
+          </a:p>
+        </p:txBody>
+      </p:sp>
+      <p:sp>
+        <p:nvSpPr>
+          <p:cNvPr id="53" name="Elipse 52">
+            <a:extLst>
+              <a:ext uri="{FF2B5EF4-FFF2-40B4-BE49-F238E27FC236}">
+                <a16:creationId xmlns:a16="http://schemas.microsoft.com/office/drawing/2014/main" id="{BAE7CA02-6F13-4FE6-A7A6-62213992B5D0}"/>
+              </a:ext>
+            </a:extLst>
+          </p:cNvPr>
+          <p:cNvSpPr/>
+          <p:nvPr/>
+        </p:nvSpPr>
+        <p:spPr>
+          <a:xfrm>
+            <a:off x="461639" y="5426949"/>
+            <a:ext cx="1100831" cy="284086"/>
+          </a:xfrm>
+          <a:prstGeom prst="ellipse">
+            <a:avLst/>
+          </a:prstGeom>
+        </p:spPr>
+        <p:style>
+          <a:lnRef idx="2">
+            <a:schemeClr val="accent6"/>
+          </a:lnRef>
+          <a:fillRef idx="1">
+            <a:schemeClr val="lt1"/>
+          </a:fillRef>
+          <a:effectRef idx="0">
+            <a:schemeClr val="accent6"/>
+          </a:effectRef>
+          <a:fontRef idx="minor">
+            <a:schemeClr val="dk1"/>
+          </a:fontRef>
+        </p:style>
+        <p:txBody>
+          <a:bodyPr rtlCol="0" anchor="ctr"/>
+          <a:lstStyle/>
+          <a:p>
+            <a:pPr algn="ctr"/>
+            <a:r>
+              <a:rPr lang="es-ES" sz="1000" dirty="0"/>
+              <a:t>graduación</a:t>
+            </a:r>
+          </a:p>
+        </p:txBody>
+      </p:sp>
+      <p:sp>
+        <p:nvSpPr>
+          <p:cNvPr id="54" name="Elipse 53">
+            <a:extLst>
+              <a:ext uri="{FF2B5EF4-FFF2-40B4-BE49-F238E27FC236}">
+                <a16:creationId xmlns:a16="http://schemas.microsoft.com/office/drawing/2014/main" id="{F4BBA749-87B9-4355-BA53-C3FA3EA7C03F}"/>
+              </a:ext>
+            </a:extLst>
+          </p:cNvPr>
+          <p:cNvSpPr/>
+          <p:nvPr/>
+        </p:nvSpPr>
+        <p:spPr>
+          <a:xfrm>
+            <a:off x="639558" y="5775298"/>
+            <a:ext cx="1100831" cy="284086"/>
+          </a:xfrm>
+          <a:prstGeom prst="ellipse">
+            <a:avLst/>
+          </a:prstGeom>
+        </p:spPr>
+        <p:style>
+          <a:lnRef idx="2">
+            <a:schemeClr val="accent6"/>
+          </a:lnRef>
+          <a:fillRef idx="1">
+            <a:schemeClr val="lt1"/>
+          </a:fillRef>
+          <a:effectRef idx="0">
+            <a:schemeClr val="accent6"/>
+          </a:effectRef>
+          <a:fontRef idx="minor">
+            <a:schemeClr val="dk1"/>
+          </a:fontRef>
+        </p:style>
+        <p:txBody>
+          <a:bodyPr rtlCol="0" anchor="ctr"/>
+          <a:lstStyle/>
+          <a:p>
+            <a:pPr algn="ctr"/>
+            <a:r>
+              <a:rPr lang="es-ES" sz="1000" dirty="0"/>
+              <a:t>Precio casa</a:t>
+            </a:r>
+          </a:p>
+        </p:txBody>
+      </p:sp>
+      <p:sp>
+        <p:nvSpPr>
+          <p:cNvPr id="55" name="Elipse 54">
+            <a:extLst>
+              <a:ext uri="{FF2B5EF4-FFF2-40B4-BE49-F238E27FC236}">
+                <a16:creationId xmlns:a16="http://schemas.microsoft.com/office/drawing/2014/main" id="{A4380798-E2DD-426B-A388-1E9BF5C9B805}"/>
+              </a:ext>
+            </a:extLst>
+          </p:cNvPr>
+          <p:cNvSpPr/>
+          <p:nvPr/>
+        </p:nvSpPr>
+        <p:spPr>
+          <a:xfrm>
+            <a:off x="1012054" y="6177584"/>
+            <a:ext cx="1020932" cy="284086"/>
+          </a:xfrm>
+          <a:prstGeom prst="ellipse">
+            <a:avLst/>
+          </a:prstGeom>
+        </p:spPr>
+        <p:style>
+          <a:lnRef idx="2">
+            <a:schemeClr val="accent6"/>
+          </a:lnRef>
+          <a:fillRef idx="1">
+            <a:schemeClr val="lt1"/>
+          </a:fillRef>
+          <a:effectRef idx="0">
+            <a:schemeClr val="accent6"/>
+          </a:effectRef>
+          <a:fontRef idx="minor">
+            <a:schemeClr val="dk1"/>
+          </a:fontRef>
+        </p:style>
+        <p:txBody>
+          <a:bodyPr rtlCol="0" anchor="ctr"/>
+          <a:lstStyle/>
+          <a:p>
+            <a:pPr algn="ctr"/>
+            <a:r>
+              <a:rPr lang="es-ES" sz="1000" dirty="0"/>
+              <a:t>Precio bar</a:t>
+            </a:r>
+          </a:p>
+        </p:txBody>
+      </p:sp>
+      <p:sp>
+        <p:nvSpPr>
+          <p:cNvPr id="56" name="Elipse 55">
+            <a:extLst>
+              <a:ext uri="{FF2B5EF4-FFF2-40B4-BE49-F238E27FC236}">
+                <a16:creationId xmlns:a16="http://schemas.microsoft.com/office/drawing/2014/main" id="{B9233E80-8805-4898-90B6-85A4C3A3323E}"/>
+              </a:ext>
+            </a:extLst>
+          </p:cNvPr>
+          <p:cNvSpPr/>
+          <p:nvPr/>
+        </p:nvSpPr>
+        <p:spPr>
+          <a:xfrm>
+            <a:off x="3152316" y="4676312"/>
+            <a:ext cx="1197742" cy="284086"/>
+          </a:xfrm>
+          <a:prstGeom prst="ellipse">
+            <a:avLst/>
+          </a:prstGeom>
+        </p:spPr>
+        <p:style>
+          <a:lnRef idx="2">
+            <a:schemeClr val="accent6"/>
+          </a:lnRef>
+          <a:fillRef idx="1">
+            <a:schemeClr val="lt1"/>
+          </a:fillRef>
+          <a:effectRef idx="0">
+            <a:schemeClr val="accent6"/>
+          </a:effectRef>
+          <a:fontRef idx="minor">
+            <a:schemeClr val="dk1"/>
+          </a:fontRef>
+        </p:style>
+        <p:txBody>
+          <a:bodyPr rtlCol="0" anchor="ctr"/>
+          <a:lstStyle/>
+          <a:p>
+            <a:pPr algn="ctr"/>
+            <a:r>
+              <a:rPr lang="es-ES" sz="1000" dirty="0"/>
+              <a:t>vegetariano</a:t>
+            </a:r>
+          </a:p>
+        </p:txBody>
+      </p:sp>
+      <p:sp>
+        <p:nvSpPr>
+          <p:cNvPr id="57" name="Elipse 56">
+            <a:extLst>
+              <a:ext uri="{FF2B5EF4-FFF2-40B4-BE49-F238E27FC236}">
+                <a16:creationId xmlns:a16="http://schemas.microsoft.com/office/drawing/2014/main" id="{2DF140B4-A10C-482D-A08F-28F514DC4ACF}"/>
+              </a:ext>
+            </a:extLst>
+          </p:cNvPr>
+          <p:cNvSpPr/>
+          <p:nvPr/>
+        </p:nvSpPr>
+        <p:spPr>
+          <a:xfrm>
+            <a:off x="3152316" y="5062539"/>
+            <a:ext cx="896643" cy="284086"/>
+          </a:xfrm>
+          <a:prstGeom prst="ellipse">
+            <a:avLst/>
+          </a:prstGeom>
+        </p:spPr>
+        <p:style>
+          <a:lnRef idx="2">
+            <a:schemeClr val="accent6"/>
+          </a:lnRef>
+          <a:fillRef idx="1">
+            <a:schemeClr val="lt1"/>
+          </a:fillRef>
+          <a:effectRef idx="0">
+            <a:schemeClr val="accent6"/>
+          </a:effectRef>
+          <a:fontRef idx="minor">
+            <a:schemeClr val="dk1"/>
+          </a:fontRef>
+        </p:style>
+        <p:txBody>
+          <a:bodyPr rtlCol="0" anchor="ctr"/>
+          <a:lstStyle/>
+          <a:p>
+            <a:pPr algn="ctr"/>
+            <a:r>
+              <a:rPr lang="es-ES" sz="1000" dirty="0"/>
+              <a:t>vegano</a:t>
+            </a:r>
+          </a:p>
+        </p:txBody>
+      </p:sp>
+      <p:sp>
+        <p:nvSpPr>
+          <p:cNvPr id="58" name="Elipse 57">
+            <a:extLst>
+              <a:ext uri="{FF2B5EF4-FFF2-40B4-BE49-F238E27FC236}">
+                <a16:creationId xmlns:a16="http://schemas.microsoft.com/office/drawing/2014/main" id="{BD7B9D5D-3D88-4FBB-91DD-E07A30715749}"/>
+              </a:ext>
+            </a:extLst>
+          </p:cNvPr>
+          <p:cNvSpPr/>
+          <p:nvPr/>
+        </p:nvSpPr>
+        <p:spPr>
+          <a:xfrm>
+            <a:off x="2916685" y="5433561"/>
+            <a:ext cx="1100831" cy="284086"/>
+          </a:xfrm>
+          <a:prstGeom prst="ellipse">
+            <a:avLst/>
+          </a:prstGeom>
+        </p:spPr>
+        <p:style>
+          <a:lnRef idx="2">
+            <a:schemeClr val="accent6"/>
+          </a:lnRef>
+          <a:fillRef idx="1">
+            <a:schemeClr val="lt1"/>
+          </a:fillRef>
+          <a:effectRef idx="0">
+            <a:schemeClr val="accent6"/>
+          </a:effectRef>
+          <a:fontRef idx="minor">
+            <a:schemeClr val="dk1"/>
+          </a:fontRef>
+        </p:style>
+        <p:txBody>
+          <a:bodyPr rtlCol="0" anchor="ctr"/>
+          <a:lstStyle/>
+          <a:p>
+            <a:pPr algn="ctr"/>
+            <a:r>
+              <a:rPr lang="es-ES" sz="1000" dirty="0"/>
+              <a:t>Tipo cóctel</a:t>
+            </a:r>
+          </a:p>
+        </p:txBody>
+      </p:sp>
+      <p:sp>
+        <p:nvSpPr>
+          <p:cNvPr id="59" name="Elipse 58">
+            <a:extLst>
+              <a:ext uri="{FF2B5EF4-FFF2-40B4-BE49-F238E27FC236}">
+                <a16:creationId xmlns:a16="http://schemas.microsoft.com/office/drawing/2014/main" id="{5E44A674-7E15-4B44-AD34-AC10443F1786}"/>
+              </a:ext>
+            </a:extLst>
+          </p:cNvPr>
+          <p:cNvSpPr/>
+          <p:nvPr/>
+        </p:nvSpPr>
+        <p:spPr>
+          <a:xfrm>
+            <a:off x="2681055" y="5761605"/>
+            <a:ext cx="1100831" cy="284086"/>
+          </a:xfrm>
+          <a:prstGeom prst="ellipse">
+            <a:avLst/>
+          </a:prstGeom>
+        </p:spPr>
+        <p:style>
+          <a:lnRef idx="2">
+            <a:schemeClr val="accent6"/>
+          </a:lnRef>
+          <a:fillRef idx="1">
+            <a:schemeClr val="lt1"/>
+          </a:fillRef>
+          <a:effectRef idx="0">
+            <a:schemeClr val="accent6"/>
+          </a:effectRef>
+          <a:fontRef idx="minor">
+            <a:schemeClr val="dk1"/>
+          </a:fontRef>
+        </p:style>
+        <p:txBody>
+          <a:bodyPr rtlCol="0" anchor="ctr"/>
+          <a:lstStyle/>
+          <a:p>
+            <a:pPr algn="ctr"/>
+            <a:r>
+              <a:rPr lang="es-ES" sz="1000" dirty="0"/>
+              <a:t>descripción</a:t>
+            </a:r>
+          </a:p>
+        </p:txBody>
+      </p:sp>
+      <p:sp>
+        <p:nvSpPr>
+          <p:cNvPr id="60" name="Elipse 59">
+            <a:extLst>
+              <a:ext uri="{FF2B5EF4-FFF2-40B4-BE49-F238E27FC236}">
+                <a16:creationId xmlns:a16="http://schemas.microsoft.com/office/drawing/2014/main" id="{71A83139-E42C-4532-8042-0486BC7C62D7}"/>
+              </a:ext>
+            </a:extLst>
+          </p:cNvPr>
+          <p:cNvSpPr/>
+          <p:nvPr/>
+        </p:nvSpPr>
+        <p:spPr>
+          <a:xfrm>
+            <a:off x="2215721" y="6177584"/>
+            <a:ext cx="1149286" cy="284086"/>
+          </a:xfrm>
+          <a:prstGeom prst="ellipse">
+            <a:avLst/>
+          </a:prstGeom>
+        </p:spPr>
+        <p:style>
+          <a:lnRef idx="2">
+            <a:schemeClr val="accent6"/>
+          </a:lnRef>
+          <a:fillRef idx="1">
+            <a:schemeClr val="lt1"/>
+          </a:fillRef>
+          <a:effectRef idx="0">
+            <a:schemeClr val="accent6"/>
+          </a:effectRef>
+          <a:fontRef idx="minor">
+            <a:schemeClr val="dk1"/>
+          </a:fontRef>
+        </p:style>
+        <p:txBody>
+          <a:bodyPr rtlCol="0" anchor="ctr"/>
+          <a:lstStyle/>
+          <a:p>
+            <a:pPr algn="ctr"/>
+            <a:r>
+              <a:rPr lang="es-ES" sz="1000" dirty="0"/>
+              <a:t>elaboración</a:t>
+            </a:r>
+          </a:p>
+        </p:txBody>
+      </p:sp>
+      <p:cxnSp>
+        <p:nvCxnSpPr>
+          <p:cNvPr id="66" name="Conector recto 65">
+            <a:extLst>
+              <a:ext uri="{FF2B5EF4-FFF2-40B4-BE49-F238E27FC236}">
+                <a16:creationId xmlns:a16="http://schemas.microsoft.com/office/drawing/2014/main" id="{115D2919-1641-4436-BD0F-A7BFB59718ED}"/>
+              </a:ext>
+            </a:extLst>
+          </p:cNvPr>
+          <p:cNvCxnSpPr>
+            <a:cxnSpLocks/>
+            <a:stCxn id="51" idx="0"/>
+            <a:endCxn id="31" idx="1"/>
+          </p:cNvCxnSpPr>
+          <p:nvPr/>
+        </p:nvCxnSpPr>
+        <p:spPr>
+          <a:xfrm flipV="1">
+            <a:off x="909961" y="4199894"/>
+            <a:ext cx="670264" cy="476418"/>
+          </a:xfrm>
+          <a:prstGeom prst="line">
+            <a:avLst/>
+          </a:prstGeom>
+        </p:spPr>
+        <p:style>
+          <a:lnRef idx="1">
+            <a:schemeClr val="accent1"/>
+          </a:lnRef>
+          <a:fillRef idx="0">
+            <a:schemeClr val="accent1"/>
+          </a:fillRef>
+          <a:effectRef idx="0">
+            <a:schemeClr val="accent1"/>
+          </a:effectRef>
+          <a:fontRef idx="minor">
+            <a:schemeClr val="tx1"/>
+          </a:fontRef>
+        </p:style>
+      </p:cxnSp>
+      <p:cxnSp>
+        <p:nvCxnSpPr>
+          <p:cNvPr id="68" name="Conector recto 67">
+            <a:extLst>
+              <a:ext uri="{FF2B5EF4-FFF2-40B4-BE49-F238E27FC236}">
+                <a16:creationId xmlns:a16="http://schemas.microsoft.com/office/drawing/2014/main" id="{B39835F4-057E-49FF-A54C-CFB17FA9F32B}"/>
+              </a:ext>
+            </a:extLst>
+          </p:cNvPr>
+          <p:cNvCxnSpPr>
+            <a:stCxn id="56" idx="0"/>
+            <a:endCxn id="31" idx="3"/>
+          </p:cNvCxnSpPr>
+          <p:nvPr/>
+        </p:nvCxnSpPr>
+        <p:spPr>
+          <a:xfrm flipH="1" flipV="1">
+            <a:off x="2681056" y="4199894"/>
+            <a:ext cx="1070131" cy="476418"/>
+          </a:xfrm>
+          <a:prstGeom prst="line">
+            <a:avLst/>
+          </a:prstGeom>
+        </p:spPr>
+        <p:style>
+          <a:lnRef idx="1">
+            <a:schemeClr val="accent1"/>
+          </a:lnRef>
+          <a:fillRef idx="0">
+            <a:schemeClr val="accent1"/>
+          </a:fillRef>
+          <a:effectRef idx="0">
+            <a:schemeClr val="accent1"/>
+          </a:effectRef>
+          <a:fontRef idx="minor">
+            <a:schemeClr val="tx1"/>
+          </a:fontRef>
+        </p:style>
+      </p:cxnSp>
+      <p:cxnSp>
+        <p:nvCxnSpPr>
+          <p:cNvPr id="71" name="Conector recto 70">
+            <a:extLst>
+              <a:ext uri="{FF2B5EF4-FFF2-40B4-BE49-F238E27FC236}">
+                <a16:creationId xmlns:a16="http://schemas.microsoft.com/office/drawing/2014/main" id="{D2879620-96E3-4C41-8C04-DEBD58E129E2}"/>
+              </a:ext>
+            </a:extLst>
+          </p:cNvPr>
+          <p:cNvCxnSpPr>
+            <a:stCxn id="52" idx="7"/>
+          </p:cNvCxnSpPr>
+          <p:nvPr/>
+        </p:nvCxnSpPr>
+        <p:spPr>
+          <a:xfrm flipV="1">
+            <a:off x="1226972" y="4390763"/>
+            <a:ext cx="457565" cy="705635"/>
+          </a:xfrm>
+          <a:prstGeom prst="line">
+            <a:avLst/>
+          </a:prstGeom>
+        </p:spPr>
+        <p:style>
+          <a:lnRef idx="1">
+            <a:schemeClr val="accent1"/>
+          </a:lnRef>
+          <a:fillRef idx="0">
+            <a:schemeClr val="accent1"/>
+          </a:fillRef>
+          <a:effectRef idx="0">
+            <a:schemeClr val="accent1"/>
+          </a:effectRef>
+          <a:fontRef idx="minor">
+            <a:schemeClr val="tx1"/>
+          </a:fontRef>
+        </p:style>
+      </p:cxnSp>
+      <p:cxnSp>
+        <p:nvCxnSpPr>
+          <p:cNvPr id="73" name="Conector recto 72">
+            <a:extLst>
+              <a:ext uri="{FF2B5EF4-FFF2-40B4-BE49-F238E27FC236}">
+                <a16:creationId xmlns:a16="http://schemas.microsoft.com/office/drawing/2014/main" id="{B300406E-08C9-485F-9A3F-A7DBB289C20D}"/>
+              </a:ext>
+            </a:extLst>
+          </p:cNvPr>
+          <p:cNvCxnSpPr>
+            <a:stCxn id="57" idx="1"/>
+          </p:cNvCxnSpPr>
+          <p:nvPr/>
+        </p:nvCxnSpPr>
+        <p:spPr>
+          <a:xfrm flipH="1" flipV="1">
+            <a:off x="2565647" y="4326659"/>
+            <a:ext cx="717979" cy="777483"/>
+          </a:xfrm>
+          <a:prstGeom prst="line">
+            <a:avLst/>
+          </a:prstGeom>
+        </p:spPr>
+        <p:style>
+          <a:lnRef idx="1">
+            <a:schemeClr val="accent1"/>
+          </a:lnRef>
+          <a:fillRef idx="0">
+            <a:schemeClr val="accent1"/>
+          </a:fillRef>
+          <a:effectRef idx="0">
+            <a:schemeClr val="accent1"/>
+          </a:effectRef>
+          <a:fontRef idx="minor">
+            <a:schemeClr val="tx1"/>
+          </a:fontRef>
+        </p:style>
+      </p:cxnSp>
+      <p:cxnSp>
+        <p:nvCxnSpPr>
+          <p:cNvPr id="75" name="Conector recto 74">
+            <a:extLst>
+              <a:ext uri="{FF2B5EF4-FFF2-40B4-BE49-F238E27FC236}">
+                <a16:creationId xmlns:a16="http://schemas.microsoft.com/office/drawing/2014/main" id="{35AD2871-D69B-46F2-8976-5781C72DD358}"/>
+              </a:ext>
+            </a:extLst>
+          </p:cNvPr>
+          <p:cNvCxnSpPr>
+            <a:stCxn id="53" idx="7"/>
+          </p:cNvCxnSpPr>
+          <p:nvPr/>
+        </p:nvCxnSpPr>
+        <p:spPr>
+          <a:xfrm flipV="1">
+            <a:off x="1401257" y="4390763"/>
+            <a:ext cx="370394" cy="1077789"/>
+          </a:xfrm>
+          <a:prstGeom prst="line">
+            <a:avLst/>
+          </a:prstGeom>
+        </p:spPr>
+        <p:style>
+          <a:lnRef idx="1">
+            <a:schemeClr val="accent1"/>
+          </a:lnRef>
+          <a:fillRef idx="0">
+            <a:schemeClr val="accent1"/>
+          </a:fillRef>
+          <a:effectRef idx="0">
+            <a:schemeClr val="accent1"/>
+          </a:effectRef>
+          <a:fontRef idx="minor">
+            <a:schemeClr val="tx1"/>
+          </a:fontRef>
+        </p:style>
+      </p:cxnSp>
+      <p:cxnSp>
+        <p:nvCxnSpPr>
+          <p:cNvPr id="77" name="Conector recto 76">
+            <a:extLst>
+              <a:ext uri="{FF2B5EF4-FFF2-40B4-BE49-F238E27FC236}">
+                <a16:creationId xmlns:a16="http://schemas.microsoft.com/office/drawing/2014/main" id="{057696E1-55A7-4032-8380-39C2540FFE39}"/>
+              </a:ext>
+            </a:extLst>
+          </p:cNvPr>
+          <p:cNvCxnSpPr>
+            <a:stCxn id="58" idx="1"/>
+          </p:cNvCxnSpPr>
+          <p:nvPr/>
+        </p:nvCxnSpPr>
+        <p:spPr>
+          <a:xfrm flipH="1" flipV="1">
+            <a:off x="2547892" y="4390763"/>
+            <a:ext cx="530006" cy="1084401"/>
+          </a:xfrm>
+          <a:prstGeom prst="line">
+            <a:avLst/>
+          </a:prstGeom>
+        </p:spPr>
+        <p:style>
+          <a:lnRef idx="1">
+            <a:schemeClr val="accent1"/>
+          </a:lnRef>
+          <a:fillRef idx="0">
+            <a:schemeClr val="accent1"/>
+          </a:fillRef>
+          <a:effectRef idx="0">
+            <a:schemeClr val="accent1"/>
+          </a:effectRef>
+          <a:fontRef idx="minor">
+            <a:schemeClr val="tx1"/>
+          </a:fontRef>
+        </p:style>
+      </p:cxnSp>
+      <p:cxnSp>
+        <p:nvCxnSpPr>
+          <p:cNvPr id="79" name="Conector recto 78">
+            <a:extLst>
+              <a:ext uri="{FF2B5EF4-FFF2-40B4-BE49-F238E27FC236}">
+                <a16:creationId xmlns:a16="http://schemas.microsoft.com/office/drawing/2014/main" id="{D8220A62-BAFE-45E5-9024-2367476D7873}"/>
+              </a:ext>
+            </a:extLst>
+          </p:cNvPr>
+          <p:cNvCxnSpPr>
+            <a:cxnSpLocks/>
+            <a:stCxn id="54" idx="7"/>
+          </p:cNvCxnSpPr>
+          <p:nvPr/>
+        </p:nvCxnSpPr>
+        <p:spPr>
+          <a:xfrm flipV="1">
+            <a:off x="1579176" y="4390763"/>
+            <a:ext cx="314542" cy="1426138"/>
+          </a:xfrm>
+          <a:prstGeom prst="line">
+            <a:avLst/>
+          </a:prstGeom>
+        </p:spPr>
+        <p:style>
+          <a:lnRef idx="1">
+            <a:schemeClr val="accent1"/>
+          </a:lnRef>
+          <a:fillRef idx="0">
+            <a:schemeClr val="accent1"/>
+          </a:fillRef>
+          <a:effectRef idx="0">
+            <a:schemeClr val="accent1"/>
+          </a:effectRef>
+          <a:fontRef idx="minor">
+            <a:schemeClr val="tx1"/>
+          </a:fontRef>
+        </p:style>
+      </p:cxnSp>
+      <p:cxnSp>
+        <p:nvCxnSpPr>
+          <p:cNvPr id="81" name="Conector recto 80">
+            <a:extLst>
+              <a:ext uri="{FF2B5EF4-FFF2-40B4-BE49-F238E27FC236}">
+                <a16:creationId xmlns:a16="http://schemas.microsoft.com/office/drawing/2014/main" id="{C9614FA5-C610-4BA1-821B-4B43F1769409}"/>
+              </a:ext>
+            </a:extLst>
+          </p:cNvPr>
+          <p:cNvCxnSpPr>
+            <a:stCxn id="59" idx="1"/>
+          </p:cNvCxnSpPr>
+          <p:nvPr/>
+        </p:nvCxnSpPr>
+        <p:spPr>
+          <a:xfrm flipH="1" flipV="1">
+            <a:off x="2443580" y="4390763"/>
+            <a:ext cx="398688" cy="1412445"/>
+          </a:xfrm>
+          <a:prstGeom prst="line">
+            <a:avLst/>
+          </a:prstGeom>
+        </p:spPr>
+        <p:style>
+          <a:lnRef idx="1">
+            <a:schemeClr val="accent1"/>
+          </a:lnRef>
+          <a:fillRef idx="0">
+            <a:schemeClr val="accent1"/>
+          </a:fillRef>
+          <a:effectRef idx="0">
+            <a:schemeClr val="accent1"/>
+          </a:effectRef>
+          <a:fontRef idx="minor">
+            <a:schemeClr val="tx1"/>
+          </a:fontRef>
+        </p:style>
+      </p:cxnSp>
+      <p:cxnSp>
+        <p:nvCxnSpPr>
+          <p:cNvPr id="83" name="Conector recto 82">
+            <a:extLst>
+              <a:ext uri="{FF2B5EF4-FFF2-40B4-BE49-F238E27FC236}">
+                <a16:creationId xmlns:a16="http://schemas.microsoft.com/office/drawing/2014/main" id="{C2868498-71C5-4392-A597-E443E9F232D1}"/>
+              </a:ext>
+            </a:extLst>
+          </p:cNvPr>
+          <p:cNvCxnSpPr>
+            <a:stCxn id="55" idx="7"/>
+          </p:cNvCxnSpPr>
+          <p:nvPr/>
+        </p:nvCxnSpPr>
+        <p:spPr>
+          <a:xfrm flipV="1">
+            <a:off x="1883474" y="4390763"/>
+            <a:ext cx="134935" cy="1828424"/>
+          </a:xfrm>
+          <a:prstGeom prst="line">
+            <a:avLst/>
+          </a:prstGeom>
+        </p:spPr>
+        <p:style>
+          <a:lnRef idx="1">
+            <a:schemeClr val="accent1"/>
+          </a:lnRef>
+          <a:fillRef idx="0">
+            <a:schemeClr val="accent1"/>
+          </a:fillRef>
+          <a:effectRef idx="0">
+            <a:schemeClr val="accent1"/>
+          </a:effectRef>
+          <a:fontRef idx="minor">
+            <a:schemeClr val="tx1"/>
+          </a:fontRef>
+        </p:style>
+      </p:cxnSp>
+      <p:cxnSp>
+        <p:nvCxnSpPr>
+          <p:cNvPr id="86" name="Conector recto 85">
+            <a:extLst>
+              <a:ext uri="{FF2B5EF4-FFF2-40B4-BE49-F238E27FC236}">
+                <a16:creationId xmlns:a16="http://schemas.microsoft.com/office/drawing/2014/main" id="{4CCBFDF2-5107-4B4F-BE8E-3560BB8CA5A5}"/>
+              </a:ext>
+            </a:extLst>
+          </p:cNvPr>
+          <p:cNvCxnSpPr>
+            <a:stCxn id="60" idx="1"/>
+          </p:cNvCxnSpPr>
+          <p:nvPr/>
+        </p:nvCxnSpPr>
+        <p:spPr>
+          <a:xfrm flipH="1" flipV="1">
+            <a:off x="2281561" y="4390763"/>
+            <a:ext cx="102469" cy="1828424"/>
+          </a:xfrm>
+          <a:prstGeom prst="line">
+            <a:avLst/>
+          </a:prstGeom>
+        </p:spPr>
+        <p:style>
+          <a:lnRef idx="1">
+            <a:schemeClr val="accent1"/>
+          </a:lnRef>
+          <a:fillRef idx="0">
+            <a:schemeClr val="accent1"/>
+          </a:fillRef>
+          <a:effectRef idx="0">
+            <a:schemeClr val="accent1"/>
+          </a:effectRef>
+          <a:fontRef idx="minor">
+            <a:schemeClr val="tx1"/>
+          </a:fontRef>
+        </p:style>
+      </p:cxnSp>
+      <p:sp>
+        <p:nvSpPr>
+          <p:cNvPr id="87" name="Elipse 86">
+            <a:extLst>
+              <a:ext uri="{FF2B5EF4-FFF2-40B4-BE49-F238E27FC236}">
+                <a16:creationId xmlns:a16="http://schemas.microsoft.com/office/drawing/2014/main" id="{F9746B22-F573-4EDC-BAD3-1A6F31D165D0}"/>
+              </a:ext>
+            </a:extLst>
+          </p:cNvPr>
+          <p:cNvSpPr/>
+          <p:nvPr/>
+        </p:nvSpPr>
+        <p:spPr>
+          <a:xfrm>
+            <a:off x="9985901" y="646401"/>
+            <a:ext cx="896643" cy="284086"/>
+          </a:xfrm>
+          <a:prstGeom prst="ellipse">
+            <a:avLst/>
+          </a:prstGeom>
+        </p:spPr>
+        <p:style>
+          <a:lnRef idx="2">
+            <a:schemeClr val="accent6"/>
+          </a:lnRef>
+          <a:fillRef idx="1">
+            <a:schemeClr val="lt1"/>
+          </a:fillRef>
+          <a:effectRef idx="0">
+            <a:schemeClr val="accent6"/>
+          </a:effectRef>
+          <a:fontRef idx="minor">
+            <a:schemeClr val="dk1"/>
+          </a:fontRef>
+        </p:style>
+        <p:txBody>
+          <a:bodyPr rtlCol="0" anchor="ctr"/>
+          <a:lstStyle/>
+          <a:p>
+            <a:pPr algn="ctr"/>
+            <a:r>
+              <a:rPr lang="es-ES" sz="1000" dirty="0"/>
+              <a:t>id</a:t>
+            </a:r>
+          </a:p>
+        </p:txBody>
+      </p:sp>
+      <p:sp>
+        <p:nvSpPr>
+          <p:cNvPr id="88" name="Elipse 87">
+            <a:extLst>
+              <a:ext uri="{FF2B5EF4-FFF2-40B4-BE49-F238E27FC236}">
+                <a16:creationId xmlns:a16="http://schemas.microsoft.com/office/drawing/2014/main" id="{621FD673-478A-44EA-9D7E-F7D68A49C069}"/>
+              </a:ext>
+            </a:extLst>
+          </p:cNvPr>
+          <p:cNvSpPr/>
+          <p:nvPr/>
+        </p:nvSpPr>
+        <p:spPr>
+          <a:xfrm>
+            <a:off x="9985900" y="1107115"/>
+            <a:ext cx="896643" cy="284086"/>
+          </a:xfrm>
+          <a:prstGeom prst="ellipse">
+            <a:avLst/>
+          </a:prstGeom>
+        </p:spPr>
+        <p:style>
+          <a:lnRef idx="2">
+            <a:schemeClr val="accent6"/>
+          </a:lnRef>
+          <a:fillRef idx="1">
+            <a:schemeClr val="lt1"/>
+          </a:fillRef>
+          <a:effectRef idx="0">
+            <a:schemeClr val="accent6"/>
+          </a:effectRef>
+          <a:fontRef idx="minor">
+            <a:schemeClr val="dk1"/>
+          </a:fontRef>
+        </p:style>
+        <p:txBody>
+          <a:bodyPr rtlCol="0" anchor="ctr"/>
+          <a:lstStyle/>
+          <a:p>
+            <a:pPr algn="ctr"/>
+            <a:r>
+              <a:rPr lang="es-ES" sz="1000" dirty="0"/>
+              <a:t>frase</a:t>
+            </a:r>
+          </a:p>
+        </p:txBody>
+      </p:sp>
+      <p:cxnSp>
+        <p:nvCxnSpPr>
+          <p:cNvPr id="90" name="Conector recto 89">
+            <a:extLst>
+              <a:ext uri="{FF2B5EF4-FFF2-40B4-BE49-F238E27FC236}">
+                <a16:creationId xmlns:a16="http://schemas.microsoft.com/office/drawing/2014/main" id="{6BC8C8E6-CC24-4A90-B949-CB514274BAC9}"/>
+              </a:ext>
+            </a:extLst>
+          </p:cNvPr>
+          <p:cNvCxnSpPr>
+            <a:cxnSpLocks/>
+            <a:endCxn id="87" idx="2"/>
+          </p:cNvCxnSpPr>
+          <p:nvPr/>
+        </p:nvCxnSpPr>
+        <p:spPr>
+          <a:xfrm flipV="1">
+            <a:off x="9065579" y="788444"/>
+            <a:ext cx="920322" cy="264214"/>
+          </a:xfrm>
+          <a:prstGeom prst="line">
+            <a:avLst/>
+          </a:prstGeom>
+        </p:spPr>
+        <p:style>
+          <a:lnRef idx="1">
+            <a:schemeClr val="accent1"/>
+          </a:lnRef>
+          <a:fillRef idx="0">
+            <a:schemeClr val="accent1"/>
+          </a:fillRef>
+          <a:effectRef idx="0">
+            <a:schemeClr val="accent1"/>
+          </a:effectRef>
+          <a:fontRef idx="minor">
+            <a:schemeClr val="tx1"/>
+          </a:fontRef>
+        </p:style>
+      </p:cxnSp>
+      <p:cxnSp>
+        <p:nvCxnSpPr>
+          <p:cNvPr id="93" name="Conector recto 92">
+            <a:extLst>
+              <a:ext uri="{FF2B5EF4-FFF2-40B4-BE49-F238E27FC236}">
+                <a16:creationId xmlns:a16="http://schemas.microsoft.com/office/drawing/2014/main" id="{E1477319-13CA-402B-AB75-5FE7E39B954F}"/>
+              </a:ext>
+            </a:extLst>
+          </p:cNvPr>
+          <p:cNvCxnSpPr>
+            <a:stCxn id="88" idx="2"/>
+            <a:endCxn id="8" idx="3"/>
+          </p:cNvCxnSpPr>
+          <p:nvPr/>
+        </p:nvCxnSpPr>
+        <p:spPr>
+          <a:xfrm flipH="1">
+            <a:off x="9065579" y="1249158"/>
+            <a:ext cx="920321" cy="1"/>
+          </a:xfrm>
+          <a:prstGeom prst="line">
+            <a:avLst/>
+          </a:prstGeom>
+        </p:spPr>
+        <p:style>
+          <a:lnRef idx="1">
+            <a:schemeClr val="accent1"/>
+          </a:lnRef>
+          <a:fillRef idx="0">
+            <a:schemeClr val="accent1"/>
+          </a:fillRef>
+          <a:effectRef idx="0">
+            <a:schemeClr val="accent1"/>
+          </a:effectRef>
+          <a:fontRef idx="minor">
+            <a:schemeClr val="tx1"/>
+          </a:fontRef>
+        </p:style>
+      </p:cxnSp>
+      <p:sp>
+        <p:nvSpPr>
+          <p:cNvPr id="94" name="Elipse 93">
+            <a:extLst>
+              <a:ext uri="{FF2B5EF4-FFF2-40B4-BE49-F238E27FC236}">
+                <a16:creationId xmlns:a16="http://schemas.microsoft.com/office/drawing/2014/main" id="{3DE42FFC-721B-412E-A0B0-5FC6B2C9E491}"/>
+              </a:ext>
+            </a:extLst>
+          </p:cNvPr>
+          <p:cNvSpPr/>
+          <p:nvPr/>
+        </p:nvSpPr>
+        <p:spPr>
+          <a:xfrm>
+            <a:off x="9982324" y="1640520"/>
+            <a:ext cx="896643" cy="284086"/>
+          </a:xfrm>
+          <a:prstGeom prst="ellipse">
+            <a:avLst/>
+          </a:prstGeom>
+        </p:spPr>
+        <p:style>
+          <a:lnRef idx="2">
+            <a:schemeClr val="accent6"/>
+          </a:lnRef>
+          <a:fillRef idx="1">
+            <a:schemeClr val="lt1"/>
+          </a:fillRef>
+          <a:effectRef idx="0">
+            <a:schemeClr val="accent6"/>
+          </a:effectRef>
+          <a:fontRef idx="minor">
+            <a:schemeClr val="dk1"/>
+          </a:fontRef>
+        </p:style>
+        <p:txBody>
+          <a:bodyPr rtlCol="0" anchor="ctr"/>
+          <a:lstStyle/>
+          <a:p>
+            <a:pPr algn="ctr"/>
+            <a:r>
+              <a:rPr lang="es-ES" sz="1000" dirty="0"/>
+              <a:t>juego</a:t>
+            </a:r>
+          </a:p>
+        </p:txBody>
+      </p:sp>
+      <p:cxnSp>
+        <p:nvCxnSpPr>
+          <p:cNvPr id="96" name="Conector recto 95">
+            <a:extLst>
+              <a:ext uri="{FF2B5EF4-FFF2-40B4-BE49-F238E27FC236}">
+                <a16:creationId xmlns:a16="http://schemas.microsoft.com/office/drawing/2014/main" id="{668EFA3B-8503-4FD6-B693-54292FC4C891}"/>
+              </a:ext>
+            </a:extLst>
+          </p:cNvPr>
+          <p:cNvCxnSpPr>
+            <a:endCxn id="94" idx="2"/>
+          </p:cNvCxnSpPr>
+          <p:nvPr/>
+        </p:nvCxnSpPr>
+        <p:spPr>
+          <a:xfrm>
+            <a:off x="9065579" y="1440028"/>
+            <a:ext cx="916745" cy="342535"/>
+          </a:xfrm>
+          <a:prstGeom prst="line">
+            <a:avLst/>
+          </a:prstGeom>
+        </p:spPr>
+        <p:style>
+          <a:lnRef idx="1">
+            <a:schemeClr val="accent1"/>
+          </a:lnRef>
+          <a:fillRef idx="0">
+            <a:schemeClr val="accent1"/>
+          </a:fillRef>
+          <a:effectRef idx="0">
+            <a:schemeClr val="accent1"/>
+          </a:effectRef>
+          <a:fontRef idx="minor">
+            <a:schemeClr val="tx1"/>
+          </a:fontRef>
+        </p:style>
+      </p:cxnSp>
     </p:spTree>
     <p:extLst>
       <p:ext uri="{BB962C8B-B14F-4D97-AF65-F5344CB8AC3E}">
-        <p14:creationId xmlns:p14="http://schemas.microsoft.com/office/powerpoint/2010/main" val="4174453034"/>
+        <p14:creationId xmlns:p14="http://schemas.microsoft.com/office/powerpoint/2010/main" val="1828197638"/>
       </p:ext>
     </p:extLst>
   </p:cSld>
@@ -6233,128 +7078,12 @@
           <a:chExt cx="0" cy="0"/>
         </a:xfrm>
       </p:grpSpPr>
-      <p:sp>
-        <p:nvSpPr>
-          <p:cNvPr id="5" name="CuadroTexto 4">
-            <a:extLst>
-              <a:ext uri="{FF2B5EF4-FFF2-40B4-BE49-F238E27FC236}">
-                <a16:creationId xmlns:a16="http://schemas.microsoft.com/office/drawing/2014/main" id="{884E49D8-B698-4D20-8F9B-3C34A712B59B}"/>
-              </a:ext>
-            </a:extLst>
-          </p:cNvPr>
-          <p:cNvSpPr txBox="1"/>
-          <p:nvPr/>
-        </p:nvSpPr>
-        <p:spPr>
-          <a:xfrm>
-            <a:off x="264955" y="5157925"/>
-            <a:ext cx="2333674" cy="938719"/>
-          </a:xfrm>
-          <a:prstGeom prst="rect">
-            <a:avLst/>
-          </a:prstGeom>
-          <a:noFill/>
-        </p:spPr>
-        <p:txBody>
-          <a:bodyPr wrap="square" rtlCol="0">
-            <a:spAutoFit/>
-          </a:bodyPr>
-          <a:lstStyle/>
-          <a:p>
-            <a:pPr algn="ctr"/>
-            <a:r>
-              <a:rPr lang="es-ES" sz="1100" dirty="0"/>
-              <a:t>Pantalla de juego: se muestra el reto en cuestión, la opción de ver la frase anterior y de sacar una nueva, así como el botón para mostrar una bebida aleatoria.</a:t>
-            </a:r>
-          </a:p>
-        </p:txBody>
-      </p:sp>
-      <p:sp>
-        <p:nvSpPr>
-          <p:cNvPr id="7" name="CuadroTexto 6">
-            <a:extLst>
-              <a:ext uri="{FF2B5EF4-FFF2-40B4-BE49-F238E27FC236}">
-                <a16:creationId xmlns:a16="http://schemas.microsoft.com/office/drawing/2014/main" id="{C1AD9972-859C-4862-9B3C-C9C99679D82C}"/>
-              </a:ext>
-            </a:extLst>
-          </p:cNvPr>
-          <p:cNvSpPr txBox="1"/>
-          <p:nvPr/>
-        </p:nvSpPr>
-        <p:spPr>
-          <a:xfrm>
-            <a:off x="2724070" y="5157925"/>
-            <a:ext cx="2333674" cy="600164"/>
-          </a:xfrm>
-          <a:prstGeom prst="rect">
-            <a:avLst/>
-          </a:prstGeom>
-          <a:noFill/>
-        </p:spPr>
-        <p:txBody>
-          <a:bodyPr wrap="square" rtlCol="0">
-            <a:spAutoFit/>
-          </a:bodyPr>
-          <a:lstStyle/>
-          <a:p>
-            <a:pPr algn="ctr"/>
-            <a:r>
-              <a:rPr lang="es-ES" sz="1100" dirty="0"/>
-              <a:t>Pantalla para añadir, editar/eliminar jugadores (</a:t>
-            </a:r>
-            <a:r>
-              <a:rPr lang="es-ES" sz="1100" dirty="0" err="1"/>
-              <a:t>clickando</a:t>
-            </a:r>
-            <a:r>
-              <a:rPr lang="es-ES" sz="1100" dirty="0"/>
-              <a:t> sobre el nombre se accede a editar/eliminar)</a:t>
-            </a:r>
-          </a:p>
-        </p:txBody>
-      </p:sp>
-      <p:sp>
-        <p:nvSpPr>
-          <p:cNvPr id="9" name="CuadroTexto 8">
-            <a:extLst>
-              <a:ext uri="{FF2B5EF4-FFF2-40B4-BE49-F238E27FC236}">
-                <a16:creationId xmlns:a16="http://schemas.microsoft.com/office/drawing/2014/main" id="{32C9B4AC-3DFD-4B45-94A3-1E8BEA182F2F}"/>
-              </a:ext>
-            </a:extLst>
-          </p:cNvPr>
-          <p:cNvSpPr txBox="1"/>
-          <p:nvPr/>
-        </p:nvSpPr>
-        <p:spPr>
-          <a:xfrm>
-            <a:off x="5181858" y="5157924"/>
-            <a:ext cx="2416437" cy="938719"/>
-          </a:xfrm>
-          <a:prstGeom prst="rect">
-            <a:avLst/>
-          </a:prstGeom>
-          <a:noFill/>
-        </p:spPr>
-        <p:txBody>
-          <a:bodyPr wrap="square" rtlCol="0">
-            <a:spAutoFit/>
-          </a:bodyPr>
-          <a:lstStyle/>
-          <a:p>
-            <a:pPr algn="ctr"/>
-            <a:r>
-              <a:rPr lang="es-ES" sz="1100" dirty="0"/>
-              <a:t>Ajustes. Opciones para ponerse en contacto con el desarrollador, para compartir la  aplicación, enviar una valoración y subir las frases que se le ocurran al jugador.</a:t>
-            </a:r>
-          </a:p>
-        </p:txBody>
-      </p:sp>
       <p:pic>
         <p:nvPicPr>
-          <p:cNvPr id="12" name="Imagen 11">
-            <a:extLst>
-              <a:ext uri="{FF2B5EF4-FFF2-40B4-BE49-F238E27FC236}">
-                <a16:creationId xmlns:a16="http://schemas.microsoft.com/office/drawing/2014/main" id="{474C3F15-48D9-42A3-8E3B-F2E0F74FD125}"/>
+          <p:cNvPr id="4" name="Imagen 3">
+            <a:extLst>
+              <a:ext uri="{FF2B5EF4-FFF2-40B4-BE49-F238E27FC236}">
+                <a16:creationId xmlns:a16="http://schemas.microsoft.com/office/drawing/2014/main" id="{2D1836BD-8CA6-4122-9782-8E83117CD2C3}"/>
               </a:ext>
             </a:extLst>
           </p:cNvPr>
@@ -6372,19 +7101,55 @@
         <p:spPr>
           <a:xfrm>
             <a:off x="264955" y="435006"/>
-            <a:ext cx="2313897" cy="4603072"/>
+            <a:ext cx="2333674" cy="4603072"/>
           </a:xfrm>
           <a:prstGeom prst="rect">
             <a:avLst/>
           </a:prstGeom>
         </p:spPr>
       </p:pic>
+      <p:sp>
+        <p:nvSpPr>
+          <p:cNvPr id="5" name="CuadroTexto 4">
+            <a:extLst>
+              <a:ext uri="{FF2B5EF4-FFF2-40B4-BE49-F238E27FC236}">
+                <a16:creationId xmlns:a16="http://schemas.microsoft.com/office/drawing/2014/main" id="{43DB0911-9807-4C77-96F6-C49540751DB2}"/>
+              </a:ext>
+            </a:extLst>
+          </p:cNvPr>
+          <p:cNvSpPr txBox="1"/>
+          <p:nvPr/>
+        </p:nvSpPr>
+        <p:spPr>
+          <a:xfrm>
+            <a:off x="264955" y="5157925"/>
+            <a:ext cx="2333674" cy="430887"/>
+          </a:xfrm>
+          <a:prstGeom prst="rect">
+            <a:avLst/>
+          </a:prstGeom>
+          <a:noFill/>
+        </p:spPr>
+        <p:txBody>
+          <a:bodyPr wrap="square" rtlCol="0">
+            <a:spAutoFit/>
+          </a:bodyPr>
+          <a:lstStyle/>
+          <a:p>
+            <a:pPr algn="ctr"/>
+            <a:r>
+              <a:rPr lang="es-ES" sz="1100" dirty="0"/>
+              <a:t>Pantalla principal con una breve presentación de la aplicación.</a:t>
+            </a:r>
+          </a:p>
+        </p:txBody>
+      </p:sp>
       <p:pic>
         <p:nvPicPr>
-          <p:cNvPr id="13" name="Imagen 12">
-            <a:extLst>
-              <a:ext uri="{FF2B5EF4-FFF2-40B4-BE49-F238E27FC236}">
-                <a16:creationId xmlns:a16="http://schemas.microsoft.com/office/drawing/2014/main" id="{4F139D32-B198-4924-81AA-5223E8E85E12}"/>
+          <p:cNvPr id="6" name="Imagen 5">
+            <a:extLst>
+              <a:ext uri="{FF2B5EF4-FFF2-40B4-BE49-F238E27FC236}">
+                <a16:creationId xmlns:a16="http://schemas.microsoft.com/office/drawing/2014/main" id="{84F27903-6B98-4BA1-A5DD-E1685E562869}"/>
               </a:ext>
             </a:extLst>
           </p:cNvPr>
@@ -6401,20 +7166,56 @@
         </p:blipFill>
         <p:spPr>
           <a:xfrm>
-            <a:off x="2680317" y="435006"/>
-            <a:ext cx="2396932" cy="4603072"/>
+            <a:off x="2724070" y="435006"/>
+            <a:ext cx="2338858" cy="4603073"/>
           </a:xfrm>
           <a:prstGeom prst="rect">
             <a:avLst/>
           </a:prstGeom>
         </p:spPr>
       </p:pic>
+      <p:sp>
+        <p:nvSpPr>
+          <p:cNvPr id="7" name="CuadroTexto 6">
+            <a:extLst>
+              <a:ext uri="{FF2B5EF4-FFF2-40B4-BE49-F238E27FC236}">
+                <a16:creationId xmlns:a16="http://schemas.microsoft.com/office/drawing/2014/main" id="{9D58FBF2-68ED-40AC-8CB8-427C7CEC270C}"/>
+              </a:ext>
+            </a:extLst>
+          </p:cNvPr>
+          <p:cNvSpPr txBox="1"/>
+          <p:nvPr/>
+        </p:nvSpPr>
+        <p:spPr>
+          <a:xfrm>
+            <a:off x="2724070" y="5157925"/>
+            <a:ext cx="2333674" cy="769441"/>
+          </a:xfrm>
+          <a:prstGeom prst="rect">
+            <a:avLst/>
+          </a:prstGeom>
+          <a:noFill/>
+        </p:spPr>
+        <p:txBody>
+          <a:bodyPr wrap="square" rtlCol="0">
+            <a:spAutoFit/>
+          </a:bodyPr>
+          <a:lstStyle/>
+          <a:p>
+            <a:pPr algn="ctr"/>
+            <a:r>
+              <a:rPr lang="es-ES" sz="1100" dirty="0"/>
+              <a:t>Listado de cócteles, con filtros en la parte superior, y parte de información en la zona inferior, en cada cóctel.</a:t>
+            </a:r>
+          </a:p>
+        </p:txBody>
+      </p:sp>
       <p:pic>
         <p:nvPicPr>
-          <p:cNvPr id="14" name="Imagen 13">
-            <a:extLst>
-              <a:ext uri="{FF2B5EF4-FFF2-40B4-BE49-F238E27FC236}">
-                <a16:creationId xmlns:a16="http://schemas.microsoft.com/office/drawing/2014/main" id="{EF40E4BE-3B50-4B4A-A07C-7EA330BA26EC}"/>
+          <p:cNvPr id="8" name="Imagen 7">
+            <a:extLst>
+              <a:ext uri="{FF2B5EF4-FFF2-40B4-BE49-F238E27FC236}">
+                <a16:creationId xmlns:a16="http://schemas.microsoft.com/office/drawing/2014/main" id="{083C4161-2566-4F5A-A1E1-D40FE50E4EFA}"/>
               </a:ext>
             </a:extLst>
           </p:cNvPr>
@@ -6431,18 +7232,120 @@
         </p:blipFill>
         <p:spPr>
           <a:xfrm>
-            <a:off x="5201364" y="435006"/>
-            <a:ext cx="2396932" cy="4603072"/>
+            <a:off x="5188369" y="435006"/>
+            <a:ext cx="2327164" cy="4603072"/>
           </a:xfrm>
           <a:prstGeom prst="rect">
             <a:avLst/>
           </a:prstGeom>
         </p:spPr>
       </p:pic>
+      <p:sp>
+        <p:nvSpPr>
+          <p:cNvPr id="9" name="CuadroTexto 8">
+            <a:extLst>
+              <a:ext uri="{FF2B5EF4-FFF2-40B4-BE49-F238E27FC236}">
+                <a16:creationId xmlns:a16="http://schemas.microsoft.com/office/drawing/2014/main" id="{5340698C-08D0-4635-913C-12EF5CE3DF1E}"/>
+              </a:ext>
+            </a:extLst>
+          </p:cNvPr>
+          <p:cNvSpPr txBox="1"/>
+          <p:nvPr/>
+        </p:nvSpPr>
+        <p:spPr>
+          <a:xfrm>
+            <a:off x="5181859" y="5157924"/>
+            <a:ext cx="2333674" cy="769441"/>
+          </a:xfrm>
+          <a:prstGeom prst="rect">
+            <a:avLst/>
+          </a:prstGeom>
+          <a:noFill/>
+        </p:spPr>
+        <p:txBody>
+          <a:bodyPr wrap="square" rtlCol="0">
+            <a:spAutoFit/>
+          </a:bodyPr>
+          <a:lstStyle/>
+          <a:p>
+            <a:pPr algn="ctr"/>
+            <a:r>
+              <a:rPr lang="es-ES" sz="1100" dirty="0"/>
+              <a:t>Información sobre un cóctel. Se muestran todos los datos, tales como descripción, elaboración y distintos precios.</a:t>
+            </a:r>
+          </a:p>
+        </p:txBody>
+      </p:sp>
+      <p:pic>
+        <p:nvPicPr>
+          <p:cNvPr id="10" name="Imagen 9">
+            <a:extLst>
+              <a:ext uri="{FF2B5EF4-FFF2-40B4-BE49-F238E27FC236}">
+                <a16:creationId xmlns:a16="http://schemas.microsoft.com/office/drawing/2014/main" id="{2CEA5A31-1C56-4E64-99BC-379719DC6112}"/>
+              </a:ext>
+            </a:extLst>
+          </p:cNvPr>
+          <p:cNvPicPr>
+            <a:picLocks noChangeAspect="1"/>
+          </p:cNvPicPr>
+          <p:nvPr/>
+        </p:nvPicPr>
+        <p:blipFill>
+          <a:blip r:embed="rId5"/>
+          <a:stretch>
+            <a:fillRect/>
+          </a:stretch>
+        </p:blipFill>
+        <p:spPr>
+          <a:xfrm>
+            <a:off x="7640974" y="435006"/>
+            <a:ext cx="2326888" cy="4603072"/>
+          </a:xfrm>
+          <a:prstGeom prst="rect">
+            <a:avLst/>
+          </a:prstGeom>
+        </p:spPr>
+      </p:pic>
+      <p:sp>
+        <p:nvSpPr>
+          <p:cNvPr id="12" name="CuadroTexto 11">
+            <a:extLst>
+              <a:ext uri="{FF2B5EF4-FFF2-40B4-BE49-F238E27FC236}">
+                <a16:creationId xmlns:a16="http://schemas.microsoft.com/office/drawing/2014/main" id="{E97D617B-459D-45AC-91B0-1F0200CF6C88}"/>
+              </a:ext>
+            </a:extLst>
+          </p:cNvPr>
+          <p:cNvSpPr txBox="1"/>
+          <p:nvPr/>
+        </p:nvSpPr>
+        <p:spPr>
+          <a:xfrm>
+            <a:off x="7639648" y="5157924"/>
+            <a:ext cx="2333674" cy="1107996"/>
+          </a:xfrm>
+          <a:prstGeom prst="rect">
+            <a:avLst/>
+          </a:prstGeom>
+          <a:noFill/>
+        </p:spPr>
+        <p:txBody>
+          <a:bodyPr wrap="square" rtlCol="0">
+            <a:spAutoFit/>
+          </a:bodyPr>
+          <a:lstStyle/>
+          <a:p>
+            <a:pPr algn="ctr"/>
+            <a:r>
+              <a:rPr lang="es-ES" sz="1100" dirty="0"/>
+              <a:t>Pantalla de juegos, en la cual se pueden también añadir jugadores y ver una bebida aleatoria (muestra la misma pantalla que la de información sobre cócteles, pero con un cóctel aleatorio)</a:t>
+            </a:r>
+          </a:p>
+        </p:txBody>
+      </p:sp>
     </p:spTree>
     <p:extLst>
       <p:ext uri="{BB962C8B-B14F-4D97-AF65-F5344CB8AC3E}">
-        <p14:creationId xmlns:p14="http://schemas.microsoft.com/office/powerpoint/2010/main" val="559703829"/>
+        <p14:creationId xmlns:p14="http://schemas.microsoft.com/office/powerpoint/2010/main" val="4174453034"/>
       </p:ext>
     </p:extLst>
   </p:cSld>
@@ -6471,6 +7374,242 @@
       </p:grpSpPr>
       <p:sp>
         <p:nvSpPr>
+          <p:cNvPr id="5" name="CuadroTexto 4">
+            <a:extLst>
+              <a:ext uri="{FF2B5EF4-FFF2-40B4-BE49-F238E27FC236}">
+                <a16:creationId xmlns:a16="http://schemas.microsoft.com/office/drawing/2014/main" id="{884E49D8-B698-4D20-8F9B-3C34A712B59B}"/>
+              </a:ext>
+            </a:extLst>
+          </p:cNvPr>
+          <p:cNvSpPr txBox="1"/>
+          <p:nvPr/>
+        </p:nvSpPr>
+        <p:spPr>
+          <a:xfrm>
+            <a:off x="264955" y="5157925"/>
+            <a:ext cx="2333674" cy="938719"/>
+          </a:xfrm>
+          <a:prstGeom prst="rect">
+            <a:avLst/>
+          </a:prstGeom>
+          <a:noFill/>
+        </p:spPr>
+        <p:txBody>
+          <a:bodyPr wrap="square" rtlCol="0">
+            <a:spAutoFit/>
+          </a:bodyPr>
+          <a:lstStyle/>
+          <a:p>
+            <a:pPr algn="ctr"/>
+            <a:r>
+              <a:rPr lang="es-ES" sz="1100" dirty="0"/>
+              <a:t>Pantalla de juego: se muestra el reto en cuestión, la opción de ver la frase anterior y de sacar una nueva, así como el botón para mostrar una bebida aleatoria.</a:t>
+            </a:r>
+          </a:p>
+        </p:txBody>
+      </p:sp>
+      <p:sp>
+        <p:nvSpPr>
+          <p:cNvPr id="7" name="CuadroTexto 6">
+            <a:extLst>
+              <a:ext uri="{FF2B5EF4-FFF2-40B4-BE49-F238E27FC236}">
+                <a16:creationId xmlns:a16="http://schemas.microsoft.com/office/drawing/2014/main" id="{C1AD9972-859C-4862-9B3C-C9C99679D82C}"/>
+              </a:ext>
+            </a:extLst>
+          </p:cNvPr>
+          <p:cNvSpPr txBox="1"/>
+          <p:nvPr/>
+        </p:nvSpPr>
+        <p:spPr>
+          <a:xfrm>
+            <a:off x="2724070" y="5157925"/>
+            <a:ext cx="2333674" cy="600164"/>
+          </a:xfrm>
+          <a:prstGeom prst="rect">
+            <a:avLst/>
+          </a:prstGeom>
+          <a:noFill/>
+        </p:spPr>
+        <p:txBody>
+          <a:bodyPr wrap="square" rtlCol="0">
+            <a:spAutoFit/>
+          </a:bodyPr>
+          <a:lstStyle/>
+          <a:p>
+            <a:pPr algn="ctr"/>
+            <a:r>
+              <a:rPr lang="es-ES" sz="1100" dirty="0"/>
+              <a:t>Pantalla para añadir, editar/eliminar jugadores (</a:t>
+            </a:r>
+            <a:r>
+              <a:rPr lang="es-ES" sz="1100" dirty="0" err="1"/>
+              <a:t>clickando</a:t>
+            </a:r>
+            <a:r>
+              <a:rPr lang="es-ES" sz="1100" dirty="0"/>
+              <a:t> sobre el nombre se accede a editar/eliminar)</a:t>
+            </a:r>
+          </a:p>
+        </p:txBody>
+      </p:sp>
+      <p:sp>
+        <p:nvSpPr>
+          <p:cNvPr id="9" name="CuadroTexto 8">
+            <a:extLst>
+              <a:ext uri="{FF2B5EF4-FFF2-40B4-BE49-F238E27FC236}">
+                <a16:creationId xmlns:a16="http://schemas.microsoft.com/office/drawing/2014/main" id="{32C9B4AC-3DFD-4B45-94A3-1E8BEA182F2F}"/>
+              </a:ext>
+            </a:extLst>
+          </p:cNvPr>
+          <p:cNvSpPr txBox="1"/>
+          <p:nvPr/>
+        </p:nvSpPr>
+        <p:spPr>
+          <a:xfrm>
+            <a:off x="5181858" y="5157924"/>
+            <a:ext cx="2416437" cy="938719"/>
+          </a:xfrm>
+          <a:prstGeom prst="rect">
+            <a:avLst/>
+          </a:prstGeom>
+          <a:noFill/>
+        </p:spPr>
+        <p:txBody>
+          <a:bodyPr wrap="square" rtlCol="0">
+            <a:spAutoFit/>
+          </a:bodyPr>
+          <a:lstStyle/>
+          <a:p>
+            <a:pPr algn="ctr"/>
+            <a:r>
+              <a:rPr lang="es-ES" sz="1100" dirty="0"/>
+              <a:t>Ajustes. Opciones para ponerse en contacto con el desarrollador, para compartir la  aplicación, enviar una valoración y subir las frases que se le ocurran al jugador.</a:t>
+            </a:r>
+          </a:p>
+        </p:txBody>
+      </p:sp>
+      <p:pic>
+        <p:nvPicPr>
+          <p:cNvPr id="12" name="Imagen 11">
+            <a:extLst>
+              <a:ext uri="{FF2B5EF4-FFF2-40B4-BE49-F238E27FC236}">
+                <a16:creationId xmlns:a16="http://schemas.microsoft.com/office/drawing/2014/main" id="{474C3F15-48D9-42A3-8E3B-F2E0F74FD125}"/>
+              </a:ext>
+            </a:extLst>
+          </p:cNvPr>
+          <p:cNvPicPr>
+            <a:picLocks noChangeAspect="1"/>
+          </p:cNvPicPr>
+          <p:nvPr/>
+        </p:nvPicPr>
+        <p:blipFill>
+          <a:blip r:embed="rId2"/>
+          <a:stretch>
+            <a:fillRect/>
+          </a:stretch>
+        </p:blipFill>
+        <p:spPr>
+          <a:xfrm>
+            <a:off x="264955" y="435006"/>
+            <a:ext cx="2313897" cy="4603072"/>
+          </a:xfrm>
+          <a:prstGeom prst="rect">
+            <a:avLst/>
+          </a:prstGeom>
+        </p:spPr>
+      </p:pic>
+      <p:pic>
+        <p:nvPicPr>
+          <p:cNvPr id="13" name="Imagen 12">
+            <a:extLst>
+              <a:ext uri="{FF2B5EF4-FFF2-40B4-BE49-F238E27FC236}">
+                <a16:creationId xmlns:a16="http://schemas.microsoft.com/office/drawing/2014/main" id="{4F139D32-B198-4924-81AA-5223E8E85E12}"/>
+              </a:ext>
+            </a:extLst>
+          </p:cNvPr>
+          <p:cNvPicPr>
+            <a:picLocks noChangeAspect="1"/>
+          </p:cNvPicPr>
+          <p:nvPr/>
+        </p:nvPicPr>
+        <p:blipFill>
+          <a:blip r:embed="rId3"/>
+          <a:stretch>
+            <a:fillRect/>
+          </a:stretch>
+        </p:blipFill>
+        <p:spPr>
+          <a:xfrm>
+            <a:off x="2680317" y="435006"/>
+            <a:ext cx="2396932" cy="4603072"/>
+          </a:xfrm>
+          <a:prstGeom prst="rect">
+            <a:avLst/>
+          </a:prstGeom>
+        </p:spPr>
+      </p:pic>
+      <p:pic>
+        <p:nvPicPr>
+          <p:cNvPr id="14" name="Imagen 13">
+            <a:extLst>
+              <a:ext uri="{FF2B5EF4-FFF2-40B4-BE49-F238E27FC236}">
+                <a16:creationId xmlns:a16="http://schemas.microsoft.com/office/drawing/2014/main" id="{EF40E4BE-3B50-4B4A-A07C-7EA330BA26EC}"/>
+              </a:ext>
+            </a:extLst>
+          </p:cNvPr>
+          <p:cNvPicPr>
+            <a:picLocks noChangeAspect="1"/>
+          </p:cNvPicPr>
+          <p:nvPr/>
+        </p:nvPicPr>
+        <p:blipFill>
+          <a:blip r:embed="rId4"/>
+          <a:stretch>
+            <a:fillRect/>
+          </a:stretch>
+        </p:blipFill>
+        <p:spPr>
+          <a:xfrm>
+            <a:off x="5201364" y="435006"/>
+            <a:ext cx="2396932" cy="4603072"/>
+          </a:xfrm>
+          <a:prstGeom prst="rect">
+            <a:avLst/>
+          </a:prstGeom>
+        </p:spPr>
+      </p:pic>
+    </p:spTree>
+    <p:extLst>
+      <p:ext uri="{BB962C8B-B14F-4D97-AF65-F5344CB8AC3E}">
+        <p14:creationId xmlns:p14="http://schemas.microsoft.com/office/powerpoint/2010/main" val="559703829"/>
+      </p:ext>
+    </p:extLst>
+  </p:cSld>
+  <p:clrMapOvr>
+    <a:masterClrMapping/>
+  </p:clrMapOvr>
+</p:sld>
+</file>
+
+<file path=ppt/slides/slide6.xml><?xml version="1.0" encoding="utf-8"?>
+<p:sld xmlns:a="http://schemas.openxmlformats.org/drawingml/2006/main" xmlns:r="http://schemas.openxmlformats.org/officeDocument/2006/relationships" xmlns:p="http://schemas.openxmlformats.org/presentationml/2006/main">
+  <p:cSld>
+    <p:spTree>
+      <p:nvGrpSpPr>
+        <p:cNvPr id="1" name=""/>
+        <p:cNvGrpSpPr/>
+        <p:nvPr/>
+      </p:nvGrpSpPr>
+      <p:grpSpPr>
+        <a:xfrm>
+          <a:off x="0" y="0"/>
+          <a:ext cx="0" cy="0"/>
+          <a:chOff x="0" y="0"/>
+          <a:chExt cx="0" cy="0"/>
+        </a:xfrm>
+      </p:grpSpPr>
+      <p:sp>
+        <p:nvSpPr>
           <p:cNvPr id="4" name="CuadroTexto 3">
             <a:extLst>
               <a:ext uri="{FF2B5EF4-FFF2-40B4-BE49-F238E27FC236}">
@@ -6826,8 +7965,8 @@
           <a:p>
             <a:pPr algn="ctr"/>
             <a:r>
-              <a:rPr lang="es-ES" dirty="0"/>
-              <a:t>Se elimina de BD temporal</a:t>
+              <a:rPr lang="es-ES" sz="1600" dirty="0"/>
+              <a:t>Se elimina de tabla temporal</a:t>
             </a:r>
           </a:p>
         </p:txBody>
@@ -6873,8 +8012,8 @@
           <a:p>
             <a:pPr algn="ctr"/>
             <a:r>
-              <a:rPr lang="es-ES" dirty="0"/>
-              <a:t>Se guarda en BD definitiva</a:t>
+              <a:rPr lang="es-ES" sz="1600" dirty="0"/>
+              <a:t>Se guarda en tabla definitiva</a:t>
             </a:r>
           </a:p>
         </p:txBody>
